--- a/oral/ppt presentation/Présentation de l'application Push mail.pptx
+++ b/oral/ppt presentation/Présentation de l'application Push mail.pptx
@@ -263,7 +263,7 @@
           <a:bodyPr lIns="0" rIns="0" tIns="0" bIns="0" anchor="b"/>
           <a:p>
             <a:pPr algn="r"/>
-            <a:fld id="{D6014BDA-B9F9-4580-90B3-596A0CDEF6A7}" type="slidenum">
+            <a:fld id="{963C2F94-93C8-4D96-9BB1-86485B1B2F2F}" type="slidenum">
               <a:rPr b="0" lang="fr-FR" sz="1400" spc="-1" strike="noStrike">
                 <a:latin typeface="Times New Roman"/>
               </a:rPr>
@@ -311,7 +311,7 @@
         <p:spPr>
           <a:xfrm>
             <a:off x="217440" y="812520"/>
-            <a:ext cx="7124400" cy="4008600"/>
+            <a:ext cx="7124040" cy="4008240"/>
           </a:xfrm>
           <a:prstGeom prst="rect">
             <a:avLst/>
@@ -331,7 +331,7 @@
         <p:spPr>
           <a:xfrm>
             <a:off x="756000" y="5078520"/>
-            <a:ext cx="6047280" cy="4810680"/>
+            <a:ext cx="6046920" cy="4810320"/>
           </a:xfrm>
           <a:prstGeom prst="rect">
             <a:avLst/>
@@ -340,7 +340,7 @@
         <p:txBody>
           <a:bodyPr lIns="0" rIns="0" tIns="0" bIns="0"/>
           <a:p>
-            <a:pPr marL="216000" indent="-216000">
+            <a:pPr marL="216000" indent="-215640">
               <a:lnSpc>
                 <a:spcPct val="100000"/>
               </a:lnSpc>
@@ -396,7 +396,7 @@
         <p:spPr>
           <a:xfrm>
             <a:off x="217440" y="812520"/>
-            <a:ext cx="7124400" cy="4008600"/>
+            <a:ext cx="7124040" cy="4008240"/>
           </a:xfrm>
           <a:prstGeom prst="rect">
             <a:avLst/>
@@ -416,7 +416,7 @@
         <p:spPr>
           <a:xfrm>
             <a:off x="756000" y="5078520"/>
-            <a:ext cx="6047280" cy="4810680"/>
+            <a:ext cx="6046920" cy="4810320"/>
           </a:xfrm>
           <a:prstGeom prst="rect">
             <a:avLst/>
@@ -425,7 +425,7 @@
         <p:txBody>
           <a:bodyPr lIns="0" rIns="0" tIns="0" bIns="0"/>
           <a:p>
-            <a:pPr marL="216000" indent="-216000">
+            <a:pPr marL="216000" indent="-215640">
               <a:lnSpc>
                 <a:spcPct val="100000"/>
               </a:lnSpc>
@@ -481,7 +481,7 @@
         <p:spPr>
           <a:xfrm>
             <a:off x="217440" y="812520"/>
-            <a:ext cx="7124400" cy="4008600"/>
+            <a:ext cx="7124040" cy="4008240"/>
           </a:xfrm>
           <a:prstGeom prst="rect">
             <a:avLst/>
@@ -501,7 +501,7 @@
         <p:spPr>
           <a:xfrm>
             <a:off x="756000" y="5078520"/>
-            <a:ext cx="6047280" cy="4810680"/>
+            <a:ext cx="6046920" cy="4810320"/>
           </a:xfrm>
           <a:prstGeom prst="rect">
             <a:avLst/>
@@ -510,7 +510,7 @@
         <p:txBody>
           <a:bodyPr lIns="0" rIns="0" tIns="0" bIns="0"/>
           <a:p>
-            <a:pPr marL="216000" indent="-216000">
+            <a:pPr marL="216000" indent="-215640">
               <a:lnSpc>
                 <a:spcPct val="100000"/>
               </a:lnSpc>
@@ -530,7 +530,7 @@
             </a:endParaRPr>
           </a:p>
           <a:p>
-            <a:pPr marL="216000" indent="-216000">
+            <a:pPr marL="216000" indent="-215640">
               <a:lnSpc>
                 <a:spcPct val="100000"/>
               </a:lnSpc>
@@ -540,7 +540,7 @@
             </a:endParaRPr>
           </a:p>
           <a:p>
-            <a:pPr marL="216000" indent="-216000">
+            <a:pPr marL="216000" indent="-215640">
               <a:lnSpc>
                 <a:spcPct val="100000"/>
               </a:lnSpc>
@@ -560,7 +560,7 @@
             </a:endParaRPr>
           </a:p>
           <a:p>
-            <a:pPr marL="216000" indent="-216000">
+            <a:pPr marL="216000" indent="-215640">
               <a:lnSpc>
                 <a:spcPct val="100000"/>
               </a:lnSpc>
@@ -570,7 +570,7 @@
             </a:endParaRPr>
           </a:p>
           <a:p>
-            <a:pPr marL="216000" indent="-216000">
+            <a:pPr marL="216000" indent="-215640">
               <a:lnSpc>
                 <a:spcPct val="100000"/>
               </a:lnSpc>
@@ -600,7 +600,7 @@
             </a:endParaRPr>
           </a:p>
           <a:p>
-            <a:pPr marL="216000" indent="-216000">
+            <a:pPr marL="216000" indent="-215640">
               <a:lnSpc>
                 <a:spcPct val="100000"/>
               </a:lnSpc>
@@ -620,7 +620,7 @@
             </a:endParaRPr>
           </a:p>
           <a:p>
-            <a:pPr marL="216000" indent="-216000">
+            <a:pPr marL="216000" indent="-215640">
               <a:lnSpc>
                 <a:spcPct val="100000"/>
               </a:lnSpc>
@@ -640,7 +640,7 @@
             </a:endParaRPr>
           </a:p>
           <a:p>
-            <a:pPr marL="216000" indent="-216000">
+            <a:pPr marL="216000" indent="-215640">
               <a:lnSpc>
                 <a:spcPct val="100000"/>
               </a:lnSpc>
@@ -696,7 +696,7 @@
         <p:spPr>
           <a:xfrm>
             <a:off x="217440" y="812520"/>
-            <a:ext cx="7124400" cy="4008600"/>
+            <a:ext cx="7124040" cy="4008240"/>
           </a:xfrm>
           <a:prstGeom prst="rect">
             <a:avLst/>
@@ -716,7 +716,7 @@
         <p:spPr>
           <a:xfrm>
             <a:off x="756000" y="5078520"/>
-            <a:ext cx="6047280" cy="4810680"/>
+            <a:ext cx="6046920" cy="4810320"/>
           </a:xfrm>
           <a:prstGeom prst="rect">
             <a:avLst/>
@@ -725,7 +725,7 @@
         <p:txBody>
           <a:bodyPr lIns="0" rIns="0" tIns="0" bIns="0"/>
           <a:p>
-            <a:pPr marL="216000" indent="-216000">
+            <a:pPr marL="216000" indent="-215640">
               <a:lnSpc>
                 <a:spcPct val="100000"/>
               </a:lnSpc>
@@ -801,7 +801,7 @@
         <p:spPr>
           <a:xfrm>
             <a:off x="217440" y="812520"/>
-            <a:ext cx="7124400" cy="4008600"/>
+            <a:ext cx="7124040" cy="4008240"/>
           </a:xfrm>
           <a:prstGeom prst="rect">
             <a:avLst/>
@@ -821,7 +821,7 @@
         <p:spPr>
           <a:xfrm>
             <a:off x="756000" y="5078520"/>
-            <a:ext cx="6047280" cy="4810680"/>
+            <a:ext cx="6046920" cy="4810320"/>
           </a:xfrm>
           <a:prstGeom prst="rect">
             <a:avLst/>
@@ -830,7 +830,7 @@
         <p:txBody>
           <a:bodyPr lIns="0" rIns="0" tIns="0" bIns="0"/>
           <a:p>
-            <a:pPr marL="216000" indent="-216000">
+            <a:pPr marL="216000" indent="-215640">
               <a:lnSpc>
                 <a:spcPct val="100000"/>
               </a:lnSpc>
@@ -896,7 +896,7 @@
         <p:spPr>
           <a:xfrm>
             <a:off x="217440" y="812520"/>
-            <a:ext cx="7124400" cy="4008600"/>
+            <a:ext cx="7124040" cy="4008240"/>
           </a:xfrm>
           <a:prstGeom prst="rect">
             <a:avLst/>
@@ -916,7 +916,7 @@
         <p:spPr>
           <a:xfrm>
             <a:off x="756000" y="5078520"/>
-            <a:ext cx="6047280" cy="4810680"/>
+            <a:ext cx="6046920" cy="4810320"/>
           </a:xfrm>
           <a:prstGeom prst="rect">
             <a:avLst/>
@@ -925,7 +925,7 @@
         <p:txBody>
           <a:bodyPr lIns="0" rIns="0" tIns="0" bIns="0"/>
           <a:p>
-            <a:pPr marL="216000" indent="-216000">
+            <a:pPr marL="216000" indent="-215640">
               <a:lnSpc>
                 <a:spcPct val="100000"/>
               </a:lnSpc>
@@ -981,7 +981,7 @@
         <p:spPr>
           <a:xfrm>
             <a:off x="216000" y="812520"/>
-            <a:ext cx="7126920" cy="4008600"/>
+            <a:ext cx="7126560" cy="4008240"/>
           </a:xfrm>
           <a:prstGeom prst="rect">
             <a:avLst/>
@@ -1001,7 +1001,7 @@
         <p:spPr>
           <a:xfrm>
             <a:off x="756000" y="5078520"/>
-            <a:ext cx="6047280" cy="4810680"/>
+            <a:ext cx="6046920" cy="4810320"/>
           </a:xfrm>
           <a:prstGeom prst="rect">
             <a:avLst/>
@@ -1010,7 +1010,7 @@
         <p:txBody>
           <a:bodyPr lIns="0" rIns="0" tIns="0" bIns="0"/>
           <a:p>
-            <a:pPr marL="216000" indent="-216000">
+            <a:pPr marL="216000" indent="-215640">
               <a:lnSpc>
                 <a:spcPct val="100000"/>
               </a:lnSpc>
@@ -1101,7 +1101,7 @@
             </a:endParaRPr>
           </a:p>
           <a:p>
-            <a:pPr marL="216000" indent="-216000">
+            <a:pPr marL="216000" indent="-215640">
               <a:lnSpc>
                 <a:spcPct val="100000"/>
               </a:lnSpc>
@@ -1129,7 +1129,7 @@
             </a:endParaRPr>
           </a:p>
           <a:p>
-            <a:pPr marL="216000" indent="-216000">
+            <a:pPr marL="216000" indent="-215640">
               <a:lnSpc>
                 <a:spcPct val="100000"/>
               </a:lnSpc>
@@ -1148,7 +1148,7 @@
             </a:endParaRPr>
           </a:p>
           <a:p>
-            <a:pPr marL="216000" indent="-216000">
+            <a:pPr marL="216000" indent="-215640">
               <a:lnSpc>
                 <a:spcPct val="100000"/>
               </a:lnSpc>
@@ -1167,7 +1167,7 @@
             </a:endParaRPr>
           </a:p>
           <a:p>
-            <a:pPr marL="216000" indent="-216000">
+            <a:pPr marL="216000" indent="-215640">
               <a:lnSpc>
                 <a:spcPct val="100000"/>
               </a:lnSpc>
@@ -1186,7 +1186,7 @@
             </a:endParaRPr>
           </a:p>
           <a:p>
-            <a:pPr marL="216000" indent="-216000">
+            <a:pPr marL="216000" indent="-215640">
               <a:lnSpc>
                 <a:spcPct val="100000"/>
               </a:lnSpc>
@@ -1241,7 +1241,7 @@
         <p:spPr>
           <a:xfrm>
             <a:off x="217440" y="812520"/>
-            <a:ext cx="7124400" cy="4008600"/>
+            <a:ext cx="7124040" cy="4008240"/>
           </a:xfrm>
           <a:prstGeom prst="rect">
             <a:avLst/>
@@ -1261,7 +1261,7 @@
         <p:spPr>
           <a:xfrm>
             <a:off x="756000" y="5078520"/>
-            <a:ext cx="6047280" cy="4810680"/>
+            <a:ext cx="6046920" cy="4810320"/>
           </a:xfrm>
           <a:prstGeom prst="rect">
             <a:avLst/>
@@ -1270,7 +1270,7 @@
         <p:txBody>
           <a:bodyPr lIns="0" rIns="0" tIns="0" bIns="0"/>
           <a:p>
-            <a:pPr marL="216000" indent="-216000">
+            <a:pPr marL="216000" indent="-215640">
               <a:lnSpc>
                 <a:spcPct val="100000"/>
               </a:lnSpc>
@@ -1316,7 +1316,7 @@
             </a:endParaRPr>
           </a:p>
           <a:p>
-            <a:pPr marL="216000" indent="-216000">
+            <a:pPr marL="216000" indent="-215640">
               <a:lnSpc>
                 <a:spcPct val="100000"/>
               </a:lnSpc>
@@ -1326,7 +1326,7 @@
             </a:endParaRPr>
           </a:p>
           <a:p>
-            <a:pPr marL="216000" indent="-216000">
+            <a:pPr marL="216000" indent="-215640">
               <a:lnSpc>
                 <a:spcPct val="100000"/>
               </a:lnSpc>
@@ -1345,7 +1345,7 @@
             </a:endParaRPr>
           </a:p>
           <a:p>
-            <a:pPr marL="216000" indent="-216000">
+            <a:pPr marL="216000" indent="-215640">
               <a:lnSpc>
                 <a:spcPct val="100000"/>
               </a:lnSpc>
@@ -1355,7 +1355,7 @@
             </a:endParaRPr>
           </a:p>
           <a:p>
-            <a:pPr marL="216000" indent="-216000">
+            <a:pPr marL="216000" indent="-215640">
               <a:lnSpc>
                 <a:spcPct val="100000"/>
               </a:lnSpc>
@@ -1392,7 +1392,7 @@
             </a:endParaRPr>
           </a:p>
           <a:p>
-            <a:pPr marL="216000" indent="-216000">
+            <a:pPr marL="216000" indent="-215640">
               <a:lnSpc>
                 <a:spcPct val="100000"/>
               </a:lnSpc>
@@ -1411,7 +1411,7 @@
             </a:endParaRPr>
           </a:p>
           <a:p>
-            <a:pPr marL="216000" indent="-216000">
+            <a:pPr marL="216000" indent="-215640">
               <a:lnSpc>
                 <a:spcPct val="100000"/>
               </a:lnSpc>
@@ -1430,7 +1430,7 @@
             </a:endParaRPr>
           </a:p>
           <a:p>
-            <a:pPr marL="216000" indent="-216000">
+            <a:pPr marL="216000" indent="-215640">
               <a:lnSpc>
                 <a:spcPct val="100000"/>
               </a:lnSpc>
@@ -1485,7 +1485,7 @@
         <p:spPr>
           <a:xfrm>
             <a:off x="217440" y="812520"/>
-            <a:ext cx="7124400" cy="4008600"/>
+            <a:ext cx="7124040" cy="4008240"/>
           </a:xfrm>
           <a:prstGeom prst="rect">
             <a:avLst/>
@@ -1505,7 +1505,7 @@
         <p:spPr>
           <a:xfrm>
             <a:off x="756000" y="5078520"/>
-            <a:ext cx="6047280" cy="4810680"/>
+            <a:ext cx="6046920" cy="4810320"/>
           </a:xfrm>
           <a:prstGeom prst="rect">
             <a:avLst/>
@@ -1514,7 +1514,7 @@
         <p:txBody>
           <a:bodyPr lIns="0" rIns="0" tIns="0" bIns="0"/>
           <a:p>
-            <a:pPr marL="216000" indent="-216000">
+            <a:pPr marL="216000" indent="-215640">
               <a:lnSpc>
                 <a:spcPct val="100000"/>
               </a:lnSpc>
@@ -1570,7 +1570,7 @@
         <p:spPr>
           <a:xfrm>
             <a:off x="217440" y="812520"/>
-            <a:ext cx="7124400" cy="4008600"/>
+            <a:ext cx="7124040" cy="4008240"/>
           </a:xfrm>
           <a:prstGeom prst="rect">
             <a:avLst/>
@@ -1590,7 +1590,7 @@
         <p:spPr>
           <a:xfrm>
             <a:off x="756000" y="5078520"/>
-            <a:ext cx="6047280" cy="4810680"/>
+            <a:ext cx="6046920" cy="4810320"/>
           </a:xfrm>
           <a:prstGeom prst="rect">
             <a:avLst/>
@@ -1599,7 +1599,7 @@
         <p:txBody>
           <a:bodyPr lIns="0" rIns="0" tIns="0" bIns="0"/>
           <a:p>
-            <a:pPr marL="216000" indent="-216000">
+            <a:pPr marL="216000" indent="-215640">
               <a:lnSpc>
                 <a:spcPct val="100000"/>
               </a:lnSpc>
@@ -1675,7 +1675,7 @@
         <p:spPr>
           <a:xfrm>
             <a:off x="217440" y="812520"/>
-            <a:ext cx="7124400" cy="4008600"/>
+            <a:ext cx="7124040" cy="4008240"/>
           </a:xfrm>
           <a:prstGeom prst="rect">
             <a:avLst/>
@@ -1695,7 +1695,7 @@
         <p:spPr>
           <a:xfrm>
             <a:off x="756000" y="5078520"/>
-            <a:ext cx="6047280" cy="4810680"/>
+            <a:ext cx="6046920" cy="4810320"/>
           </a:xfrm>
           <a:prstGeom prst="rect">
             <a:avLst/>
@@ -1704,7 +1704,7 @@
         <p:txBody>
           <a:bodyPr lIns="0" rIns="0" tIns="0" bIns="0"/>
           <a:p>
-            <a:pPr marL="216000" indent="-216000">
+            <a:pPr marL="216000" indent="-215640">
               <a:lnSpc>
                 <a:spcPct val="100000"/>
               </a:lnSpc>
@@ -1760,7 +1760,7 @@
         <p:spPr>
           <a:xfrm>
             <a:off x="217440" y="812520"/>
-            <a:ext cx="7124400" cy="4008600"/>
+            <a:ext cx="7124040" cy="4008240"/>
           </a:xfrm>
           <a:prstGeom prst="rect">
             <a:avLst/>
@@ -1780,7 +1780,7 @@
         <p:spPr>
           <a:xfrm>
             <a:off x="756000" y="5078520"/>
-            <a:ext cx="6047280" cy="4810680"/>
+            <a:ext cx="6046920" cy="4810320"/>
           </a:xfrm>
           <a:prstGeom prst="rect">
             <a:avLst/>
@@ -1789,7 +1789,7 @@
         <p:txBody>
           <a:bodyPr lIns="0" rIns="0" tIns="0" bIns="0"/>
           <a:p>
-            <a:pPr marL="216000" indent="-216000">
+            <a:pPr marL="216000" indent="-215640">
               <a:lnSpc>
                 <a:spcPct val="100000"/>
               </a:lnSpc>
@@ -1862,7 +1862,7 @@
             </a:endParaRPr>
           </a:p>
           <a:p>
-            <a:pPr marL="216000" indent="-216000">
+            <a:pPr marL="216000" indent="-215640">
               <a:lnSpc>
                 <a:spcPct val="100000"/>
               </a:lnSpc>
@@ -1872,7 +1872,7 @@
             </a:endParaRPr>
           </a:p>
           <a:p>
-            <a:pPr marL="216000" indent="-216000">
+            <a:pPr marL="216000" indent="-215640">
               <a:lnSpc>
                 <a:spcPct val="100000"/>
               </a:lnSpc>
@@ -1891,7 +1891,7 @@
             </a:endParaRPr>
           </a:p>
           <a:p>
-            <a:pPr marL="216000" indent="-216000">
+            <a:pPr marL="216000" indent="-215640">
               <a:lnSpc>
                 <a:spcPct val="100000"/>
               </a:lnSpc>
@@ -1901,7 +1901,7 @@
             </a:endParaRPr>
           </a:p>
           <a:p>
-            <a:pPr marL="216000" indent="-216000">
+            <a:pPr marL="216000" indent="-215640">
               <a:lnSpc>
                 <a:spcPct val="100000"/>
               </a:lnSpc>
@@ -1929,7 +1929,7 @@
             </a:endParaRPr>
           </a:p>
           <a:p>
-            <a:pPr marL="216000" indent="-216000">
+            <a:pPr marL="216000" indent="-215640">
               <a:lnSpc>
                 <a:spcPct val="100000"/>
               </a:lnSpc>
@@ -1948,7 +1948,7 @@
             </a:endParaRPr>
           </a:p>
           <a:p>
-            <a:pPr marL="216000" indent="-216000">
+            <a:pPr marL="216000" indent="-215640">
               <a:lnSpc>
                 <a:spcPct val="100000"/>
               </a:lnSpc>
@@ -2003,7 +2003,7 @@
         <p:spPr>
           <a:xfrm>
             <a:off x="217440" y="812520"/>
-            <a:ext cx="7124400" cy="4008600"/>
+            <a:ext cx="7124040" cy="4008240"/>
           </a:xfrm>
           <a:prstGeom prst="rect">
             <a:avLst/>
@@ -2023,7 +2023,7 @@
         <p:spPr>
           <a:xfrm>
             <a:off x="756000" y="5078520"/>
-            <a:ext cx="6047280" cy="4810680"/>
+            <a:ext cx="6046920" cy="4810320"/>
           </a:xfrm>
           <a:prstGeom prst="rect">
             <a:avLst/>
@@ -2032,7 +2032,7 @@
         <p:txBody>
           <a:bodyPr lIns="0" rIns="0" tIns="0" bIns="0"/>
           <a:p>
-            <a:pPr marL="216000" indent="-216000">
+            <a:pPr marL="216000" indent="-215640">
               <a:lnSpc>
                 <a:spcPct val="100000"/>
               </a:lnSpc>
@@ -2051,7 +2051,7 @@
             </a:endParaRPr>
           </a:p>
           <a:p>
-            <a:pPr marL="216000" indent="-216000">
+            <a:pPr marL="216000" indent="-215640">
               <a:lnSpc>
                 <a:spcPct val="100000"/>
               </a:lnSpc>
@@ -2070,7 +2070,7 @@
             </a:endParaRPr>
           </a:p>
           <a:p>
-            <a:pPr marL="216000" indent="-216000">
+            <a:pPr marL="216000" indent="-215640">
               <a:lnSpc>
                 <a:spcPct val="100000"/>
               </a:lnSpc>
@@ -2089,7 +2089,7 @@
             </a:endParaRPr>
           </a:p>
           <a:p>
-            <a:pPr marL="216000" indent="-216000">
+            <a:pPr marL="216000" indent="-215640">
               <a:lnSpc>
                 <a:spcPct val="100000"/>
               </a:lnSpc>
@@ -2108,7 +2108,7 @@
             </a:endParaRPr>
           </a:p>
           <a:p>
-            <a:pPr marL="216000" indent="-216000">
+            <a:pPr marL="216000" indent="-215640">
               <a:lnSpc>
                 <a:spcPct val="100000"/>
               </a:lnSpc>
@@ -2127,7 +2127,7 @@
             </a:endParaRPr>
           </a:p>
           <a:p>
-            <a:pPr marL="216000" indent="-216000">
+            <a:pPr marL="216000" indent="-215640">
               <a:lnSpc>
                 <a:spcPct val="100000"/>
               </a:lnSpc>
@@ -2182,7 +2182,7 @@
         <p:spPr>
           <a:xfrm>
             <a:off x="217440" y="812520"/>
-            <a:ext cx="7124400" cy="4008600"/>
+            <a:ext cx="7124040" cy="4008240"/>
           </a:xfrm>
           <a:prstGeom prst="rect">
             <a:avLst/>
@@ -2202,7 +2202,7 @@
         <p:spPr>
           <a:xfrm>
             <a:off x="756000" y="5078520"/>
-            <a:ext cx="6047280" cy="4810680"/>
+            <a:ext cx="6046920" cy="4810320"/>
           </a:xfrm>
           <a:prstGeom prst="rect">
             <a:avLst/>
@@ -2211,7 +2211,7 @@
         <p:txBody>
           <a:bodyPr lIns="0" rIns="0" tIns="0" bIns="0"/>
           <a:p>
-            <a:pPr marL="216000" indent="-216000">
+            <a:pPr marL="216000" indent="-215640">
               <a:lnSpc>
                 <a:spcPct val="100000"/>
               </a:lnSpc>
@@ -2267,7 +2267,7 @@
         <p:spPr>
           <a:xfrm>
             <a:off x="217440" y="812520"/>
-            <a:ext cx="7124400" cy="4008600"/>
+            <a:ext cx="7124040" cy="4008240"/>
           </a:xfrm>
           <a:prstGeom prst="rect">
             <a:avLst/>
@@ -2287,7 +2287,7 @@
         <p:spPr>
           <a:xfrm>
             <a:off x="756000" y="5078520"/>
-            <a:ext cx="6047280" cy="4810680"/>
+            <a:ext cx="6046920" cy="4810320"/>
           </a:xfrm>
           <a:prstGeom prst="rect">
             <a:avLst/>
@@ -2296,7 +2296,7 @@
         <p:txBody>
           <a:bodyPr lIns="0" rIns="0" tIns="0" bIns="0"/>
           <a:p>
-            <a:pPr marL="216000" indent="-216000">
+            <a:pPr marL="216000" indent="-215640">
               <a:lnSpc>
                 <a:spcPct val="100000"/>
               </a:lnSpc>
@@ -2362,7 +2362,7 @@
         <p:spPr>
           <a:xfrm>
             <a:off x="217440" y="812520"/>
-            <a:ext cx="7124400" cy="4008600"/>
+            <a:ext cx="7124040" cy="4008240"/>
           </a:xfrm>
           <a:prstGeom prst="rect">
             <a:avLst/>
@@ -2382,7 +2382,7 @@
         <p:spPr>
           <a:xfrm>
             <a:off x="756000" y="5078520"/>
-            <a:ext cx="6047280" cy="4810680"/>
+            <a:ext cx="6046920" cy="4810320"/>
           </a:xfrm>
           <a:prstGeom prst="rect">
             <a:avLst/>
@@ -2391,7 +2391,7 @@
         <p:txBody>
           <a:bodyPr lIns="0" rIns="0" tIns="0" bIns="0"/>
           <a:p>
-            <a:pPr marL="216000" indent="-216000">
+            <a:pPr marL="216000" indent="-215640">
               <a:lnSpc>
                 <a:spcPct val="100000"/>
               </a:lnSpc>
@@ -2446,7 +2446,7 @@
             </a:endParaRPr>
           </a:p>
           <a:p>
-            <a:pPr marL="216000" indent="-216000">
+            <a:pPr marL="216000" indent="-215640">
               <a:lnSpc>
                 <a:spcPct val="100000"/>
               </a:lnSpc>
@@ -2465,7 +2465,7 @@
             </a:endParaRPr>
           </a:p>
           <a:p>
-            <a:pPr marL="216000" indent="-216000">
+            <a:pPr marL="216000" indent="-215640">
               <a:lnSpc>
                 <a:spcPct val="100000"/>
               </a:lnSpc>
@@ -2475,7 +2475,7 @@
             </a:endParaRPr>
           </a:p>
           <a:p>
-            <a:pPr marL="216000" indent="-216000">
+            <a:pPr marL="216000" indent="-215640">
               <a:lnSpc>
                 <a:spcPct val="100000"/>
               </a:lnSpc>
@@ -2539,7 +2539,7 @@
             </a:endParaRPr>
           </a:p>
           <a:p>
-            <a:pPr marL="216000" indent="-216000">
+            <a:pPr marL="216000" indent="-215640">
               <a:lnSpc>
                 <a:spcPct val="100000"/>
               </a:lnSpc>
@@ -2558,7 +2558,7 @@
             </a:endParaRPr>
           </a:p>
           <a:p>
-            <a:pPr marL="216000" indent="-216000">
+            <a:pPr marL="216000" indent="-215640">
               <a:lnSpc>
                 <a:spcPct val="100000"/>
               </a:lnSpc>
@@ -2577,7 +2577,7 @@
             </a:endParaRPr>
           </a:p>
           <a:p>
-            <a:pPr marL="216000" indent="-216000">
+            <a:pPr marL="216000" indent="-215640">
               <a:lnSpc>
                 <a:spcPct val="100000"/>
               </a:lnSpc>
@@ -2632,7 +2632,7 @@
         <p:spPr>
           <a:xfrm>
             <a:off x="217440" y="812520"/>
-            <a:ext cx="7124400" cy="4008600"/>
+            <a:ext cx="7124040" cy="4008240"/>
           </a:xfrm>
           <a:prstGeom prst="rect">
             <a:avLst/>
@@ -2652,7 +2652,7 @@
         <p:spPr>
           <a:xfrm>
             <a:off x="756000" y="5078520"/>
-            <a:ext cx="6047280" cy="4810680"/>
+            <a:ext cx="6046920" cy="4810320"/>
           </a:xfrm>
           <a:prstGeom prst="rect">
             <a:avLst/>
@@ -2661,7 +2661,7 @@
         <p:txBody>
           <a:bodyPr lIns="0" rIns="0" tIns="0" bIns="0"/>
           <a:p>
-            <a:pPr marL="216000" indent="-216000">
+            <a:pPr marL="216000" indent="-215640">
               <a:lnSpc>
                 <a:spcPct val="100000"/>
               </a:lnSpc>
@@ -2689,7 +2689,7 @@
             </a:endParaRPr>
           </a:p>
           <a:p>
-            <a:pPr marL="216000" indent="-216000">
+            <a:pPr marL="216000" indent="-215640">
               <a:lnSpc>
                 <a:spcPct val="100000"/>
               </a:lnSpc>
@@ -2708,7 +2708,7 @@
             </a:endParaRPr>
           </a:p>
           <a:p>
-            <a:pPr marL="216000" indent="-216000">
+            <a:pPr marL="216000" indent="-215640">
               <a:lnSpc>
                 <a:spcPct val="100000"/>
               </a:lnSpc>
@@ -2772,7 +2772,7 @@
         <p:spPr>
           <a:xfrm>
             <a:off x="217440" y="812520"/>
-            <a:ext cx="7124400" cy="4008600"/>
+            <a:ext cx="7124040" cy="4008240"/>
           </a:xfrm>
           <a:prstGeom prst="rect">
             <a:avLst/>
@@ -2792,7 +2792,7 @@
         <p:spPr>
           <a:xfrm>
             <a:off x="756000" y="5078520"/>
-            <a:ext cx="6047280" cy="4810680"/>
+            <a:ext cx="6046920" cy="4810320"/>
           </a:xfrm>
           <a:prstGeom prst="rect">
             <a:avLst/>
@@ -2801,7 +2801,7 @@
         <p:txBody>
           <a:bodyPr lIns="0" rIns="0" tIns="0" bIns="0"/>
           <a:p>
-            <a:pPr marL="216000" indent="-216000">
+            <a:pPr marL="216000" indent="-215640">
               <a:lnSpc>
                 <a:spcPct val="100000"/>
               </a:lnSpc>
@@ -2820,7 +2820,7 @@
             </a:endParaRPr>
           </a:p>
           <a:p>
-            <a:pPr marL="216000" indent="-216000">
+            <a:pPr marL="216000" indent="-215640">
               <a:lnSpc>
                 <a:spcPct val="100000"/>
               </a:lnSpc>
@@ -2830,7 +2830,7 @@
             </a:endParaRPr>
           </a:p>
           <a:p>
-            <a:pPr marL="216000" indent="-216000">
+            <a:pPr marL="216000" indent="-215640">
               <a:lnSpc>
                 <a:spcPct val="100000"/>
               </a:lnSpc>
@@ -2849,7 +2849,7 @@
             </a:endParaRPr>
           </a:p>
           <a:p>
-            <a:pPr marL="216000" indent="-216000">
+            <a:pPr marL="216000" indent="-215640">
               <a:lnSpc>
                 <a:spcPct val="100000"/>
               </a:lnSpc>
@@ -2859,7 +2859,7 @@
             </a:endParaRPr>
           </a:p>
           <a:p>
-            <a:pPr marL="216000" indent="-216000">
+            <a:pPr marL="216000" indent="-215640">
               <a:lnSpc>
                 <a:spcPct val="100000"/>
               </a:lnSpc>
@@ -2878,7 +2878,7 @@
             </a:endParaRPr>
           </a:p>
           <a:p>
-            <a:pPr marL="216000" indent="-216000">
+            <a:pPr marL="216000" indent="-215640">
               <a:lnSpc>
                 <a:spcPct val="100000"/>
               </a:lnSpc>
@@ -2906,7 +2906,7 @@
             </a:endParaRPr>
           </a:p>
           <a:p>
-            <a:pPr marL="216000" indent="-216000">
+            <a:pPr marL="216000" indent="-215640">
               <a:lnSpc>
                 <a:spcPct val="100000"/>
               </a:lnSpc>
@@ -2918,14 +2918,14 @@
                 </a:solidFill>
                 <a:latin typeface="Arial"/>
               </a:rPr>
-              <a:t>Les différentes fonctionnalités demandées ont bien été réalisées</a:t>
+              <a:t>Cela m’a aussi confronté aux difficultés réelles du métier de développeur, toutes été surmontées grâce  à de nombreuses recherches et aux conseils de mes collègues de l’équipe.</a:t>
             </a:r>
             <a:endParaRPr b="0" lang="fr-FR" sz="1600" spc="-1" strike="noStrike">
               <a:latin typeface="Arial"/>
             </a:endParaRPr>
           </a:p>
           <a:p>
-            <a:pPr marL="216000" indent="-216000">
+            <a:pPr marL="216000" indent="-215640">
               <a:lnSpc>
                 <a:spcPct val="100000"/>
               </a:lnSpc>
@@ -2937,42 +2937,14 @@
                 </a:solidFill>
                 <a:latin typeface="Arial"/>
               </a:rPr>
-              <a:t> </a:t>
-            </a:r>
-            <a:r>
-              <a:rPr b="0" lang="fr-FR" sz="1600" spc="-1" strike="noStrike">
-                <a:solidFill>
-                  <a:srgbClr val="6b6400"/>
-                </a:solidFill>
-                <a:latin typeface="Arial"/>
-              </a:rPr>
-              <a:t>et sont à présent fonctionnelles. Cela m’a aussi confronté aux difficultés réelles du métier de développeur, toutes surmontées grâce  à de nombreuses recherches et aux conseils de mes collègues de l’équipe.</a:t>
+              <a:t>Cela a vraiment été une expérience enrichissante et a confirmé mon intérêt pour ce métier et le choix de cette nouvelle carrière.</a:t>
             </a:r>
             <a:endParaRPr b="0" lang="fr-FR" sz="1600" spc="-1" strike="noStrike">
               <a:latin typeface="Arial"/>
             </a:endParaRPr>
           </a:p>
           <a:p>
-            <a:pPr marL="216000" indent="-216000">
-              <a:lnSpc>
-                <a:spcPct val="100000"/>
-              </a:lnSpc>
-            </a:pPr>
-            <a:r>
-              <a:rPr b="0" lang="fr-FR" sz="1600" spc="-1" strike="noStrike">
-                <a:solidFill>
-                  <a:srgbClr val="6b6400"/>
-                </a:solidFill>
-                <a:latin typeface="Arial"/>
-              </a:rPr>
-              <a:t>Cela a vraiment été une expérience enrichissante et a confirmé mon intérêt pour ce métier et le choix de cette nouvelle carrière.</a:t>
-            </a:r>
-            <a:endParaRPr b="0" lang="fr-FR" sz="1600" spc="-1" strike="noStrike">
-              <a:latin typeface="Arial"/>
-            </a:endParaRPr>
-          </a:p>
-          <a:p>
-            <a:pPr marL="216000" indent="-216000">
+            <a:pPr marL="216000" indent="-215640">
               <a:lnSpc>
                 <a:spcPct val="100000"/>
               </a:lnSpc>
@@ -3027,7 +2999,7 @@
         <p:spPr>
           <a:xfrm>
             <a:off x="217440" y="812520"/>
-            <a:ext cx="7124400" cy="4008600"/>
+            <a:ext cx="7124040" cy="4008240"/>
           </a:xfrm>
           <a:prstGeom prst="rect">
             <a:avLst/>
@@ -3047,7 +3019,7 @@
         <p:spPr>
           <a:xfrm>
             <a:off x="756000" y="5078520"/>
-            <a:ext cx="6047280" cy="4810680"/>
+            <a:ext cx="6046920" cy="4810320"/>
           </a:xfrm>
           <a:prstGeom prst="rect">
             <a:avLst/>
@@ -3056,7 +3028,7 @@
         <p:txBody>
           <a:bodyPr lIns="0" rIns="0" tIns="0" bIns="0"/>
           <a:p>
-            <a:pPr marL="216000" indent="-216000">
+            <a:pPr marL="216000" indent="-215640">
               <a:lnSpc>
                 <a:spcPct val="100000"/>
               </a:lnSpc>
@@ -3075,7 +3047,7 @@
             </a:endParaRPr>
           </a:p>
           <a:p>
-            <a:pPr marL="216000" indent="-216000">
+            <a:pPr marL="216000" indent="-215640">
               <a:lnSpc>
                 <a:spcPct val="100000"/>
               </a:lnSpc>
@@ -3094,7 +3066,7 @@
             </a:endParaRPr>
           </a:p>
           <a:p>
-            <a:pPr marL="216000" indent="-216000">
+            <a:pPr marL="216000" indent="-215640">
               <a:lnSpc>
                 <a:spcPct val="100000"/>
               </a:lnSpc>
@@ -3113,7 +3085,7 @@
             </a:endParaRPr>
           </a:p>
           <a:p>
-            <a:pPr marL="216000" indent="-216000">
+            <a:pPr marL="216000" indent="-215640">
               <a:lnSpc>
                 <a:spcPct val="100000"/>
               </a:lnSpc>
@@ -3125,14 +3097,14 @@
                 </a:solidFill>
                 <a:latin typeface="Arial"/>
               </a:rPr>
-              <a:t>* un envoi d’e-mail mensuel récapitulatif des alertes du mois précédent</a:t>
+              <a:t>* l’envoi d’un e-mail mensuel récapitulatif des alertes du mois précédent</a:t>
             </a:r>
             <a:endParaRPr b="0" lang="fr-FR" sz="2000" spc="-1" strike="noStrike">
               <a:latin typeface="Arial"/>
             </a:endParaRPr>
           </a:p>
           <a:p>
-            <a:pPr marL="216000" indent="-216000">
+            <a:pPr marL="216000" indent="-215640">
               <a:lnSpc>
                 <a:spcPct val="100000"/>
               </a:lnSpc>
@@ -3151,7 +3123,7 @@
             </a:endParaRPr>
           </a:p>
           <a:p>
-            <a:pPr marL="216000" indent="-216000">
+            <a:pPr marL="216000" indent="-215640">
               <a:lnSpc>
                 <a:spcPct val="100000"/>
               </a:lnSpc>
@@ -3163,7 +3135,7 @@
                 </a:solidFill>
                 <a:latin typeface="Arial"/>
               </a:rPr>
-              <a:t>* responsive car multi support</a:t>
+              <a:t>* charte et responsive car multi support</a:t>
             </a:r>
             <a:endParaRPr b="0" lang="fr-FR" sz="2000" spc="-1" strike="noStrike">
               <a:latin typeface="Arial"/>
@@ -3206,7 +3178,7 @@
         <p:spPr>
           <a:xfrm>
             <a:off x="217440" y="812520"/>
-            <a:ext cx="7124400" cy="4008600"/>
+            <a:ext cx="7124040" cy="4008240"/>
           </a:xfrm>
           <a:prstGeom prst="rect">
             <a:avLst/>
@@ -3226,7 +3198,7 @@
         <p:spPr>
           <a:xfrm>
             <a:off x="756000" y="5078520"/>
-            <a:ext cx="6047280" cy="4810680"/>
+            <a:ext cx="6046920" cy="4810320"/>
           </a:xfrm>
           <a:prstGeom prst="rect">
             <a:avLst/>
@@ -3235,7 +3207,7 @@
         <p:txBody>
           <a:bodyPr lIns="0" rIns="0" tIns="0" bIns="0"/>
           <a:p>
-            <a:pPr marL="216000" indent="-216000">
+            <a:pPr marL="216000" indent="-215640">
               <a:lnSpc>
                 <a:spcPct val="100000"/>
               </a:lnSpc>
@@ -3254,7 +3226,7 @@
             </a:endParaRPr>
           </a:p>
           <a:p>
-            <a:pPr marL="216000" indent="-216000">
+            <a:pPr marL="216000" indent="-215640">
               <a:lnSpc>
                 <a:spcPct val="100000"/>
               </a:lnSpc>
@@ -3273,7 +3245,7 @@
             </a:endParaRPr>
           </a:p>
           <a:p>
-            <a:pPr marL="216000" indent="-216000">
+            <a:pPr marL="216000" indent="-215640">
               <a:lnSpc>
                 <a:spcPct val="100000"/>
               </a:lnSpc>
@@ -3292,7 +3264,7 @@
             </a:endParaRPr>
           </a:p>
           <a:p>
-            <a:pPr marL="216000" indent="-216000">
+            <a:pPr marL="216000" indent="-215640">
               <a:lnSpc>
                 <a:spcPct val="100000"/>
               </a:lnSpc>
@@ -3311,7 +3283,7 @@
             </a:endParaRPr>
           </a:p>
           <a:p>
-            <a:pPr marL="216000" indent="-216000">
+            <a:pPr marL="216000" indent="-215640">
               <a:lnSpc>
                 <a:spcPct val="100000"/>
               </a:lnSpc>
@@ -7365,7 +7337,7 @@
         <p:spPr>
           <a:xfrm>
             <a:off x="0" y="0"/>
-            <a:ext cx="9141480" cy="5141880"/>
+            <a:ext cx="9141120" cy="5141520"/>
           </a:xfrm>
           <a:prstGeom prst="rect">
             <a:avLst/>
@@ -7405,7 +7377,7 @@
         <p:spPr>
           <a:xfrm>
             <a:off x="7614000" y="4623480"/>
-            <a:ext cx="556560" cy="556560"/>
+            <a:ext cx="556200" cy="556200"/>
           </a:xfrm>
           <a:prstGeom prst="donut">
             <a:avLst>
@@ -7436,8 +7408,8 @@
         </p:nvSpPr>
         <p:spPr>
           <a:xfrm rot="2700000">
-            <a:off x="24120" y="2717640"/>
-            <a:ext cx="540000" cy="540000"/>
+            <a:off x="24120" y="2717280"/>
+            <a:ext cx="539640" cy="539640"/>
           </a:xfrm>
           <a:prstGeom prst="frame">
             <a:avLst>
@@ -7468,8 +7440,8 @@
         </p:nvSpPr>
         <p:spPr>
           <a:xfrm rot="2700000">
-            <a:off x="8501040" y="1032120"/>
-            <a:ext cx="803160" cy="803160"/>
+            <a:off x="8501400" y="1031760"/>
+            <a:ext cx="802800" cy="802800"/>
           </a:xfrm>
           <a:prstGeom prst="mathMultiply">
             <a:avLst>
@@ -7501,7 +7473,7 @@
         <p:spPr>
           <a:xfrm>
             <a:off x="544320" y="1432440"/>
-            <a:ext cx="623160" cy="623160"/>
+            <a:ext cx="622800" cy="622800"/>
           </a:xfrm>
           <a:prstGeom prst="donut">
             <a:avLst>
@@ -7533,7 +7505,7 @@
         <p:spPr>
           <a:xfrm rot="19800000">
             <a:off x="8471160" y="3105720"/>
-            <a:ext cx="604800" cy="604800"/>
+            <a:ext cx="604440" cy="604440"/>
           </a:xfrm>
           <a:prstGeom prst="frame">
             <a:avLst>
@@ -7565,7 +7537,7 @@
         <p:spPr>
           <a:xfrm rot="20072400">
             <a:off x="451440" y="3864600"/>
-            <a:ext cx="898920" cy="898920"/>
+            <a:ext cx="898560" cy="898560"/>
           </a:xfrm>
           <a:prstGeom prst="mathMultiply">
             <a:avLst>
@@ -7597,7 +7569,7 @@
         <p:spPr>
           <a:xfrm>
             <a:off x="1775880" y="3374280"/>
-            <a:ext cx="447480" cy="447480"/>
+            <a:ext cx="447120" cy="447120"/>
           </a:xfrm>
           <a:prstGeom prst="donut">
             <a:avLst>
@@ -7629,7 +7601,7 @@
         <p:spPr>
           <a:xfrm>
             <a:off x="7505640" y="830880"/>
-            <a:ext cx="434160" cy="434160"/>
+            <a:ext cx="433800" cy="433800"/>
           </a:xfrm>
           <a:prstGeom prst="frame">
             <a:avLst>
@@ -7661,7 +7633,7 @@
         <p:spPr>
           <a:xfrm rot="20877000">
             <a:off x="1481400" y="645840"/>
-            <a:ext cx="645480" cy="645480"/>
+            <a:ext cx="645120" cy="645120"/>
           </a:xfrm>
           <a:prstGeom prst="mathMultiply">
             <a:avLst>
@@ -7693,7 +7665,7 @@
         <p:spPr>
           <a:xfrm>
             <a:off x="6773040" y="-36360"/>
-            <a:ext cx="395640" cy="395640"/>
+            <a:ext cx="395280" cy="395280"/>
           </a:xfrm>
           <a:prstGeom prst="donut">
             <a:avLst>
@@ -7725,7 +7697,7 @@
         <p:spPr>
           <a:xfrm rot="1498200">
             <a:off x="552960" y="271800"/>
-            <a:ext cx="384120" cy="384120"/>
+            <a:ext cx="383760" cy="383760"/>
           </a:xfrm>
           <a:prstGeom prst="frame">
             <a:avLst>
@@ -7757,7 +7729,7 @@
         <p:spPr>
           <a:xfrm>
             <a:off x="7040160" y="3312720"/>
-            <a:ext cx="570960" cy="570960"/>
+            <a:ext cx="570600" cy="570600"/>
           </a:xfrm>
           <a:prstGeom prst="mathMultiply">
             <a:avLst>
@@ -7789,7 +7761,7 @@
         <p:spPr>
           <a:xfrm>
             <a:off x="2893320" y="209880"/>
-            <a:ext cx="265680" cy="265680"/>
+            <a:ext cx="265320" cy="265320"/>
           </a:xfrm>
           <a:prstGeom prst="donut">
             <a:avLst>
@@ -7821,7 +7793,7 @@
         <p:spPr>
           <a:xfrm>
             <a:off x="2423520" y="4259520"/>
-            <a:ext cx="257760" cy="257760"/>
+            <a:ext cx="257400" cy="257400"/>
           </a:xfrm>
           <a:prstGeom prst="frame">
             <a:avLst>
@@ -7853,7 +7825,7 @@
         <p:spPr>
           <a:xfrm>
             <a:off x="4029120" y="425520"/>
-            <a:ext cx="383760" cy="383760"/>
+            <a:ext cx="383400" cy="383400"/>
           </a:xfrm>
           <a:prstGeom prst="mathMultiply">
             <a:avLst>
@@ -7885,7 +7857,7 @@
         <p:spPr>
           <a:xfrm>
             <a:off x="7701120" y="2148480"/>
-            <a:ext cx="265680" cy="265680"/>
+            <a:ext cx="265320" cy="265320"/>
           </a:xfrm>
           <a:prstGeom prst="donut">
             <a:avLst>
@@ -7917,7 +7889,7 @@
         <p:spPr>
           <a:xfrm>
             <a:off x="3415320" y="4449960"/>
-            <a:ext cx="265680" cy="265680"/>
+            <a:ext cx="265320" cy="265320"/>
           </a:xfrm>
           <a:prstGeom prst="donut">
             <a:avLst>
@@ -7949,7 +7921,7 @@
         <p:spPr>
           <a:xfrm>
             <a:off x="1479240" y="2220480"/>
-            <a:ext cx="383760" cy="383760"/>
+            <a:ext cx="383400" cy="383400"/>
           </a:xfrm>
           <a:prstGeom prst="mathMultiply">
             <a:avLst>
@@ -7981,7 +7953,7 @@
         <p:spPr>
           <a:xfrm>
             <a:off x="5371200" y="4390920"/>
-            <a:ext cx="383760" cy="383760"/>
+            <a:ext cx="383400" cy="383400"/>
           </a:xfrm>
           <a:prstGeom prst="mathMultiply">
             <a:avLst>
@@ -8012,8 +7984,8 @@
         </p:nvSpPr>
         <p:spPr>
           <a:xfrm rot="18900000">
-            <a:off x="6336000" y="4349880"/>
-            <a:ext cx="257400" cy="257400"/>
+            <a:off x="6335640" y="4350240"/>
+            <a:ext cx="257040" cy="257040"/>
           </a:xfrm>
           <a:prstGeom prst="frame">
             <a:avLst>
@@ -8045,7 +8017,7 @@
         <p:spPr>
           <a:xfrm>
             <a:off x="5568120" y="263160"/>
-            <a:ext cx="257760" cy="257760"/>
+            <a:ext cx="257400" cy="257400"/>
           </a:xfrm>
           <a:prstGeom prst="frame">
             <a:avLst>
@@ -8335,7 +8307,7 @@
         <p:spPr>
           <a:xfrm>
             <a:off x="0" y="0"/>
-            <a:ext cx="9141480" cy="1060920"/>
+            <a:ext cx="9141120" cy="1060560"/>
           </a:xfrm>
           <a:prstGeom prst="rect">
             <a:avLst/>
@@ -8375,7 +8347,7 @@
         <p:spPr>
           <a:xfrm>
             <a:off x="0" y="1063440"/>
-            <a:ext cx="9141480" cy="4078080"/>
+            <a:ext cx="9141120" cy="4077720"/>
           </a:xfrm>
           <a:prstGeom prst="rect">
             <a:avLst/>
@@ -8403,7 +8375,7 @@
         <p:spPr>
           <a:xfrm>
             <a:off x="600480" y="319320"/>
-            <a:ext cx="265680" cy="265680"/>
+            <a:ext cx="265320" cy="265320"/>
           </a:xfrm>
           <a:prstGeom prst="donut">
             <a:avLst>
@@ -8435,7 +8407,7 @@
         <p:spPr>
           <a:xfrm>
             <a:off x="1771560" y="586440"/>
-            <a:ext cx="383760" cy="383760"/>
+            <a:ext cx="383400" cy="383400"/>
           </a:xfrm>
           <a:prstGeom prst="mathMultiply">
             <a:avLst>
@@ -8466,8 +8438,8 @@
         </p:nvSpPr>
         <p:spPr>
           <a:xfrm rot="20304600">
-            <a:off x="1718280" y="-11880"/>
-            <a:ext cx="257400" cy="257400"/>
+            <a:off x="1718280" y="-11520"/>
+            <a:ext cx="257040" cy="257040"/>
           </a:xfrm>
           <a:prstGeom prst="frame">
             <a:avLst>
@@ -8499,7 +8471,7 @@
         <p:spPr>
           <a:xfrm>
             <a:off x="7098840" y="-18360"/>
-            <a:ext cx="265680" cy="265680"/>
+            <a:ext cx="265320" cy="265320"/>
           </a:xfrm>
           <a:prstGeom prst="donut">
             <a:avLst>
@@ -8530,8 +8502,8 @@
         </p:nvSpPr>
         <p:spPr>
           <a:xfrm rot="1050600">
-            <a:off x="7063920" y="768960"/>
-            <a:ext cx="383400" cy="383400"/>
+            <a:off x="7063920" y="768600"/>
+            <a:ext cx="383040" cy="383040"/>
           </a:xfrm>
           <a:prstGeom prst="mathMultiply">
             <a:avLst>
@@ -8562,8 +8534,8 @@
         </p:nvSpPr>
         <p:spPr>
           <a:xfrm rot="1498200">
-            <a:off x="8047800" y="794880"/>
-            <a:ext cx="257760" cy="257760"/>
+            <a:off x="8047800" y="794520"/>
+            <a:ext cx="257400" cy="257400"/>
           </a:xfrm>
           <a:prstGeom prst="frame">
             <a:avLst>
@@ -8595,7 +8567,7 @@
         <p:spPr>
           <a:xfrm>
             <a:off x="272880" y="914400"/>
-            <a:ext cx="182520" cy="182520"/>
+            <a:ext cx="182160" cy="182160"/>
           </a:xfrm>
           <a:prstGeom prst="donut">
             <a:avLst>
@@ -8626,8 +8598,8 @@
         </p:nvSpPr>
         <p:spPr>
           <a:xfrm rot="1222200">
-            <a:off x="108000" y="113400"/>
-            <a:ext cx="263880" cy="263880"/>
+            <a:off x="107640" y="113040"/>
+            <a:ext cx="263520" cy="263520"/>
           </a:xfrm>
           <a:prstGeom prst="mathMultiply">
             <a:avLst>
@@ -8658,8 +8630,8 @@
         </p:nvSpPr>
         <p:spPr>
           <a:xfrm rot="2700000">
-            <a:off x="1131120" y="719640"/>
-            <a:ext cx="176760" cy="176760"/>
+            <a:off x="1131480" y="719280"/>
+            <a:ext cx="176400" cy="176400"/>
           </a:xfrm>
           <a:prstGeom prst="frame">
             <a:avLst>
@@ -8691,7 +8663,7 @@
         <p:spPr>
           <a:xfrm>
             <a:off x="8798040" y="686880"/>
-            <a:ext cx="182520" cy="182520"/>
+            <a:ext cx="182160" cy="182160"/>
           </a:xfrm>
           <a:prstGeom prst="donut">
             <a:avLst>
@@ -8723,7 +8695,7 @@
         <p:spPr>
           <a:xfrm>
             <a:off x="8434440" y="190440"/>
-            <a:ext cx="263880" cy="263880"/>
+            <a:ext cx="263520" cy="263520"/>
           </a:xfrm>
           <a:prstGeom prst="mathMultiply">
             <a:avLst>
@@ -8755,7 +8727,7 @@
         <p:spPr>
           <a:xfrm>
             <a:off x="7656120" y="319320"/>
-            <a:ext cx="176760" cy="176760"/>
+            <a:ext cx="176400" cy="176400"/>
           </a:xfrm>
           <a:prstGeom prst="frame">
             <a:avLst>
@@ -9223,7 +9195,7 @@
         <p:spPr>
           <a:xfrm>
             <a:off x="0" y="0"/>
-            <a:ext cx="9141480" cy="1060920"/>
+            <a:ext cx="9141120" cy="1060560"/>
           </a:xfrm>
           <a:prstGeom prst="rect">
             <a:avLst/>
@@ -9263,7 +9235,7 @@
         <p:spPr>
           <a:xfrm>
             <a:off x="0" y="1063440"/>
-            <a:ext cx="9141480" cy="4078080"/>
+            <a:ext cx="9141120" cy="4077720"/>
           </a:xfrm>
           <a:prstGeom prst="rect">
             <a:avLst/>
@@ -9291,7 +9263,7 @@
         <p:spPr>
           <a:xfrm>
             <a:off x="600480" y="319320"/>
-            <a:ext cx="265680" cy="265680"/>
+            <a:ext cx="265320" cy="265320"/>
           </a:xfrm>
           <a:prstGeom prst="donut">
             <a:avLst>
@@ -9323,7 +9295,7 @@
         <p:spPr>
           <a:xfrm>
             <a:off x="1771560" y="586440"/>
-            <a:ext cx="383760" cy="383760"/>
+            <a:ext cx="383400" cy="383400"/>
           </a:xfrm>
           <a:prstGeom prst="mathMultiply">
             <a:avLst>
@@ -9354,8 +9326,8 @@
         </p:nvSpPr>
         <p:spPr>
           <a:xfrm rot="20304600">
-            <a:off x="1718280" y="-11880"/>
-            <a:ext cx="257400" cy="257400"/>
+            <a:off x="1718280" y="-11520"/>
+            <a:ext cx="257040" cy="257040"/>
           </a:xfrm>
           <a:prstGeom prst="frame">
             <a:avLst>
@@ -9387,7 +9359,7 @@
         <p:spPr>
           <a:xfrm>
             <a:off x="7098840" y="-18360"/>
-            <a:ext cx="265680" cy="265680"/>
+            <a:ext cx="265320" cy="265320"/>
           </a:xfrm>
           <a:prstGeom prst="donut">
             <a:avLst>
@@ -9418,8 +9390,8 @@
         </p:nvSpPr>
         <p:spPr>
           <a:xfrm rot="1050600">
-            <a:off x="7063920" y="768960"/>
-            <a:ext cx="383400" cy="383400"/>
+            <a:off x="7063920" y="768600"/>
+            <a:ext cx="383040" cy="383040"/>
           </a:xfrm>
           <a:prstGeom prst="mathMultiply">
             <a:avLst>
@@ -9450,8 +9422,8 @@
         </p:nvSpPr>
         <p:spPr>
           <a:xfrm rot="1498200">
-            <a:off x="8047800" y="794880"/>
-            <a:ext cx="257760" cy="257760"/>
+            <a:off x="8047800" y="794520"/>
+            <a:ext cx="257400" cy="257400"/>
           </a:xfrm>
           <a:prstGeom prst="frame">
             <a:avLst>
@@ -9483,7 +9455,7 @@
         <p:spPr>
           <a:xfrm>
             <a:off x="272880" y="914400"/>
-            <a:ext cx="182520" cy="182520"/>
+            <a:ext cx="182160" cy="182160"/>
           </a:xfrm>
           <a:prstGeom prst="donut">
             <a:avLst>
@@ -9514,8 +9486,8 @@
         </p:nvSpPr>
         <p:spPr>
           <a:xfrm rot="1222200">
-            <a:off x="108000" y="113400"/>
-            <a:ext cx="263880" cy="263880"/>
+            <a:off x="107640" y="113040"/>
+            <a:ext cx="263520" cy="263520"/>
           </a:xfrm>
           <a:prstGeom prst="mathMultiply">
             <a:avLst>
@@ -9546,8 +9518,8 @@
         </p:nvSpPr>
         <p:spPr>
           <a:xfrm rot="2700000">
-            <a:off x="1131120" y="719640"/>
-            <a:ext cx="176760" cy="176760"/>
+            <a:off x="1131480" y="719280"/>
+            <a:ext cx="176400" cy="176400"/>
           </a:xfrm>
           <a:prstGeom prst="frame">
             <a:avLst>
@@ -9579,7 +9551,7 @@
         <p:spPr>
           <a:xfrm>
             <a:off x="8798040" y="686880"/>
-            <a:ext cx="182520" cy="182520"/>
+            <a:ext cx="182160" cy="182160"/>
           </a:xfrm>
           <a:prstGeom prst="donut">
             <a:avLst>
@@ -9611,7 +9583,7 @@
         <p:spPr>
           <a:xfrm>
             <a:off x="8434440" y="190440"/>
-            <a:ext cx="263880" cy="263880"/>
+            <a:ext cx="263520" cy="263520"/>
           </a:xfrm>
           <a:prstGeom prst="mathMultiply">
             <a:avLst>
@@ -9643,7 +9615,7 @@
         <p:spPr>
           <a:xfrm>
             <a:off x="7656120" y="319320"/>
-            <a:ext cx="176760" cy="176760"/>
+            <a:ext cx="176400" cy="176400"/>
           </a:xfrm>
           <a:prstGeom prst="frame">
             <a:avLst>
@@ -9926,7 +9898,7 @@
         <p:spPr>
           <a:xfrm>
             <a:off x="2068920" y="1991880"/>
-            <a:ext cx="5004000" cy="1157400"/>
+            <a:ext cx="5003640" cy="1157040"/>
           </a:xfrm>
           <a:prstGeom prst="rect">
             <a:avLst/>
@@ -9975,7 +9947,7 @@
         <p:spPr>
           <a:xfrm>
             <a:off x="205560" y="4539240"/>
-            <a:ext cx="8730720" cy="471600"/>
+            <a:ext cx="8730360" cy="471240"/>
           </a:xfrm>
           <a:prstGeom prst="rect">
             <a:avLst/>
@@ -10114,7 +10086,7 @@
         <p:spPr>
           <a:xfrm>
             <a:off x="216000" y="72000"/>
-            <a:ext cx="8637840" cy="626760"/>
+            <a:ext cx="8637480" cy="626400"/>
           </a:xfrm>
           <a:prstGeom prst="rect">
             <a:avLst/>
@@ -10222,7 +10194,7 @@
         <p:spPr>
           <a:xfrm>
             <a:off x="98280" y="16200"/>
-            <a:ext cx="8823960" cy="1042560"/>
+            <a:ext cx="8823600" cy="1042200"/>
           </a:xfrm>
           <a:prstGeom prst="rect">
             <a:avLst/>
@@ -10271,7 +10243,7 @@
         <p:spPr>
           <a:xfrm>
             <a:off x="839520" y="4758120"/>
-            <a:ext cx="3997440" cy="391680"/>
+            <a:ext cx="3997080" cy="391320"/>
           </a:xfrm>
           <a:prstGeom prst="rect">
             <a:avLst/>
@@ -10323,7 +10295,7 @@
         <p:spPr>
           <a:xfrm>
             <a:off x="4104000" y="1228320"/>
-            <a:ext cx="4873320" cy="3845520"/>
+            <a:ext cx="4872960" cy="3845160"/>
           </a:xfrm>
           <a:prstGeom prst="rect">
             <a:avLst/>
@@ -10389,7 +10361,7 @@
         <p:spPr>
           <a:xfrm>
             <a:off x="721440" y="1728000"/>
-            <a:ext cx="3236400" cy="1636200"/>
+            <a:ext cx="3236040" cy="1635840"/>
           </a:xfrm>
           <a:prstGeom prst="rect">
             <a:avLst/>
@@ -10408,7 +10380,7 @@
         <p:spPr>
           <a:xfrm>
             <a:off x="98280" y="16200"/>
-            <a:ext cx="1053000" cy="1023120"/>
+            <a:ext cx="1052640" cy="1022760"/>
           </a:xfrm>
           <a:prstGeom prst="rect">
             <a:avLst/>
@@ -10506,7 +10478,7 @@
         <p:spPr>
           <a:xfrm>
             <a:off x="98280" y="16200"/>
-            <a:ext cx="8823960" cy="1042560"/>
+            <a:ext cx="8823600" cy="1042200"/>
           </a:xfrm>
           <a:prstGeom prst="rect">
             <a:avLst/>
@@ -10555,7 +10527,7 @@
         <p:spPr>
           <a:xfrm>
             <a:off x="839520" y="4758120"/>
-            <a:ext cx="3997440" cy="391680"/>
+            <a:ext cx="3997080" cy="391320"/>
           </a:xfrm>
           <a:prstGeom prst="rect">
             <a:avLst/>
@@ -10607,7 +10579,7 @@
         <p:spPr>
           <a:xfrm>
             <a:off x="4104000" y="1228320"/>
-            <a:ext cx="4873320" cy="3845520"/>
+            <a:ext cx="4872960" cy="3845160"/>
           </a:xfrm>
           <a:prstGeom prst="rect">
             <a:avLst/>
@@ -10646,7 +10618,7 @@
             </a:endParaRPr>
           </a:p>
           <a:p>
-            <a:pPr marL="457200" indent="-353160">
+            <a:pPr marL="457200" indent="-352800">
               <a:lnSpc>
                 <a:spcPct val="150000"/>
               </a:lnSpc>
@@ -10698,7 +10670,7 @@
         <p:spPr>
           <a:xfrm>
             <a:off x="721440" y="1728000"/>
-            <a:ext cx="3236400" cy="1636200"/>
+            <a:ext cx="3236040" cy="1635840"/>
           </a:xfrm>
           <a:prstGeom prst="rect">
             <a:avLst/>
@@ -10717,7 +10689,7 @@
         <p:spPr>
           <a:xfrm>
             <a:off x="1296000" y="2592360"/>
-            <a:ext cx="573840" cy="357840"/>
+            <a:ext cx="573480" cy="357480"/>
           </a:xfrm>
           <a:prstGeom prst="frame">
             <a:avLst>
@@ -10749,7 +10721,7 @@
         <p:spPr>
           <a:xfrm>
             <a:off x="2808000" y="2592360"/>
-            <a:ext cx="573840" cy="357840"/>
+            <a:ext cx="573480" cy="357480"/>
           </a:xfrm>
           <a:prstGeom prst="frame">
             <a:avLst>
@@ -10781,7 +10753,7 @@
         <p:spPr>
           <a:xfrm>
             <a:off x="98280" y="16200"/>
-            <a:ext cx="1053000" cy="1023120"/>
+            <a:ext cx="1052640" cy="1022760"/>
           </a:xfrm>
           <a:prstGeom prst="rect">
             <a:avLst/>
@@ -10879,7 +10851,7 @@
         <p:spPr>
           <a:xfrm>
             <a:off x="98280" y="16200"/>
-            <a:ext cx="8823960" cy="1042560"/>
+            <a:ext cx="8823600" cy="1042200"/>
           </a:xfrm>
           <a:prstGeom prst="rect">
             <a:avLst/>
@@ -10928,7 +10900,7 @@
         <p:spPr>
           <a:xfrm>
             <a:off x="839520" y="4758120"/>
-            <a:ext cx="3997440" cy="391680"/>
+            <a:ext cx="3997080" cy="391320"/>
           </a:xfrm>
           <a:prstGeom prst="rect">
             <a:avLst/>
@@ -10980,7 +10952,7 @@
         <p:spPr>
           <a:xfrm>
             <a:off x="4104000" y="1228320"/>
-            <a:ext cx="4873320" cy="3845520"/>
+            <a:ext cx="4872960" cy="3845160"/>
           </a:xfrm>
           <a:prstGeom prst="rect">
             <a:avLst/>
@@ -11019,7 +10991,7 @@
             </a:endParaRPr>
           </a:p>
           <a:p>
-            <a:pPr marL="457200" indent="-353160">
+            <a:pPr marL="457200" indent="-352800">
               <a:lnSpc>
                 <a:spcPct val="150000"/>
               </a:lnSpc>
@@ -11047,7 +11019,7 @@
             </a:endParaRPr>
           </a:p>
           <a:p>
-            <a:pPr marL="457200" indent="-353160">
+            <a:pPr marL="457200" indent="-352800">
               <a:lnSpc>
                 <a:spcPct val="150000"/>
               </a:lnSpc>
@@ -11096,7 +11068,7 @@
         <p:spPr>
           <a:xfrm>
             <a:off x="721440" y="1728000"/>
-            <a:ext cx="3236400" cy="1636200"/>
+            <a:ext cx="3236040" cy="1635840"/>
           </a:xfrm>
           <a:prstGeom prst="rect">
             <a:avLst/>
@@ -11119,7 +11091,7 @@
         <p:spPr>
           <a:xfrm>
             <a:off x="2113560" y="1964520"/>
-            <a:ext cx="1988280" cy="2569680"/>
+            <a:ext cx="1987920" cy="2569320"/>
           </a:xfrm>
           <a:prstGeom prst="rect">
             <a:avLst/>
@@ -11166,7 +11138,7 @@
         <p:spPr>
           <a:xfrm>
             <a:off x="98280" y="16200"/>
-            <a:ext cx="1053000" cy="1023120"/>
+            <a:ext cx="1052640" cy="1022760"/>
           </a:xfrm>
           <a:prstGeom prst="rect">
             <a:avLst/>
@@ -11264,7 +11236,7 @@
         <p:spPr>
           <a:xfrm>
             <a:off x="98280" y="16200"/>
-            <a:ext cx="8823960" cy="1042560"/>
+            <a:ext cx="8823600" cy="1042200"/>
           </a:xfrm>
           <a:prstGeom prst="rect">
             <a:avLst/>
@@ -11313,7 +11285,7 @@
         <p:spPr>
           <a:xfrm>
             <a:off x="839520" y="4758120"/>
-            <a:ext cx="3997440" cy="391680"/>
+            <a:ext cx="3997080" cy="391320"/>
           </a:xfrm>
           <a:prstGeom prst="rect">
             <a:avLst/>
@@ -11365,7 +11337,7 @@
         <p:spPr>
           <a:xfrm>
             <a:off x="4104000" y="1228320"/>
-            <a:ext cx="4873320" cy="3845520"/>
+            <a:ext cx="4872960" cy="3845160"/>
           </a:xfrm>
           <a:prstGeom prst="rect">
             <a:avLst/>
@@ -11404,7 +11376,7 @@
             </a:endParaRPr>
           </a:p>
           <a:p>
-            <a:pPr marL="457200" indent="-353160">
+            <a:pPr marL="457200" indent="-352800">
               <a:lnSpc>
                 <a:spcPct val="150000"/>
               </a:lnSpc>
@@ -11432,7 +11404,7 @@
             </a:endParaRPr>
           </a:p>
           <a:p>
-            <a:pPr marL="457200" indent="-353160">
+            <a:pPr marL="457200" indent="-352800">
               <a:lnSpc>
                 <a:spcPct val="150000"/>
               </a:lnSpc>
@@ -11457,7 +11429,7 @@
             </a:endParaRPr>
           </a:p>
           <a:p>
-            <a:pPr marL="457200" indent="-353160">
+            <a:pPr marL="457200" indent="-352800">
               <a:lnSpc>
                 <a:spcPct val="150000"/>
               </a:lnSpc>
@@ -11496,7 +11468,7 @@
         <p:spPr>
           <a:xfrm>
             <a:off x="721440" y="1728000"/>
-            <a:ext cx="3236400" cy="1636200"/>
+            <a:ext cx="3236040" cy="1635840"/>
           </a:xfrm>
           <a:prstGeom prst="rect">
             <a:avLst/>
@@ -11515,7 +11487,7 @@
         <p:spPr>
           <a:xfrm>
             <a:off x="98280" y="16200"/>
-            <a:ext cx="1053000" cy="1023120"/>
+            <a:ext cx="1052640" cy="1022760"/>
           </a:xfrm>
           <a:prstGeom prst="rect">
             <a:avLst/>
@@ -11613,7 +11585,7 @@
         <p:spPr>
           <a:xfrm>
             <a:off x="98280" y="16200"/>
-            <a:ext cx="8823960" cy="1042560"/>
+            <a:ext cx="8823600" cy="1042200"/>
           </a:xfrm>
           <a:prstGeom prst="rect">
             <a:avLst/>
@@ -11662,7 +11634,7 @@
         <p:spPr>
           <a:xfrm>
             <a:off x="3744000" y="4680360"/>
-            <a:ext cx="1668240" cy="353160"/>
+            <a:ext cx="1667880" cy="352800"/>
           </a:xfrm>
           <a:prstGeom prst="rect">
             <a:avLst/>
@@ -11718,7 +11690,7 @@
         <p:spPr>
           <a:xfrm>
             <a:off x="1656000" y="1190160"/>
-            <a:ext cx="5829840" cy="3632040"/>
+            <a:ext cx="5829480" cy="3631680"/>
           </a:xfrm>
           <a:prstGeom prst="rect">
             <a:avLst/>
@@ -11737,7 +11709,7 @@
         <p:spPr>
           <a:xfrm>
             <a:off x="98280" y="16200"/>
-            <a:ext cx="1053000" cy="1023120"/>
+            <a:ext cx="1052640" cy="1022760"/>
           </a:xfrm>
           <a:prstGeom prst="rect">
             <a:avLst/>
@@ -11835,7 +11807,7 @@
         <p:spPr>
           <a:xfrm>
             <a:off x="98280" y="16200"/>
-            <a:ext cx="8823960" cy="1042560"/>
+            <a:ext cx="8823600" cy="1042200"/>
           </a:xfrm>
           <a:prstGeom prst="rect">
             <a:avLst/>
@@ -11884,7 +11856,7 @@
         <p:spPr>
           <a:xfrm>
             <a:off x="3456000" y="4685040"/>
-            <a:ext cx="2877840" cy="353160"/>
+            <a:ext cx="2877480" cy="352800"/>
           </a:xfrm>
           <a:prstGeom prst="rect">
             <a:avLst/>
@@ -11940,7 +11912,7 @@
         <p:spPr>
           <a:xfrm>
             <a:off x="1656000" y="1190160"/>
-            <a:ext cx="5829840" cy="3632040"/>
+            <a:ext cx="5829480" cy="3631680"/>
           </a:xfrm>
           <a:prstGeom prst="rect">
             <a:avLst/>
@@ -11963,7 +11935,7 @@
         <p:spPr>
           <a:xfrm>
             <a:off x="1656000" y="1152000"/>
-            <a:ext cx="5829840" cy="3670200"/>
+            <a:ext cx="5829480" cy="3669840"/>
           </a:xfrm>
           <a:prstGeom prst="rect">
             <a:avLst/>
@@ -11982,7 +11954,7 @@
         <p:spPr>
           <a:xfrm>
             <a:off x="98280" y="16200"/>
-            <a:ext cx="1053000" cy="1023120"/>
+            <a:ext cx="1052640" cy="1022760"/>
           </a:xfrm>
           <a:prstGeom prst="rect">
             <a:avLst/>
@@ -12080,7 +12052,7 @@
         <p:spPr>
           <a:xfrm>
             <a:off x="98280" y="16200"/>
-            <a:ext cx="8823960" cy="1042560"/>
+            <a:ext cx="8823600" cy="1042200"/>
           </a:xfrm>
           <a:prstGeom prst="rect">
             <a:avLst/>
@@ -12129,7 +12101,7 @@
         <p:spPr>
           <a:xfrm>
             <a:off x="1713600" y="4685040"/>
-            <a:ext cx="1668240" cy="353160"/>
+            <a:ext cx="1667880" cy="352800"/>
           </a:xfrm>
           <a:prstGeom prst="rect">
             <a:avLst/>
@@ -12181,7 +12153,7 @@
         <p:spPr>
           <a:xfrm>
             <a:off x="5047200" y="1228320"/>
-            <a:ext cx="3929760" cy="3845520"/>
+            <a:ext cx="3929400" cy="3845160"/>
           </a:xfrm>
           <a:prstGeom prst="rect">
             <a:avLst/>
@@ -12247,7 +12219,7 @@
         <p:spPr>
           <a:xfrm>
             <a:off x="72000" y="1440000"/>
-            <a:ext cx="4893840" cy="3128040"/>
+            <a:ext cx="4893480" cy="3127680"/>
           </a:xfrm>
           <a:prstGeom prst="rect">
             <a:avLst/>
@@ -12266,7 +12238,7 @@
         <p:spPr>
           <a:xfrm>
             <a:off x="98280" y="16200"/>
-            <a:ext cx="1053000" cy="1023120"/>
+            <a:ext cx="1052640" cy="1022760"/>
           </a:xfrm>
           <a:prstGeom prst="rect">
             <a:avLst/>
@@ -12364,7 +12336,7 @@
         <p:spPr>
           <a:xfrm>
             <a:off x="98280" y="16200"/>
-            <a:ext cx="8823960" cy="1042560"/>
+            <a:ext cx="8823600" cy="1042200"/>
           </a:xfrm>
           <a:prstGeom prst="rect">
             <a:avLst/>
@@ -12413,7 +12385,7 @@
         <p:spPr>
           <a:xfrm>
             <a:off x="1713600" y="4685040"/>
-            <a:ext cx="1668240" cy="353160"/>
+            <a:ext cx="1667880" cy="352800"/>
           </a:xfrm>
           <a:prstGeom prst="rect">
             <a:avLst/>
@@ -12465,7 +12437,7 @@
         <p:spPr>
           <a:xfrm>
             <a:off x="5047200" y="1228320"/>
-            <a:ext cx="3929760" cy="3845520"/>
+            <a:ext cx="3929400" cy="3845160"/>
           </a:xfrm>
           <a:prstGeom prst="rect">
             <a:avLst/>
@@ -12504,7 +12476,7 @@
             </a:endParaRPr>
           </a:p>
           <a:p>
-            <a:pPr marL="457200" indent="-353160">
+            <a:pPr marL="457200" indent="-352800">
               <a:lnSpc>
                 <a:spcPct val="150000"/>
               </a:lnSpc>
@@ -12556,7 +12528,7 @@
         <p:spPr>
           <a:xfrm>
             <a:off x="72000" y="1440000"/>
-            <a:ext cx="4893840" cy="3128040"/>
+            <a:ext cx="4893480" cy="3127680"/>
           </a:xfrm>
           <a:prstGeom prst="rect">
             <a:avLst/>
@@ -12575,7 +12547,7 @@
         <p:spPr>
           <a:xfrm>
             <a:off x="144000" y="2016000"/>
-            <a:ext cx="4821840" cy="501840"/>
+            <a:ext cx="4821480" cy="501480"/>
           </a:xfrm>
           <a:prstGeom prst="frame">
             <a:avLst>
@@ -12607,7 +12579,7 @@
         <p:spPr>
           <a:xfrm>
             <a:off x="98280" y="16200"/>
-            <a:ext cx="1053000" cy="1023120"/>
+            <a:ext cx="1052640" cy="1022760"/>
           </a:xfrm>
           <a:prstGeom prst="rect">
             <a:avLst/>
@@ -12705,7 +12677,7 @@
         <p:spPr>
           <a:xfrm>
             <a:off x="98280" y="16200"/>
-            <a:ext cx="8823960" cy="1042560"/>
+            <a:ext cx="8823600" cy="1042200"/>
           </a:xfrm>
           <a:prstGeom prst="rect">
             <a:avLst/>
@@ -12754,7 +12726,7 @@
         <p:spPr>
           <a:xfrm>
             <a:off x="1713600" y="4685040"/>
-            <a:ext cx="1668240" cy="353160"/>
+            <a:ext cx="1667880" cy="352800"/>
           </a:xfrm>
           <a:prstGeom prst="rect">
             <a:avLst/>
@@ -12806,7 +12778,7 @@
         <p:spPr>
           <a:xfrm>
             <a:off x="5047200" y="1228320"/>
-            <a:ext cx="3929760" cy="3845520"/>
+            <a:ext cx="3929400" cy="3845160"/>
           </a:xfrm>
           <a:prstGeom prst="rect">
             <a:avLst/>
@@ -12845,7 +12817,7 @@
             </a:endParaRPr>
           </a:p>
           <a:p>
-            <a:pPr marL="457200" indent="-353160">
+            <a:pPr marL="457200" indent="-352800">
               <a:lnSpc>
                 <a:spcPct val="150000"/>
               </a:lnSpc>
@@ -12873,7 +12845,7 @@
             </a:endParaRPr>
           </a:p>
           <a:p>
-            <a:pPr marL="457200" indent="-353160">
+            <a:pPr marL="457200" indent="-352800">
               <a:lnSpc>
                 <a:spcPct val="150000"/>
               </a:lnSpc>
@@ -12922,7 +12894,7 @@
         <p:spPr>
           <a:xfrm>
             <a:off x="72000" y="1440000"/>
-            <a:ext cx="4893840" cy="3128040"/>
+            <a:ext cx="4893480" cy="3127680"/>
           </a:xfrm>
           <a:prstGeom prst="rect">
             <a:avLst/>
@@ -12941,7 +12913,7 @@
         <p:spPr>
           <a:xfrm>
             <a:off x="864000" y="2376000"/>
-            <a:ext cx="3381840" cy="429840"/>
+            <a:ext cx="3381480" cy="429480"/>
           </a:xfrm>
           <a:prstGeom prst="frame">
             <a:avLst>
@@ -12973,7 +12945,7 @@
         <p:spPr>
           <a:xfrm>
             <a:off x="98280" y="16200"/>
-            <a:ext cx="1053000" cy="1023120"/>
+            <a:ext cx="1052640" cy="1022760"/>
           </a:xfrm>
           <a:prstGeom prst="rect">
             <a:avLst/>
@@ -13071,7 +13043,7 @@
         <p:spPr>
           <a:xfrm>
             <a:off x="98280" y="16200"/>
-            <a:ext cx="8823960" cy="1042560"/>
+            <a:ext cx="8823600" cy="1042200"/>
           </a:xfrm>
           <a:prstGeom prst="rect">
             <a:avLst/>
@@ -13120,7 +13092,7 @@
         <p:spPr>
           <a:xfrm>
             <a:off x="1713600" y="4685040"/>
-            <a:ext cx="1668240" cy="353160"/>
+            <a:ext cx="1667880" cy="352800"/>
           </a:xfrm>
           <a:prstGeom prst="rect">
             <a:avLst/>
@@ -13172,7 +13144,7 @@
         <p:spPr>
           <a:xfrm>
             <a:off x="5047200" y="1228320"/>
-            <a:ext cx="3929760" cy="3845520"/>
+            <a:ext cx="3929400" cy="3845160"/>
           </a:xfrm>
           <a:prstGeom prst="rect">
             <a:avLst/>
@@ -13211,7 +13183,7 @@
             </a:endParaRPr>
           </a:p>
           <a:p>
-            <a:pPr marL="457200" indent="-353160">
+            <a:pPr marL="457200" indent="-352800">
               <a:lnSpc>
                 <a:spcPct val="150000"/>
               </a:lnSpc>
@@ -13239,7 +13211,7 @@
             </a:endParaRPr>
           </a:p>
           <a:p>
-            <a:pPr marL="457200" indent="-353160">
+            <a:pPr marL="457200" indent="-352800">
               <a:lnSpc>
                 <a:spcPct val="150000"/>
               </a:lnSpc>
@@ -13264,7 +13236,7 @@
             </a:endParaRPr>
           </a:p>
           <a:p>
-            <a:pPr marL="457200" indent="-353160">
+            <a:pPr marL="457200" indent="-352800">
               <a:lnSpc>
                 <a:spcPct val="150000"/>
               </a:lnSpc>
@@ -13313,7 +13285,7 @@
         <p:spPr>
           <a:xfrm>
             <a:off x="72000" y="1440000"/>
-            <a:ext cx="4893840" cy="3128040"/>
+            <a:ext cx="4893480" cy="3127680"/>
           </a:xfrm>
           <a:prstGeom prst="rect">
             <a:avLst/>
@@ -13332,7 +13304,7 @@
         <p:spPr>
           <a:xfrm>
             <a:off x="0" y="2520000"/>
-            <a:ext cx="5115240" cy="1510200"/>
+            <a:ext cx="5114880" cy="1509840"/>
           </a:xfrm>
           <a:prstGeom prst="frame">
             <a:avLst>
@@ -13364,7 +13336,7 @@
         <p:spPr>
           <a:xfrm>
             <a:off x="98280" y="16200"/>
-            <a:ext cx="1053000" cy="1023120"/>
+            <a:ext cx="1052640" cy="1022760"/>
           </a:xfrm>
           <a:prstGeom prst="rect">
             <a:avLst/>
@@ -13462,7 +13434,7 @@
         <p:spPr>
           <a:xfrm>
             <a:off x="98280" y="16200"/>
-            <a:ext cx="8823960" cy="1023120"/>
+            <a:ext cx="8823600" cy="1022760"/>
           </a:xfrm>
           <a:prstGeom prst="rect">
             <a:avLst/>
@@ -13511,7 +13483,7 @@
         <p:spPr>
           <a:xfrm>
             <a:off x="788760" y="949320"/>
-            <a:ext cx="8065080" cy="4089240"/>
+            <a:ext cx="8064720" cy="4088880"/>
           </a:xfrm>
           <a:prstGeom prst="rect">
             <a:avLst/>
@@ -13672,7 +13644,7 @@
         <p:spPr>
           <a:xfrm>
             <a:off x="6004440" y="2808000"/>
-            <a:ext cx="1698120" cy="1035360"/>
+            <a:ext cx="1697760" cy="1035000"/>
           </a:xfrm>
           <a:prstGeom prst="rect">
             <a:avLst/>
@@ -13691,7 +13663,7 @@
         <p:spPr>
           <a:xfrm>
             <a:off x="98280" y="16200"/>
-            <a:ext cx="1053000" cy="1023120"/>
+            <a:ext cx="1052640" cy="1022760"/>
           </a:xfrm>
           <a:prstGeom prst="rect">
             <a:avLst/>
@@ -13796,7 +13768,7 @@
         <p:spPr>
           <a:xfrm>
             <a:off x="98280" y="16200"/>
-            <a:ext cx="8823960" cy="1042560"/>
+            <a:ext cx="8823600" cy="1042200"/>
           </a:xfrm>
           <a:prstGeom prst="rect">
             <a:avLst/>
@@ -13845,7 +13817,7 @@
         <p:spPr>
           <a:xfrm>
             <a:off x="1713600" y="4685040"/>
-            <a:ext cx="1668240" cy="353160"/>
+            <a:ext cx="1667880" cy="352800"/>
           </a:xfrm>
           <a:prstGeom prst="rect">
             <a:avLst/>
@@ -13897,7 +13869,7 @@
         <p:spPr>
           <a:xfrm>
             <a:off x="5047200" y="1228320"/>
-            <a:ext cx="3929760" cy="3845520"/>
+            <a:ext cx="3929400" cy="3845160"/>
           </a:xfrm>
           <a:prstGeom prst="rect">
             <a:avLst/>
@@ -13936,7 +13908,7 @@
             </a:endParaRPr>
           </a:p>
           <a:p>
-            <a:pPr marL="457200" indent="-353160">
+            <a:pPr marL="457200" indent="-352800">
               <a:lnSpc>
                 <a:spcPct val="150000"/>
               </a:lnSpc>
@@ -13964,7 +13936,7 @@
             </a:endParaRPr>
           </a:p>
           <a:p>
-            <a:pPr marL="457200" indent="-353160">
+            <a:pPr marL="457200" indent="-352800">
               <a:lnSpc>
                 <a:spcPct val="150000"/>
               </a:lnSpc>
@@ -13989,7 +13961,7 @@
             </a:endParaRPr>
           </a:p>
           <a:p>
-            <a:pPr marL="457200" indent="-353160">
+            <a:pPr marL="457200" indent="-352800">
               <a:lnSpc>
                 <a:spcPct val="150000"/>
               </a:lnSpc>
@@ -14014,7 +13986,7 @@
             </a:endParaRPr>
           </a:p>
           <a:p>
-            <a:pPr marL="457200" indent="-353160">
+            <a:pPr marL="457200" indent="-352800">
               <a:lnSpc>
                 <a:spcPct val="150000"/>
               </a:lnSpc>
@@ -14053,7 +14025,7 @@
         <p:spPr>
           <a:xfrm>
             <a:off x="72000" y="1440000"/>
-            <a:ext cx="4893840" cy="3128040"/>
+            <a:ext cx="4893480" cy="3127680"/>
           </a:xfrm>
           <a:prstGeom prst="rect">
             <a:avLst/>
@@ -14072,7 +14044,7 @@
         <p:spPr>
           <a:xfrm>
             <a:off x="98280" y="16200"/>
-            <a:ext cx="1053000" cy="1023120"/>
+            <a:ext cx="1052640" cy="1022760"/>
           </a:xfrm>
           <a:prstGeom prst="rect">
             <a:avLst/>
@@ -14170,7 +14142,7 @@
         <p:spPr>
           <a:xfrm>
             <a:off x="98280" y="16200"/>
-            <a:ext cx="8823960" cy="1023120"/>
+            <a:ext cx="8823600" cy="1022760"/>
           </a:xfrm>
           <a:prstGeom prst="rect">
             <a:avLst/>
@@ -14223,7 +14195,7 @@
         <p:spPr>
           <a:xfrm>
             <a:off x="3337200" y="1117440"/>
-            <a:ext cx="2467080" cy="3710520"/>
+            <a:ext cx="2466720" cy="3710160"/>
           </a:xfrm>
           <a:prstGeom prst="rect">
             <a:avLst/>
@@ -14242,7 +14214,7 @@
         <p:spPr>
           <a:xfrm>
             <a:off x="3691800" y="4778640"/>
-            <a:ext cx="1757520" cy="362880"/>
+            <a:ext cx="1757160" cy="362520"/>
           </a:xfrm>
           <a:prstGeom prst="rect">
             <a:avLst/>
@@ -14294,7 +14266,7 @@
         <p:spPr>
           <a:xfrm>
             <a:off x="98280" y="16200"/>
-            <a:ext cx="1053000" cy="1023120"/>
+            <a:ext cx="1052640" cy="1022760"/>
           </a:xfrm>
           <a:prstGeom prst="rect">
             <a:avLst/>
@@ -14392,7 +14364,7 @@
         <p:spPr>
           <a:xfrm>
             <a:off x="98280" y="16200"/>
-            <a:ext cx="8823960" cy="1023120"/>
+            <a:ext cx="8823600" cy="1022760"/>
           </a:xfrm>
           <a:prstGeom prst="rect">
             <a:avLst/>
@@ -14445,7 +14417,7 @@
         <p:spPr>
           <a:xfrm>
             <a:off x="642600" y="1127160"/>
-            <a:ext cx="2467080" cy="3710520"/>
+            <a:ext cx="2466720" cy="3710160"/>
           </a:xfrm>
           <a:prstGeom prst="rect">
             <a:avLst/>
@@ -14464,7 +14436,7 @@
         <p:spPr>
           <a:xfrm>
             <a:off x="997560" y="4778640"/>
-            <a:ext cx="1757520" cy="362880"/>
+            <a:ext cx="1757160" cy="362520"/>
           </a:xfrm>
           <a:prstGeom prst="rect">
             <a:avLst/>
@@ -14516,7 +14488,7 @@
         <p:spPr>
           <a:xfrm>
             <a:off x="3336120" y="1228320"/>
-            <a:ext cx="5640840" cy="3845520"/>
+            <a:ext cx="5640480" cy="3845160"/>
           </a:xfrm>
           <a:prstGeom prst="rect">
             <a:avLst/>
@@ -14578,7 +14550,7 @@
         <p:spPr>
           <a:xfrm>
             <a:off x="98280" y="16200"/>
-            <a:ext cx="1053000" cy="1023120"/>
+            <a:ext cx="1052640" cy="1022760"/>
           </a:xfrm>
           <a:prstGeom prst="rect">
             <a:avLst/>
@@ -14676,7 +14648,7 @@
         <p:spPr>
           <a:xfrm>
             <a:off x="98280" y="16200"/>
-            <a:ext cx="8823960" cy="1023120"/>
+            <a:ext cx="8823600" cy="1022760"/>
           </a:xfrm>
           <a:prstGeom prst="rect">
             <a:avLst/>
@@ -14729,7 +14701,7 @@
         <p:spPr>
           <a:xfrm>
             <a:off x="642600" y="1127160"/>
-            <a:ext cx="2467080" cy="3710520"/>
+            <a:ext cx="2466720" cy="3710160"/>
           </a:xfrm>
           <a:prstGeom prst="rect">
             <a:avLst/>
@@ -14748,7 +14720,7 @@
         <p:spPr>
           <a:xfrm>
             <a:off x="997560" y="4778640"/>
-            <a:ext cx="1757520" cy="362880"/>
+            <a:ext cx="1757160" cy="362520"/>
           </a:xfrm>
           <a:prstGeom prst="rect">
             <a:avLst/>
@@ -14800,7 +14772,7 @@
         <p:spPr>
           <a:xfrm>
             <a:off x="3336120" y="1228320"/>
-            <a:ext cx="5640840" cy="3845520"/>
+            <a:ext cx="5640480" cy="3845160"/>
           </a:xfrm>
           <a:prstGeom prst="rect">
             <a:avLst/>
@@ -14839,7 +14811,7 @@
             </a:endParaRPr>
           </a:p>
           <a:p>
-            <a:pPr marL="457200" indent="-353160">
+            <a:pPr marL="457200" indent="-352800">
               <a:lnSpc>
                 <a:spcPct val="150000"/>
               </a:lnSpc>
@@ -14886,8 +14858,8 @@
         </p:nvSpPr>
         <p:spPr>
           <a:xfrm flipH="1">
-            <a:off x="141840" y="2250720"/>
-            <a:ext cx="752400" cy="555120"/>
+            <a:off x="141120" y="2250720"/>
+            <a:ext cx="752040" cy="554760"/>
           </a:xfrm>
           <a:prstGeom prst="leftArrow">
             <a:avLst>
@@ -14920,8 +14892,8 @@
         </p:nvSpPr>
         <p:spPr>
           <a:xfrm flipH="1">
-            <a:off x="141840" y="3240360"/>
-            <a:ext cx="752400" cy="555120"/>
+            <a:off x="141120" y="3240360"/>
+            <a:ext cx="752040" cy="554760"/>
           </a:xfrm>
           <a:prstGeom prst="leftArrow">
             <a:avLst>
@@ -14954,8 +14926,8 @@
         </p:nvSpPr>
         <p:spPr>
           <a:xfrm flipH="1">
-            <a:off x="141840" y="3907080"/>
-            <a:ext cx="752400" cy="555120"/>
+            <a:off x="141120" y="3907080"/>
+            <a:ext cx="752040" cy="554760"/>
           </a:xfrm>
           <a:prstGeom prst="leftArrow">
             <a:avLst>
@@ -14989,7 +14961,7 @@
         <p:spPr>
           <a:xfrm>
             <a:off x="98280" y="16200"/>
-            <a:ext cx="1053000" cy="1023120"/>
+            <a:ext cx="1052640" cy="1022760"/>
           </a:xfrm>
           <a:prstGeom prst="rect">
             <a:avLst/>
@@ -15087,7 +15059,7 @@
         <p:spPr>
           <a:xfrm>
             <a:off x="98280" y="16200"/>
-            <a:ext cx="8823960" cy="1023120"/>
+            <a:ext cx="8823600" cy="1022760"/>
           </a:xfrm>
           <a:prstGeom prst="rect">
             <a:avLst/>
@@ -15140,7 +15112,7 @@
         <p:spPr>
           <a:xfrm>
             <a:off x="642600" y="1127160"/>
-            <a:ext cx="2467080" cy="3710520"/>
+            <a:ext cx="2466720" cy="3710160"/>
           </a:xfrm>
           <a:prstGeom prst="rect">
             <a:avLst/>
@@ -15159,7 +15131,7 @@
         <p:spPr>
           <a:xfrm>
             <a:off x="997560" y="4778640"/>
-            <a:ext cx="1757520" cy="362880"/>
+            <a:ext cx="1757160" cy="362520"/>
           </a:xfrm>
           <a:prstGeom prst="rect">
             <a:avLst/>
@@ -15211,7 +15183,7 @@
         <p:spPr>
           <a:xfrm>
             <a:off x="3336120" y="1228320"/>
-            <a:ext cx="5640840" cy="3845520"/>
+            <a:ext cx="5640480" cy="3845160"/>
           </a:xfrm>
           <a:prstGeom prst="rect">
             <a:avLst/>
@@ -15250,7 +15222,7 @@
             </a:endParaRPr>
           </a:p>
           <a:p>
-            <a:pPr marL="457200" indent="-353160">
+            <a:pPr marL="457200" indent="-352800">
               <a:lnSpc>
                 <a:spcPct val="150000"/>
               </a:lnSpc>
@@ -15278,7 +15250,7 @@
             </a:endParaRPr>
           </a:p>
           <a:p>
-            <a:pPr marL="457200" indent="-353160">
+            <a:pPr marL="457200" indent="-352800">
               <a:lnSpc>
                 <a:spcPct val="150000"/>
               </a:lnSpc>
@@ -15323,7 +15295,7 @@
         <p:spPr>
           <a:xfrm>
             <a:off x="720000" y="1944000"/>
-            <a:ext cx="717840" cy="573840"/>
+            <a:ext cx="717480" cy="573480"/>
           </a:xfrm>
           <a:prstGeom prst="frame">
             <a:avLst>
@@ -15355,7 +15327,7 @@
         <p:spPr>
           <a:xfrm>
             <a:off x="1440360" y="1944360"/>
-            <a:ext cx="717840" cy="573840"/>
+            <a:ext cx="717480" cy="573480"/>
           </a:xfrm>
           <a:prstGeom prst="frame">
             <a:avLst>
@@ -15387,7 +15359,7 @@
         <p:spPr>
           <a:xfrm>
             <a:off x="2232000" y="1944000"/>
-            <a:ext cx="717840" cy="573840"/>
+            <a:ext cx="717480" cy="573480"/>
           </a:xfrm>
           <a:prstGeom prst="frame">
             <a:avLst>
@@ -15419,7 +15391,7 @@
         <p:spPr>
           <a:xfrm>
             <a:off x="720000" y="2520360"/>
-            <a:ext cx="717840" cy="573840"/>
+            <a:ext cx="717480" cy="573480"/>
           </a:xfrm>
           <a:prstGeom prst="frame">
             <a:avLst>
@@ -15451,7 +15423,7 @@
         <p:spPr>
           <a:xfrm>
             <a:off x="720000" y="3240360"/>
-            <a:ext cx="717840" cy="573840"/>
+            <a:ext cx="717480" cy="573480"/>
           </a:xfrm>
           <a:prstGeom prst="frame">
             <a:avLst>
@@ -15483,7 +15455,7 @@
         <p:spPr>
           <a:xfrm>
             <a:off x="1440000" y="3240360"/>
-            <a:ext cx="717840" cy="573840"/>
+            <a:ext cx="717480" cy="573480"/>
           </a:xfrm>
           <a:prstGeom prst="frame">
             <a:avLst>
@@ -15515,7 +15487,7 @@
         <p:spPr>
           <a:xfrm>
             <a:off x="720000" y="3888360"/>
-            <a:ext cx="717840" cy="573840"/>
+            <a:ext cx="717480" cy="573480"/>
           </a:xfrm>
           <a:prstGeom prst="frame">
             <a:avLst>
@@ -15547,7 +15519,7 @@
         <p:spPr>
           <a:xfrm>
             <a:off x="1440000" y="3888360"/>
-            <a:ext cx="717840" cy="573840"/>
+            <a:ext cx="717480" cy="573480"/>
           </a:xfrm>
           <a:prstGeom prst="frame">
             <a:avLst>
@@ -15579,7 +15551,7 @@
         <p:spPr>
           <a:xfrm>
             <a:off x="98280" y="16200"/>
-            <a:ext cx="1053000" cy="1023120"/>
+            <a:ext cx="1052640" cy="1022760"/>
           </a:xfrm>
           <a:prstGeom prst="rect">
             <a:avLst/>
@@ -15677,7 +15649,7 @@
         <p:spPr>
           <a:xfrm>
             <a:off x="98280" y="16200"/>
-            <a:ext cx="8823960" cy="1023120"/>
+            <a:ext cx="8823600" cy="1022760"/>
           </a:xfrm>
           <a:prstGeom prst="rect">
             <a:avLst/>
@@ -15730,7 +15702,7 @@
         <p:spPr>
           <a:xfrm>
             <a:off x="642600" y="1127160"/>
-            <a:ext cx="2467080" cy="3710520"/>
+            <a:ext cx="2466720" cy="3710160"/>
           </a:xfrm>
           <a:prstGeom prst="rect">
             <a:avLst/>
@@ -15749,7 +15721,7 @@
         <p:spPr>
           <a:xfrm>
             <a:off x="997560" y="4778640"/>
-            <a:ext cx="1757520" cy="362880"/>
+            <a:ext cx="1757160" cy="362520"/>
           </a:xfrm>
           <a:prstGeom prst="rect">
             <a:avLst/>
@@ -15801,7 +15773,7 @@
         <p:spPr>
           <a:xfrm>
             <a:off x="3336120" y="1228320"/>
-            <a:ext cx="5640840" cy="3845520"/>
+            <a:ext cx="5640480" cy="3845160"/>
           </a:xfrm>
           <a:prstGeom prst="rect">
             <a:avLst/>
@@ -15840,7 +15812,7 @@
             </a:endParaRPr>
           </a:p>
           <a:p>
-            <a:pPr marL="457200" indent="-353160">
+            <a:pPr marL="457200" indent="-352800">
               <a:lnSpc>
                 <a:spcPct val="150000"/>
               </a:lnSpc>
@@ -15868,7 +15840,7 @@
             </a:endParaRPr>
           </a:p>
           <a:p>
-            <a:pPr marL="457200" indent="-353160">
+            <a:pPr marL="457200" indent="-352800">
               <a:lnSpc>
                 <a:spcPct val="150000"/>
               </a:lnSpc>
@@ -15893,7 +15865,7 @@
             </a:endParaRPr>
           </a:p>
           <a:p>
-            <a:pPr marL="457200" indent="-353160">
+            <a:pPr marL="457200" indent="-352800">
               <a:lnSpc>
                 <a:spcPct val="150000"/>
               </a:lnSpc>
@@ -15938,7 +15910,7 @@
         <p:spPr>
           <a:xfrm>
             <a:off x="2304000" y="4104360"/>
-            <a:ext cx="573840" cy="573840"/>
+            <a:ext cx="573480" cy="573480"/>
           </a:xfrm>
           <a:custGeom>
             <a:avLst/>
@@ -15999,7 +15971,7 @@
         <p:spPr>
           <a:xfrm>
             <a:off x="98280" y="16200"/>
-            <a:ext cx="1053000" cy="1023120"/>
+            <a:ext cx="1052640" cy="1022760"/>
           </a:xfrm>
           <a:prstGeom prst="rect">
             <a:avLst/>
@@ -16097,7 +16069,7 @@
         <p:spPr>
           <a:xfrm>
             <a:off x="98280" y="16200"/>
-            <a:ext cx="8823960" cy="1023120"/>
+            <a:ext cx="8823600" cy="1022760"/>
           </a:xfrm>
           <a:prstGeom prst="rect">
             <a:avLst/>
@@ -16150,7 +16122,7 @@
         <p:spPr>
           <a:xfrm>
             <a:off x="642600" y="1127160"/>
-            <a:ext cx="2467080" cy="3710520"/>
+            <a:ext cx="2466720" cy="3710160"/>
           </a:xfrm>
           <a:prstGeom prst="rect">
             <a:avLst/>
@@ -16169,7 +16141,7 @@
         <p:spPr>
           <a:xfrm>
             <a:off x="997560" y="4778640"/>
-            <a:ext cx="1757520" cy="362880"/>
+            <a:ext cx="1757160" cy="362520"/>
           </a:xfrm>
           <a:prstGeom prst="rect">
             <a:avLst/>
@@ -16221,7 +16193,7 @@
         <p:spPr>
           <a:xfrm>
             <a:off x="3336120" y="1228320"/>
-            <a:ext cx="5640840" cy="3845520"/>
+            <a:ext cx="5640480" cy="3845160"/>
           </a:xfrm>
           <a:prstGeom prst="rect">
             <a:avLst/>
@@ -16260,7 +16232,7 @@
             </a:endParaRPr>
           </a:p>
           <a:p>
-            <a:pPr marL="457200" indent="-353160">
+            <a:pPr marL="457200" indent="-352800">
               <a:lnSpc>
                 <a:spcPct val="150000"/>
               </a:lnSpc>
@@ -16288,7 +16260,7 @@
             </a:endParaRPr>
           </a:p>
           <a:p>
-            <a:pPr marL="457200" indent="-353160">
+            <a:pPr marL="457200" indent="-352800">
               <a:lnSpc>
                 <a:spcPct val="150000"/>
               </a:lnSpc>
@@ -16313,7 +16285,7 @@
             </a:endParaRPr>
           </a:p>
           <a:p>
-            <a:pPr marL="457200" indent="-353160">
+            <a:pPr marL="457200" indent="-352800">
               <a:lnSpc>
                 <a:spcPct val="150000"/>
               </a:lnSpc>
@@ -16338,7 +16310,7 @@
             </a:endParaRPr>
           </a:p>
           <a:p>
-            <a:pPr marL="457200" indent="-353160">
+            <a:pPr marL="457200" indent="-352800">
               <a:lnSpc>
                 <a:spcPct val="150000"/>
               </a:lnSpc>
@@ -16377,7 +16349,7 @@
         <p:spPr>
           <a:xfrm>
             <a:off x="1544760" y="2687400"/>
-            <a:ext cx="1477080" cy="1198800"/>
+            <a:ext cx="1476720" cy="1198440"/>
           </a:xfrm>
           <a:prstGeom prst="rect">
             <a:avLst/>
@@ -16424,7 +16396,7 @@
         <p:spPr>
           <a:xfrm>
             <a:off x="1728000" y="3600360"/>
-            <a:ext cx="1077840" cy="213840"/>
+            <a:ext cx="1077480" cy="213480"/>
           </a:xfrm>
           <a:prstGeom prst="frame">
             <a:avLst>
@@ -16456,7 +16428,7 @@
         <p:spPr>
           <a:xfrm>
             <a:off x="98280" y="16200"/>
-            <a:ext cx="1053000" cy="1023120"/>
+            <a:ext cx="1052640" cy="1022760"/>
           </a:xfrm>
           <a:prstGeom prst="rect">
             <a:avLst/>
@@ -16554,7 +16526,7 @@
         <p:spPr>
           <a:xfrm>
             <a:off x="98280" y="16200"/>
-            <a:ext cx="8823960" cy="1004040"/>
+            <a:ext cx="8823600" cy="1003680"/>
           </a:xfrm>
           <a:prstGeom prst="rect">
             <a:avLst/>
@@ -16607,7 +16579,7 @@
         <p:spPr>
           <a:xfrm>
             <a:off x="2241000" y="1154520"/>
-            <a:ext cx="4582440" cy="3650040"/>
+            <a:ext cx="4582080" cy="3649680"/>
           </a:xfrm>
           <a:prstGeom prst="rect">
             <a:avLst/>
@@ -16626,7 +16598,7 @@
         <p:spPr>
           <a:xfrm>
             <a:off x="2192400" y="4759920"/>
-            <a:ext cx="4756680" cy="381600"/>
+            <a:ext cx="4756320" cy="381240"/>
           </a:xfrm>
           <a:prstGeom prst="rect">
             <a:avLst/>
@@ -16682,7 +16654,7 @@
         <p:spPr>
           <a:xfrm>
             <a:off x="2241000" y="1154520"/>
-            <a:ext cx="4582440" cy="3650040"/>
+            <a:ext cx="4582080" cy="3649680"/>
           </a:xfrm>
           <a:prstGeom prst="rect">
             <a:avLst/>
@@ -16701,7 +16673,7 @@
         <p:spPr>
           <a:xfrm>
             <a:off x="98280" y="16200"/>
-            <a:ext cx="1053000" cy="1023120"/>
+            <a:ext cx="1052640" cy="1022760"/>
           </a:xfrm>
           <a:prstGeom prst="rect">
             <a:avLst/>
@@ -16799,7 +16771,7 @@
         <p:spPr>
           <a:xfrm>
             <a:off x="98280" y="16200"/>
-            <a:ext cx="8823960" cy="1004040"/>
+            <a:ext cx="8823600" cy="1003680"/>
           </a:xfrm>
           <a:prstGeom prst="rect">
             <a:avLst/>
@@ -16848,7 +16820,7 @@
         <p:spPr>
           <a:xfrm>
             <a:off x="2192400" y="4759920"/>
-            <a:ext cx="4756680" cy="381600"/>
+            <a:ext cx="4756320" cy="381240"/>
           </a:xfrm>
           <a:prstGeom prst="rect">
             <a:avLst/>
@@ -16904,7 +16876,7 @@
         <p:spPr>
           <a:xfrm>
             <a:off x="2239920" y="1147320"/>
-            <a:ext cx="4608720" cy="3664440"/>
+            <a:ext cx="4608360" cy="3664080"/>
           </a:xfrm>
           <a:prstGeom prst="rect">
             <a:avLst/>
@@ -16927,7 +16899,7 @@
         <p:spPr>
           <a:xfrm>
             <a:off x="2239920" y="1147320"/>
-            <a:ext cx="4608720" cy="3664440"/>
+            <a:ext cx="4608360" cy="3664080"/>
           </a:xfrm>
           <a:prstGeom prst="rect">
             <a:avLst/>
@@ -16946,7 +16918,7 @@
         <p:spPr>
           <a:xfrm>
             <a:off x="98280" y="16200"/>
-            <a:ext cx="1053000" cy="1023120"/>
+            <a:ext cx="1052640" cy="1022760"/>
           </a:xfrm>
           <a:prstGeom prst="rect">
             <a:avLst/>
@@ -17044,7 +17016,7 @@
         <p:spPr>
           <a:xfrm>
             <a:off x="98280" y="16200"/>
-            <a:ext cx="8823960" cy="1004040"/>
+            <a:ext cx="8823600" cy="1003680"/>
           </a:xfrm>
           <a:prstGeom prst="rect">
             <a:avLst/>
@@ -17093,7 +17065,7 @@
         <p:spPr>
           <a:xfrm>
             <a:off x="98280" y="4759920"/>
-            <a:ext cx="4756680" cy="381600"/>
+            <a:ext cx="4756320" cy="381240"/>
           </a:xfrm>
           <a:prstGeom prst="rect">
             <a:avLst/>
@@ -17149,7 +17121,7 @@
         <p:spPr>
           <a:xfrm>
             <a:off x="249840" y="1157040"/>
-            <a:ext cx="4608720" cy="3664440"/>
+            <a:ext cx="4608360" cy="3664080"/>
           </a:xfrm>
           <a:prstGeom prst="rect">
             <a:avLst/>
@@ -17168,7 +17140,7 @@
         <p:spPr>
           <a:xfrm>
             <a:off x="5162760" y="1228320"/>
-            <a:ext cx="3814200" cy="3845520"/>
+            <a:ext cx="3813840" cy="3845160"/>
           </a:xfrm>
           <a:prstGeom prst="rect">
             <a:avLst/>
@@ -17234,7 +17206,7 @@
         <p:spPr>
           <a:xfrm>
             <a:off x="249840" y="1147320"/>
-            <a:ext cx="4608720" cy="3664440"/>
+            <a:ext cx="4608360" cy="3664080"/>
           </a:xfrm>
           <a:prstGeom prst="rect">
             <a:avLst/>
@@ -17253,7 +17225,7 @@
         <p:spPr>
           <a:xfrm>
             <a:off x="98280" y="16200"/>
-            <a:ext cx="1053000" cy="1023120"/>
+            <a:ext cx="1052640" cy="1022760"/>
           </a:xfrm>
           <a:prstGeom prst="rect">
             <a:avLst/>
@@ -17351,7 +17323,7 @@
         <p:spPr>
           <a:xfrm>
             <a:off x="98280" y="16200"/>
-            <a:ext cx="8823960" cy="1013760"/>
+            <a:ext cx="8823600" cy="1013400"/>
           </a:xfrm>
           <a:prstGeom prst="rect">
             <a:avLst/>
@@ -17400,7 +17372,7 @@
         <p:spPr>
           <a:xfrm>
             <a:off x="655560" y="806040"/>
-            <a:ext cx="7579080" cy="4069080"/>
+            <a:ext cx="7578720" cy="4068720"/>
           </a:xfrm>
           <a:prstGeom prst="rect">
             <a:avLst/>
@@ -17445,27 +17417,7 @@
                 <a:latin typeface="Roboto"/>
                 <a:ea typeface="Roboto"/>
               </a:rPr>
-              <a:t>Répond à une demande du client (</a:t>
-            </a:r>
-            <a:r>
-              <a:rPr b="0" lang="fr-FR" sz="2000" spc="-1" strike="noStrike">
-                <a:solidFill>
-                  <a:srgbClr val="737373"/>
-                </a:solidFill>
-                <a:latin typeface="Roboto"/>
-                <a:ea typeface="Roboto"/>
-              </a:rPr>
-              <a:t>Véhiposte</a:t>
-            </a:r>
-            <a:r>
-              <a:rPr b="0" lang="fr-FR" sz="2000" spc="-1" strike="noStrike">
-                <a:solidFill>
-                  <a:srgbClr val="737373"/>
-                </a:solidFill>
-                <a:latin typeface="Roboto"/>
-                <a:ea typeface="Roboto"/>
-              </a:rPr>
-              <a:t>)</a:t>
+              <a:t>Répond à une demande du client (Véhiposte)</a:t>
             </a:r>
             <a:endParaRPr b="0" lang="fr-FR" sz="2000" spc="-1" strike="noStrike">
               <a:latin typeface="Arial"/>
@@ -17594,7 +17546,7 @@
         <p:spPr>
           <a:xfrm>
             <a:off x="6336000" y="1944000"/>
-            <a:ext cx="2664360" cy="635760"/>
+            <a:ext cx="2664000" cy="635400"/>
           </a:xfrm>
           <a:prstGeom prst="rect">
             <a:avLst/>
@@ -17617,7 +17569,7 @@
         <p:spPr>
           <a:xfrm>
             <a:off x="6408000" y="2460240"/>
-            <a:ext cx="2606760" cy="635760"/>
+            <a:ext cx="2606400" cy="635400"/>
           </a:xfrm>
           <a:prstGeom prst="rect">
             <a:avLst/>
@@ -17636,7 +17588,7 @@
         <p:spPr>
           <a:xfrm>
             <a:off x="98280" y="16200"/>
-            <a:ext cx="1053000" cy="1023120"/>
+            <a:ext cx="1052640" cy="1022760"/>
           </a:xfrm>
           <a:prstGeom prst="rect">
             <a:avLst/>
@@ -17734,7 +17686,7 @@
         <p:spPr>
           <a:xfrm>
             <a:off x="98280" y="16200"/>
-            <a:ext cx="8823960" cy="1004040"/>
+            <a:ext cx="8823600" cy="1003680"/>
           </a:xfrm>
           <a:prstGeom prst="rect">
             <a:avLst/>
@@ -17783,7 +17735,7 @@
         <p:spPr>
           <a:xfrm>
             <a:off x="98280" y="4759920"/>
-            <a:ext cx="4756680" cy="381600"/>
+            <a:ext cx="4756320" cy="381240"/>
           </a:xfrm>
           <a:prstGeom prst="rect">
             <a:avLst/>
@@ -17839,7 +17791,7 @@
         <p:spPr>
           <a:xfrm>
             <a:off x="249840" y="1157040"/>
-            <a:ext cx="4608720" cy="3664440"/>
+            <a:ext cx="4608360" cy="3664080"/>
           </a:xfrm>
           <a:prstGeom prst="rect">
             <a:avLst/>
@@ -17858,7 +17810,7 @@
         <p:spPr>
           <a:xfrm>
             <a:off x="5162760" y="1228320"/>
-            <a:ext cx="3814200" cy="3845520"/>
+            <a:ext cx="3813840" cy="3845160"/>
           </a:xfrm>
           <a:prstGeom prst="rect">
             <a:avLst/>
@@ -17897,7 +17849,7 @@
             </a:endParaRPr>
           </a:p>
           <a:p>
-            <a:pPr marL="457200" indent="-353160">
+            <a:pPr marL="457200" indent="-352800">
               <a:lnSpc>
                 <a:spcPct val="150000"/>
               </a:lnSpc>
@@ -17949,7 +17901,7 @@
         <p:spPr>
           <a:xfrm>
             <a:off x="249840" y="1147320"/>
-            <a:ext cx="4608720" cy="3664440"/>
+            <a:ext cx="4608360" cy="3664080"/>
           </a:xfrm>
           <a:prstGeom prst="rect">
             <a:avLst/>
@@ -17968,7 +17920,7 @@
         <p:spPr>
           <a:xfrm>
             <a:off x="3240000" y="3600360"/>
-            <a:ext cx="717840" cy="357840"/>
+            <a:ext cx="717480" cy="357480"/>
           </a:xfrm>
           <a:prstGeom prst="frame">
             <a:avLst>
@@ -18000,7 +17952,7 @@
         <p:spPr>
           <a:xfrm>
             <a:off x="98280" y="16200"/>
-            <a:ext cx="1053000" cy="1023120"/>
+            <a:ext cx="1052640" cy="1022760"/>
           </a:xfrm>
           <a:prstGeom prst="rect">
             <a:avLst/>
@@ -18098,7 +18050,7 @@
         <p:spPr>
           <a:xfrm>
             <a:off x="98280" y="16200"/>
-            <a:ext cx="8823960" cy="1004040"/>
+            <a:ext cx="8823600" cy="1003680"/>
           </a:xfrm>
           <a:prstGeom prst="rect">
             <a:avLst/>
@@ -18147,7 +18099,7 @@
         <p:spPr>
           <a:xfrm>
             <a:off x="98280" y="4759920"/>
-            <a:ext cx="4756680" cy="381600"/>
+            <a:ext cx="4756320" cy="381240"/>
           </a:xfrm>
           <a:prstGeom prst="rect">
             <a:avLst/>
@@ -18203,7 +18155,7 @@
         <p:spPr>
           <a:xfrm>
             <a:off x="249840" y="1157040"/>
-            <a:ext cx="4608720" cy="3664440"/>
+            <a:ext cx="4608360" cy="3664080"/>
           </a:xfrm>
           <a:prstGeom prst="rect">
             <a:avLst/>
@@ -18222,7 +18174,7 @@
         <p:spPr>
           <a:xfrm>
             <a:off x="5162760" y="1228320"/>
-            <a:ext cx="3814200" cy="3845520"/>
+            <a:ext cx="3813840" cy="3845160"/>
           </a:xfrm>
           <a:prstGeom prst="rect">
             <a:avLst/>
@@ -18261,7 +18213,7 @@
             </a:endParaRPr>
           </a:p>
           <a:p>
-            <a:pPr marL="457200" indent="-353160">
+            <a:pPr marL="457200" indent="-352800">
               <a:lnSpc>
                 <a:spcPct val="150000"/>
               </a:lnSpc>
@@ -18289,7 +18241,7 @@
             </a:endParaRPr>
           </a:p>
           <a:p>
-            <a:pPr marL="457200" indent="-353160">
+            <a:pPr marL="457200" indent="-352800">
               <a:lnSpc>
                 <a:spcPct val="150000"/>
               </a:lnSpc>
@@ -18338,7 +18290,7 @@
         <p:spPr>
           <a:xfrm>
             <a:off x="249840" y="1147320"/>
-            <a:ext cx="4608720" cy="3664440"/>
+            <a:ext cx="4608360" cy="3664080"/>
           </a:xfrm>
           <a:prstGeom prst="rect">
             <a:avLst/>
@@ -18361,7 +18313,7 @@
         <p:spPr>
           <a:xfrm>
             <a:off x="1152000" y="2057400"/>
-            <a:ext cx="2445480" cy="1540800"/>
+            <a:ext cx="2445120" cy="1540440"/>
           </a:xfrm>
           <a:prstGeom prst="rect">
             <a:avLst/>
@@ -18408,7 +18360,7 @@
         <p:spPr>
           <a:xfrm>
             <a:off x="98280" y="16200"/>
-            <a:ext cx="1053000" cy="1023120"/>
+            <a:ext cx="1052640" cy="1022760"/>
           </a:xfrm>
           <a:prstGeom prst="rect">
             <a:avLst/>
@@ -18506,7 +18458,7 @@
         <p:spPr>
           <a:xfrm>
             <a:off x="98280" y="16200"/>
-            <a:ext cx="8823960" cy="1004040"/>
+            <a:ext cx="8823600" cy="1003680"/>
           </a:xfrm>
           <a:prstGeom prst="rect">
             <a:avLst/>
@@ -18555,7 +18507,7 @@
         <p:spPr>
           <a:xfrm>
             <a:off x="98280" y="4759920"/>
-            <a:ext cx="4756680" cy="381600"/>
+            <a:ext cx="4756320" cy="381240"/>
           </a:xfrm>
           <a:prstGeom prst="rect">
             <a:avLst/>
@@ -18611,7 +18563,7 @@
         <p:spPr>
           <a:xfrm>
             <a:off x="249840" y="1157040"/>
-            <a:ext cx="4608720" cy="3664440"/>
+            <a:ext cx="4608360" cy="3664080"/>
           </a:xfrm>
           <a:prstGeom prst="rect">
             <a:avLst/>
@@ -18630,7 +18582,7 @@
         <p:spPr>
           <a:xfrm>
             <a:off x="5162760" y="1228320"/>
-            <a:ext cx="3814200" cy="3845520"/>
+            <a:ext cx="3813840" cy="3845160"/>
           </a:xfrm>
           <a:prstGeom prst="rect">
             <a:avLst/>
@@ -18669,7 +18621,7 @@
             </a:endParaRPr>
           </a:p>
           <a:p>
-            <a:pPr marL="457200" indent="-353160">
+            <a:pPr marL="457200" indent="-352800">
               <a:lnSpc>
                 <a:spcPct val="150000"/>
               </a:lnSpc>
@@ -18697,7 +18649,7 @@
             </a:endParaRPr>
           </a:p>
           <a:p>
-            <a:pPr marL="457200" indent="-353160">
+            <a:pPr marL="457200" indent="-352800">
               <a:lnSpc>
                 <a:spcPct val="150000"/>
               </a:lnSpc>
@@ -18722,7 +18674,7 @@
             </a:endParaRPr>
           </a:p>
           <a:p>
-            <a:pPr marL="457200" indent="-353160">
+            <a:pPr marL="457200" indent="-352800">
               <a:lnSpc>
                 <a:spcPct val="150000"/>
               </a:lnSpc>
@@ -18761,7 +18713,7 @@
         <p:spPr>
           <a:xfrm>
             <a:off x="249840" y="1147320"/>
-            <a:ext cx="4608720" cy="3664440"/>
+            <a:ext cx="4608360" cy="3664080"/>
           </a:xfrm>
           <a:prstGeom prst="rect">
             <a:avLst/>
@@ -18780,7 +18732,7 @@
         <p:spPr>
           <a:xfrm>
             <a:off x="98280" y="16200"/>
-            <a:ext cx="1053000" cy="1023120"/>
+            <a:ext cx="1052640" cy="1022760"/>
           </a:xfrm>
           <a:prstGeom prst="rect">
             <a:avLst/>
@@ -18878,7 +18830,7 @@
         <p:spPr>
           <a:xfrm>
             <a:off x="98280" y="16200"/>
-            <a:ext cx="8823960" cy="1032840"/>
+            <a:ext cx="8823600" cy="1032480"/>
           </a:xfrm>
           <a:prstGeom prst="rect">
             <a:avLst/>
@@ -18927,7 +18879,7 @@
         <p:spPr>
           <a:xfrm>
             <a:off x="276120" y="1167120"/>
-            <a:ext cx="8579880" cy="3974760"/>
+            <a:ext cx="8579520" cy="3974400"/>
           </a:xfrm>
           <a:prstGeom prst="rect">
             <a:avLst/>
@@ -19090,7 +19042,7 @@
         <p:spPr>
           <a:xfrm>
             <a:off x="6624000" y="3024360"/>
-            <a:ext cx="2370240" cy="1333440"/>
+            <a:ext cx="2369880" cy="1333080"/>
           </a:xfrm>
           <a:prstGeom prst="rect">
             <a:avLst/>
@@ -19109,7 +19061,7 @@
         <p:spPr>
           <a:xfrm>
             <a:off x="98280" y="16200"/>
-            <a:ext cx="1053000" cy="1023120"/>
+            <a:ext cx="1052640" cy="1022760"/>
           </a:xfrm>
           <a:prstGeom prst="rect">
             <a:avLst/>
@@ -19207,7 +19159,7 @@
         <p:spPr>
           <a:xfrm>
             <a:off x="98280" y="16200"/>
-            <a:ext cx="8823960" cy="1013760"/>
+            <a:ext cx="8823600" cy="1013400"/>
           </a:xfrm>
           <a:prstGeom prst="rect">
             <a:avLst/>
@@ -19256,7 +19208,7 @@
         <p:spPr>
           <a:xfrm>
             <a:off x="463680" y="1213560"/>
-            <a:ext cx="7902360" cy="3732120"/>
+            <a:ext cx="7902000" cy="3731760"/>
           </a:xfrm>
           <a:prstGeom prst="rect">
             <a:avLst/>
@@ -19404,7 +19356,7 @@
         <p:spPr>
           <a:xfrm>
             <a:off x="6098400" y="1213560"/>
-            <a:ext cx="2683440" cy="1702800"/>
+            <a:ext cx="2683080" cy="1702440"/>
           </a:xfrm>
           <a:prstGeom prst="rect">
             <a:avLst/>
@@ -19423,7 +19375,7 @@
         <p:spPr>
           <a:xfrm>
             <a:off x="98280" y="16200"/>
-            <a:ext cx="1053000" cy="1023120"/>
+            <a:ext cx="1052640" cy="1022760"/>
           </a:xfrm>
           <a:prstGeom prst="rect">
             <a:avLst/>
@@ -19521,7 +19473,7 @@
         <p:spPr>
           <a:xfrm>
             <a:off x="2068920" y="1301760"/>
-            <a:ext cx="5004000" cy="2276280"/>
+            <a:ext cx="5003640" cy="2275920"/>
           </a:xfrm>
           <a:prstGeom prst="rect">
             <a:avLst/>
@@ -19642,7 +19594,7 @@
         <p:spPr>
           <a:xfrm>
             <a:off x="98280" y="16200"/>
-            <a:ext cx="8823960" cy="1053360"/>
+            <a:ext cx="8823600" cy="1053000"/>
           </a:xfrm>
           <a:prstGeom prst="rect">
             <a:avLst/>
@@ -19691,7 +19643,7 @@
         <p:spPr>
           <a:xfrm>
             <a:off x="216000" y="1113840"/>
-            <a:ext cx="8706600" cy="4028040"/>
+            <a:ext cx="8706240" cy="4027680"/>
           </a:xfrm>
           <a:prstGeom prst="rect">
             <a:avLst/>
@@ -19862,7 +19814,7 @@
         <p:spPr>
           <a:xfrm>
             <a:off x="8280000" y="3384360"/>
-            <a:ext cx="573840" cy="640800"/>
+            <a:ext cx="573480" cy="640440"/>
           </a:xfrm>
           <a:prstGeom prst="rect">
             <a:avLst/>
@@ -19884,8 +19836,8 @@
         </p:blipFill>
         <p:spPr>
           <a:xfrm>
-            <a:off x="6624000" y="3387600"/>
-            <a:ext cx="763920" cy="642600"/>
+            <a:off x="8158680" y="2376000"/>
+            <a:ext cx="763560" cy="642240"/>
           </a:xfrm>
           <a:prstGeom prst="rect">
             <a:avLst/>
@@ -19907,8 +19859,8 @@
         </p:blipFill>
         <p:spPr>
           <a:xfrm>
-            <a:off x="7848000" y="2234160"/>
-            <a:ext cx="1221840" cy="645840"/>
+            <a:off x="6554520" y="2880000"/>
+            <a:ext cx="1221480" cy="645480"/>
           </a:xfrm>
           <a:prstGeom prst="rect">
             <a:avLst/>
@@ -19930,8 +19882,8 @@
         </p:blipFill>
         <p:spPr>
           <a:xfrm>
-            <a:off x="7448400" y="2808000"/>
-            <a:ext cx="615240" cy="624240"/>
+            <a:off x="7560000" y="2832120"/>
+            <a:ext cx="614880" cy="623880"/>
           </a:xfrm>
           <a:prstGeom prst="rect">
             <a:avLst/>
@@ -19950,7 +19902,7 @@
         <p:spPr>
           <a:xfrm>
             <a:off x="98280" y="16200"/>
-            <a:ext cx="1053000" cy="1023120"/>
+            <a:ext cx="1052640" cy="1022760"/>
           </a:xfrm>
           <a:prstGeom prst="rect">
             <a:avLst/>
@@ -20002,8 +19954,8 @@
         </p:blipFill>
         <p:spPr>
           <a:xfrm>
-            <a:off x="6696000" y="2304000"/>
-            <a:ext cx="530640" cy="584280"/>
+            <a:off x="6336000" y="2880000"/>
+            <a:ext cx="530280" cy="583920"/>
           </a:xfrm>
           <a:prstGeom prst="rect">
             <a:avLst/>
@@ -20071,7 +20023,7 @@
         <p:spPr>
           <a:xfrm>
             <a:off x="98280" y="16200"/>
-            <a:ext cx="8823960" cy="1013760"/>
+            <a:ext cx="8823600" cy="1013400"/>
           </a:xfrm>
           <a:prstGeom prst="rect">
             <a:avLst/>
@@ -20120,7 +20072,7 @@
         <p:spPr>
           <a:xfrm>
             <a:off x="243360" y="1295640"/>
-            <a:ext cx="8654760" cy="3845520"/>
+            <a:ext cx="8654400" cy="3845160"/>
           </a:xfrm>
           <a:prstGeom prst="rect">
             <a:avLst/>
@@ -20159,7 +20111,7 @@
             </a:endParaRPr>
           </a:p>
           <a:p>
-            <a:pPr marL="457200" indent="-353160">
+            <a:pPr marL="457200" indent="-352800">
               <a:lnSpc>
                 <a:spcPct val="150000"/>
               </a:lnSpc>
@@ -20187,7 +20139,7 @@
             </a:endParaRPr>
           </a:p>
           <a:p>
-            <a:pPr marL="457200" indent="-353160">
+            <a:pPr marL="457200" indent="-352800">
               <a:lnSpc>
                 <a:spcPct val="150000"/>
               </a:lnSpc>
@@ -20212,7 +20164,7 @@
             </a:endParaRPr>
           </a:p>
           <a:p>
-            <a:pPr marL="457200" indent="-353160">
+            <a:pPr marL="457200" indent="-352800">
               <a:lnSpc>
                 <a:spcPct val="150000"/>
               </a:lnSpc>
@@ -20237,7 +20189,7 @@
             </a:endParaRPr>
           </a:p>
           <a:p>
-            <a:pPr marL="457200" indent="-353160">
+            <a:pPr marL="457200" indent="-352800">
               <a:lnSpc>
                 <a:spcPct val="150000"/>
               </a:lnSpc>
@@ -20262,7 +20214,7 @@
             </a:endParaRPr>
           </a:p>
           <a:p>
-            <a:pPr marL="457200" indent="-353160">
+            <a:pPr marL="457200" indent="-352800">
               <a:lnSpc>
                 <a:spcPct val="150000"/>
               </a:lnSpc>
@@ -20313,7 +20265,7 @@
         <p:spPr>
           <a:xfrm>
             <a:off x="98280" y="16200"/>
-            <a:ext cx="1053000" cy="1023120"/>
+            <a:ext cx="1052640" cy="1022760"/>
           </a:xfrm>
           <a:prstGeom prst="rect">
             <a:avLst/>
@@ -20411,7 +20363,7 @@
         <p:spPr>
           <a:xfrm>
             <a:off x="98280" y="16200"/>
-            <a:ext cx="8823960" cy="1013760"/>
+            <a:ext cx="8823600" cy="1013400"/>
           </a:xfrm>
           <a:prstGeom prst="rect">
             <a:avLst/>
@@ -20460,7 +20412,7 @@
         <p:spPr>
           <a:xfrm>
             <a:off x="243360" y="1295640"/>
-            <a:ext cx="8654760" cy="3845520"/>
+            <a:ext cx="8654400" cy="3845160"/>
           </a:xfrm>
           <a:prstGeom prst="rect">
             <a:avLst/>
@@ -20519,7 +20471,7 @@
         <p:spPr>
           <a:xfrm>
             <a:off x="360000" y="1447920"/>
-            <a:ext cx="3912840" cy="2582640"/>
+            <a:ext cx="3912480" cy="2582280"/>
           </a:xfrm>
           <a:prstGeom prst="rect">
             <a:avLst/>
@@ -20538,7 +20490,7 @@
         <p:spPr>
           <a:xfrm>
             <a:off x="352440" y="4030560"/>
-            <a:ext cx="3958200" cy="574200"/>
+            <a:ext cx="3957840" cy="573840"/>
           </a:xfrm>
           <a:prstGeom prst="rect">
             <a:avLst/>
@@ -20603,7 +20555,7 @@
         <p:spPr>
           <a:xfrm>
             <a:off x="4685400" y="4017600"/>
-            <a:ext cx="4146120" cy="574200"/>
+            <a:ext cx="4145760" cy="573840"/>
           </a:xfrm>
           <a:prstGeom prst="rect">
             <a:avLst/>
@@ -20668,7 +20620,7 @@
         <p:spPr>
           <a:xfrm>
             <a:off x="98280" y="16200"/>
-            <a:ext cx="1053000" cy="1023120"/>
+            <a:ext cx="1052640" cy="1022760"/>
           </a:xfrm>
           <a:prstGeom prst="rect">
             <a:avLst/>
@@ -20721,7 +20673,7 @@
         <p:spPr>
           <a:xfrm>
             <a:off x="4752000" y="1441800"/>
-            <a:ext cx="3995640" cy="2589840"/>
+            <a:ext cx="3995280" cy="2589480"/>
           </a:xfrm>
           <a:prstGeom prst="rect">
             <a:avLst/>
@@ -20789,7 +20741,7 @@
         <p:spPr>
           <a:xfrm>
             <a:off x="98280" y="16200"/>
-            <a:ext cx="8823960" cy="1042560"/>
+            <a:ext cx="8823600" cy="1042200"/>
           </a:xfrm>
           <a:prstGeom prst="rect">
             <a:avLst/>
@@ -20842,7 +20794,7 @@
         <p:spPr>
           <a:xfrm>
             <a:off x="1381680" y="1157400"/>
-            <a:ext cx="5479920" cy="3564720"/>
+            <a:ext cx="5479560" cy="3564360"/>
           </a:xfrm>
           <a:prstGeom prst="rect">
             <a:avLst/>
@@ -20861,7 +20813,7 @@
         <p:spPr>
           <a:xfrm>
             <a:off x="2511720" y="4724640"/>
-            <a:ext cx="3997440" cy="391680"/>
+            <a:ext cx="3997080" cy="391320"/>
           </a:xfrm>
           <a:prstGeom prst="rect">
             <a:avLst/>
@@ -20913,7 +20865,7 @@
         <p:spPr>
           <a:xfrm>
             <a:off x="98280" y="16200"/>
-            <a:ext cx="1053000" cy="1023120"/>
+            <a:ext cx="1052640" cy="1022760"/>
           </a:xfrm>
           <a:prstGeom prst="rect">
             <a:avLst/>
@@ -21011,7 +20963,7 @@
         <p:spPr>
           <a:xfrm>
             <a:off x="98280" y="16200"/>
-            <a:ext cx="8823960" cy="1042560"/>
+            <a:ext cx="8823600" cy="1042200"/>
           </a:xfrm>
           <a:prstGeom prst="rect">
             <a:avLst/>
@@ -21064,7 +21016,7 @@
         <p:spPr>
           <a:xfrm>
             <a:off x="1381680" y="1148040"/>
-            <a:ext cx="5479920" cy="3574080"/>
+            <a:ext cx="5479560" cy="3573720"/>
           </a:xfrm>
           <a:prstGeom prst="rect">
             <a:avLst/>
@@ -21083,7 +21035,7 @@
         <p:spPr>
           <a:xfrm>
             <a:off x="2511720" y="4724640"/>
-            <a:ext cx="3997440" cy="391680"/>
+            <a:ext cx="3997080" cy="391320"/>
           </a:xfrm>
           <a:prstGeom prst="rect">
             <a:avLst/>
@@ -21135,7 +21087,7 @@
         <p:spPr>
           <a:xfrm>
             <a:off x="5112000" y="2520000"/>
-            <a:ext cx="1749600" cy="861840"/>
+            <a:ext cx="1749240" cy="861480"/>
           </a:xfrm>
           <a:prstGeom prst="frame">
             <a:avLst>
@@ -21167,7 +21119,7 @@
         <p:spPr>
           <a:xfrm>
             <a:off x="98280" y="16200"/>
-            <a:ext cx="1053000" cy="1023120"/>
+            <a:ext cx="1052640" cy="1022760"/>
           </a:xfrm>
           <a:prstGeom prst="rect">
             <a:avLst/>
@@ -21265,7 +21217,7 @@
         <p:spPr>
           <a:xfrm>
             <a:off x="98280" y="16200"/>
-            <a:ext cx="8823960" cy="1042560"/>
+            <a:ext cx="8823600" cy="1042200"/>
           </a:xfrm>
           <a:prstGeom prst="rect">
             <a:avLst/>
@@ -21314,7 +21266,7 @@
         <p:spPr>
           <a:xfrm>
             <a:off x="2511720" y="4724640"/>
-            <a:ext cx="3997440" cy="391680"/>
+            <a:ext cx="3997080" cy="391320"/>
           </a:xfrm>
           <a:prstGeom prst="rect">
             <a:avLst/>
@@ -21370,7 +21322,7 @@
         <p:spPr>
           <a:xfrm>
             <a:off x="2952720" y="1755360"/>
-            <a:ext cx="3236400" cy="1636200"/>
+            <a:ext cx="3236040" cy="1635840"/>
           </a:xfrm>
           <a:prstGeom prst="rect">
             <a:avLst/>
@@ -21389,7 +21341,7 @@
         <p:spPr>
           <a:xfrm>
             <a:off x="98280" y="16200"/>
-            <a:ext cx="1053000" cy="1023120"/>
+            <a:ext cx="1052640" cy="1022760"/>
           </a:xfrm>
           <a:prstGeom prst="rect">
             <a:avLst/>

--- a/oral/ppt presentation/Présentation de l'application Push mail.pptx
+++ b/oral/ppt presentation/Présentation de l'application Push mail.pptx
@@ -163,7 +163,7 @@
               <a:rPr b="0" lang="fr-FR" sz="1400" spc="-1" strike="noStrike">
                 <a:latin typeface="Times New Roman"/>
               </a:rPr>
-              <a:t> </a:t>
+              <a:t>&lt;en-tête&gt;</a:t>
             </a:r>
             <a:endParaRPr b="0" lang="fr-FR" sz="1400" spc="-1" strike="noStrike">
               <a:latin typeface="Times New Roman"/>
@@ -198,7 +198,7 @@
               <a:rPr b="0" lang="fr-FR" sz="1400" spc="-1" strike="noStrike">
                 <a:latin typeface="Times New Roman"/>
               </a:rPr>
-              <a:t> </a:t>
+              <a:t>&lt;date/heure&gt;</a:t>
             </a:r>
             <a:endParaRPr b="0" lang="fr-FR" sz="1400" spc="-1" strike="noStrike">
               <a:latin typeface="Times New Roman"/>
@@ -232,7 +232,7 @@
               <a:rPr b="0" lang="fr-FR" sz="1400" spc="-1" strike="noStrike">
                 <a:latin typeface="Times New Roman"/>
               </a:rPr>
-              <a:t> </a:t>
+              <a:t>&lt;pied de page&gt;</a:t>
             </a:r>
             <a:endParaRPr b="0" lang="fr-FR" sz="1400" spc="-1" strike="noStrike">
               <a:latin typeface="Times New Roman"/>
@@ -263,11 +263,11 @@
           <a:bodyPr lIns="0" rIns="0" tIns="0" bIns="0" anchor="b"/>
           <a:p>
             <a:pPr algn="r"/>
-            <a:fld id="{963C2F94-93C8-4D96-9BB1-86485B1B2F2F}" type="slidenum">
+            <a:fld id="{A7C32813-6CC6-4402-9B41-A4524106C7E7}" type="slidenum">
               <a:rPr b="0" lang="fr-FR" sz="1400" spc="-1" strike="noStrike">
                 <a:latin typeface="Times New Roman"/>
               </a:rPr>
-              <a:t>1</a:t>
+              <a:t>&lt;numéro&gt;</a:t>
             </a:fld>
             <a:endParaRPr b="0" lang="fr-FR" sz="1400" spc="-1" strike="noStrike">
               <a:latin typeface="Times New Roman"/>
@@ -311,7 +311,7 @@
         <p:spPr>
           <a:xfrm>
             <a:off x="217440" y="812520"/>
-            <a:ext cx="7124040" cy="4008240"/>
+            <a:ext cx="7122600" cy="4006800"/>
           </a:xfrm>
           <a:prstGeom prst="rect">
             <a:avLst/>
@@ -331,7 +331,7 @@
         <p:spPr>
           <a:xfrm>
             <a:off x="756000" y="5078520"/>
-            <a:ext cx="6046920" cy="4810320"/>
+            <a:ext cx="6045480" cy="4808880"/>
           </a:xfrm>
           <a:prstGeom prst="rect">
             <a:avLst/>
@@ -340,7 +340,7 @@
         <p:txBody>
           <a:bodyPr lIns="0" rIns="0" tIns="0" bIns="0"/>
           <a:p>
-            <a:pPr marL="216000" indent="-215640">
+            <a:pPr marL="216000" indent="-214200">
               <a:lnSpc>
                 <a:spcPct val="100000"/>
               </a:lnSpc>
@@ -396,7 +396,7 @@
         <p:spPr>
           <a:xfrm>
             <a:off x="217440" y="812520"/>
-            <a:ext cx="7124040" cy="4008240"/>
+            <a:ext cx="7122600" cy="4006800"/>
           </a:xfrm>
           <a:prstGeom prst="rect">
             <a:avLst/>
@@ -416,7 +416,7 @@
         <p:spPr>
           <a:xfrm>
             <a:off x="756000" y="5078520"/>
-            <a:ext cx="6046920" cy="4810320"/>
+            <a:ext cx="6045480" cy="4808880"/>
           </a:xfrm>
           <a:prstGeom prst="rect">
             <a:avLst/>
@@ -425,7 +425,7 @@
         <p:txBody>
           <a:bodyPr lIns="0" rIns="0" tIns="0" bIns="0"/>
           <a:p>
-            <a:pPr marL="216000" indent="-215640">
+            <a:pPr marL="216000" indent="-214200">
               <a:lnSpc>
                 <a:spcPct val="100000"/>
               </a:lnSpc>
@@ -481,7 +481,7 @@
         <p:spPr>
           <a:xfrm>
             <a:off x="217440" y="812520"/>
-            <a:ext cx="7124040" cy="4008240"/>
+            <a:ext cx="7122600" cy="4006800"/>
           </a:xfrm>
           <a:prstGeom prst="rect">
             <a:avLst/>
@@ -501,7 +501,7 @@
         <p:spPr>
           <a:xfrm>
             <a:off x="756000" y="5078520"/>
-            <a:ext cx="6046920" cy="4810320"/>
+            <a:ext cx="6045480" cy="4808880"/>
           </a:xfrm>
           <a:prstGeom prst="rect">
             <a:avLst/>
@@ -510,7 +510,7 @@
         <p:txBody>
           <a:bodyPr lIns="0" rIns="0" tIns="0" bIns="0"/>
           <a:p>
-            <a:pPr marL="216000" indent="-215640">
+            <a:pPr marL="216000" indent="-214200">
               <a:lnSpc>
                 <a:spcPct val="100000"/>
               </a:lnSpc>
@@ -518,7 +518,7 @@
             <a:r>
               <a:rPr b="0" lang="fr-FR" sz="2000" spc="-1" strike="noStrike">
                 <a:solidFill>
-                  <a:srgbClr val="f58220"/>
+                  <a:srgbClr val="ba131a"/>
                 </a:solidFill>
                 <a:latin typeface="Arial"/>
                 <a:ea typeface="Microsoft YaHei"/>
@@ -530,7 +530,7 @@
             </a:endParaRPr>
           </a:p>
           <a:p>
-            <a:pPr marL="216000" indent="-215640">
+            <a:pPr marL="216000" indent="-214200">
               <a:lnSpc>
                 <a:spcPct val="100000"/>
               </a:lnSpc>
@@ -540,7 +540,7 @@
             </a:endParaRPr>
           </a:p>
           <a:p>
-            <a:pPr marL="216000" indent="-215640">
+            <a:pPr marL="216000" indent="-214200">
               <a:lnSpc>
                 <a:spcPct val="100000"/>
               </a:lnSpc>
@@ -548,7 +548,7 @@
             <a:r>
               <a:rPr b="0" lang="fr-FR" sz="2000" spc="-1" strike="noStrike">
                 <a:solidFill>
-                  <a:srgbClr val="f58220"/>
+                  <a:srgbClr val="ba131a"/>
                 </a:solidFill>
                 <a:latin typeface="Arial"/>
                 <a:ea typeface="Microsoft YaHei"/>
@@ -560,7 +560,7 @@
             </a:endParaRPr>
           </a:p>
           <a:p>
-            <a:pPr marL="216000" indent="-215640">
+            <a:pPr marL="216000" indent="-214200">
               <a:lnSpc>
                 <a:spcPct val="100000"/>
               </a:lnSpc>
@@ -570,7 +570,7 @@
             </a:endParaRPr>
           </a:p>
           <a:p>
-            <a:pPr marL="216000" indent="-215640">
+            <a:pPr marL="216000" indent="-214200">
               <a:lnSpc>
                 <a:spcPct val="100000"/>
               </a:lnSpc>
@@ -578,7 +578,7 @@
             <a:r>
               <a:rPr b="0" lang="fr-FR" sz="2000" spc="-1" strike="noStrike">
                 <a:solidFill>
-                  <a:srgbClr val="f58220"/>
+                  <a:srgbClr val="ba131a"/>
                 </a:solidFill>
                 <a:latin typeface="Arial"/>
                 <a:ea typeface="Microsoft YaHei"/>
@@ -588,7 +588,7 @@
             <a:r>
               <a:rPr b="0" lang="fr-FR" sz="2000" spc="-1" strike="noStrike">
                 <a:solidFill>
-                  <a:srgbClr val="f58220"/>
+                  <a:srgbClr val="ba131a"/>
                 </a:solidFill>
                 <a:latin typeface="Arial"/>
                 <a:ea typeface="Microsoft YaHei"/>
@@ -600,7 +600,7 @@
             </a:endParaRPr>
           </a:p>
           <a:p>
-            <a:pPr marL="216000" indent="-215640">
+            <a:pPr marL="216000" indent="-214200">
               <a:lnSpc>
                 <a:spcPct val="100000"/>
               </a:lnSpc>
@@ -608,7 +608,7 @@
             <a:r>
               <a:rPr b="0" lang="fr-FR" sz="2000" spc="-1" strike="noStrike">
                 <a:solidFill>
-                  <a:srgbClr val="f58220"/>
+                  <a:srgbClr val="ba131a"/>
                 </a:solidFill>
                 <a:latin typeface="Arial"/>
                 <a:ea typeface="Microsoft YaHei"/>
@@ -620,7 +620,7 @@
             </a:endParaRPr>
           </a:p>
           <a:p>
-            <a:pPr marL="216000" indent="-215640">
+            <a:pPr marL="216000" indent="-214200">
               <a:lnSpc>
                 <a:spcPct val="100000"/>
               </a:lnSpc>
@@ -628,7 +628,7 @@
             <a:r>
               <a:rPr b="0" lang="fr-FR" sz="2000" spc="-1" strike="noStrike">
                 <a:solidFill>
-                  <a:srgbClr val="f58220"/>
+                  <a:srgbClr val="ba131a"/>
                 </a:solidFill>
                 <a:latin typeface="Arial"/>
                 <a:ea typeface="Microsoft YaHei"/>
@@ -640,7 +640,7 @@
             </a:endParaRPr>
           </a:p>
           <a:p>
-            <a:pPr marL="216000" indent="-215640">
+            <a:pPr marL="216000" indent="-214200">
               <a:lnSpc>
                 <a:spcPct val="100000"/>
               </a:lnSpc>
@@ -648,7 +648,7 @@
             <a:r>
               <a:rPr b="0" lang="fr-FR" sz="2000" spc="-1" strike="noStrike">
                 <a:solidFill>
-                  <a:srgbClr val="f58220"/>
+                  <a:srgbClr val="ba131a"/>
                 </a:solidFill>
                 <a:latin typeface="Arial"/>
                 <a:ea typeface="Microsoft YaHei"/>
@@ -696,7 +696,7 @@
         <p:spPr>
           <a:xfrm>
             <a:off x="217440" y="812520"/>
-            <a:ext cx="7124040" cy="4008240"/>
+            <a:ext cx="7122600" cy="4006800"/>
           </a:xfrm>
           <a:prstGeom prst="rect">
             <a:avLst/>
@@ -716,7 +716,7 @@
         <p:spPr>
           <a:xfrm>
             <a:off x="756000" y="5078520"/>
-            <a:ext cx="6046920" cy="4810320"/>
+            <a:ext cx="6045480" cy="4808880"/>
           </a:xfrm>
           <a:prstGeom prst="rect">
             <a:avLst/>
@@ -725,7 +725,7 @@
         <p:txBody>
           <a:bodyPr lIns="0" rIns="0" tIns="0" bIns="0"/>
           <a:p>
-            <a:pPr marL="216000" indent="-215640">
+            <a:pPr marL="216000" indent="-214200">
               <a:lnSpc>
                 <a:spcPct val="100000"/>
               </a:lnSpc>
@@ -801,7 +801,7 @@
         <p:spPr>
           <a:xfrm>
             <a:off x="217440" y="812520"/>
-            <a:ext cx="7124040" cy="4008240"/>
+            <a:ext cx="7122600" cy="4006800"/>
           </a:xfrm>
           <a:prstGeom prst="rect">
             <a:avLst/>
@@ -821,7 +821,7 @@
         <p:spPr>
           <a:xfrm>
             <a:off x="756000" y="5078520"/>
-            <a:ext cx="6046920" cy="4810320"/>
+            <a:ext cx="6045480" cy="4808880"/>
           </a:xfrm>
           <a:prstGeom prst="rect">
             <a:avLst/>
@@ -830,7 +830,7 @@
         <p:txBody>
           <a:bodyPr lIns="0" rIns="0" tIns="0" bIns="0"/>
           <a:p>
-            <a:pPr marL="216000" indent="-215640">
+            <a:pPr marL="216000" indent="-214200">
               <a:lnSpc>
                 <a:spcPct val="100000"/>
               </a:lnSpc>
@@ -896,7 +896,7 @@
         <p:spPr>
           <a:xfrm>
             <a:off x="217440" y="812520"/>
-            <a:ext cx="7124040" cy="4008240"/>
+            <a:ext cx="7122600" cy="4006800"/>
           </a:xfrm>
           <a:prstGeom prst="rect">
             <a:avLst/>
@@ -916,7 +916,7 @@
         <p:spPr>
           <a:xfrm>
             <a:off x="756000" y="5078520"/>
-            <a:ext cx="6046920" cy="4810320"/>
+            <a:ext cx="6045480" cy="4808880"/>
           </a:xfrm>
           <a:prstGeom prst="rect">
             <a:avLst/>
@@ -925,7 +925,7 @@
         <p:txBody>
           <a:bodyPr lIns="0" rIns="0" tIns="0" bIns="0"/>
           <a:p>
-            <a:pPr marL="216000" indent="-215640">
+            <a:pPr marL="216000" indent="-214200">
               <a:lnSpc>
                 <a:spcPct val="100000"/>
               </a:lnSpc>
@@ -981,7 +981,7 @@
         <p:spPr>
           <a:xfrm>
             <a:off x="216000" y="812520"/>
-            <a:ext cx="7126560" cy="4008240"/>
+            <a:ext cx="7125120" cy="4006800"/>
           </a:xfrm>
           <a:prstGeom prst="rect">
             <a:avLst/>
@@ -1001,7 +1001,7 @@
         <p:spPr>
           <a:xfrm>
             <a:off x="756000" y="5078520"/>
-            <a:ext cx="6046920" cy="4810320"/>
+            <a:ext cx="6045480" cy="4808880"/>
           </a:xfrm>
           <a:prstGeom prst="rect">
             <a:avLst/>
@@ -1010,7 +1010,7 @@
         <p:txBody>
           <a:bodyPr lIns="0" rIns="0" tIns="0" bIns="0"/>
           <a:p>
-            <a:pPr marL="216000" indent="-215640">
+            <a:pPr marL="216000" indent="-214200">
               <a:lnSpc>
                 <a:spcPct val="100000"/>
               </a:lnSpc>
@@ -1101,7 +1101,7 @@
             </a:endParaRPr>
           </a:p>
           <a:p>
-            <a:pPr marL="216000" indent="-215640">
+            <a:pPr marL="216000" indent="-214200">
               <a:lnSpc>
                 <a:spcPct val="100000"/>
               </a:lnSpc>
@@ -1129,7 +1129,7 @@
             </a:endParaRPr>
           </a:p>
           <a:p>
-            <a:pPr marL="216000" indent="-215640">
+            <a:pPr marL="216000" indent="-214200">
               <a:lnSpc>
                 <a:spcPct val="100000"/>
               </a:lnSpc>
@@ -1148,7 +1148,7 @@
             </a:endParaRPr>
           </a:p>
           <a:p>
-            <a:pPr marL="216000" indent="-215640">
+            <a:pPr marL="216000" indent="-214200">
               <a:lnSpc>
                 <a:spcPct val="100000"/>
               </a:lnSpc>
@@ -1167,7 +1167,7 @@
             </a:endParaRPr>
           </a:p>
           <a:p>
-            <a:pPr marL="216000" indent="-215640">
+            <a:pPr marL="216000" indent="-214200">
               <a:lnSpc>
                 <a:spcPct val="100000"/>
               </a:lnSpc>
@@ -1186,7 +1186,7 @@
             </a:endParaRPr>
           </a:p>
           <a:p>
-            <a:pPr marL="216000" indent="-215640">
+            <a:pPr marL="216000" indent="-214200">
               <a:lnSpc>
                 <a:spcPct val="100000"/>
               </a:lnSpc>
@@ -1241,7 +1241,7 @@
         <p:spPr>
           <a:xfrm>
             <a:off x="217440" y="812520"/>
-            <a:ext cx="7124040" cy="4008240"/>
+            <a:ext cx="7122600" cy="4006800"/>
           </a:xfrm>
           <a:prstGeom prst="rect">
             <a:avLst/>
@@ -1261,7 +1261,7 @@
         <p:spPr>
           <a:xfrm>
             <a:off x="756000" y="5078520"/>
-            <a:ext cx="6046920" cy="4810320"/>
+            <a:ext cx="6045480" cy="4808880"/>
           </a:xfrm>
           <a:prstGeom prst="rect">
             <a:avLst/>
@@ -1270,7 +1270,7 @@
         <p:txBody>
           <a:bodyPr lIns="0" rIns="0" tIns="0" bIns="0"/>
           <a:p>
-            <a:pPr marL="216000" indent="-215640">
+            <a:pPr marL="216000" indent="-214200">
               <a:lnSpc>
                 <a:spcPct val="100000"/>
               </a:lnSpc>
@@ -1316,7 +1316,7 @@
             </a:endParaRPr>
           </a:p>
           <a:p>
-            <a:pPr marL="216000" indent="-215640">
+            <a:pPr marL="216000" indent="-214200">
               <a:lnSpc>
                 <a:spcPct val="100000"/>
               </a:lnSpc>
@@ -1326,7 +1326,7 @@
             </a:endParaRPr>
           </a:p>
           <a:p>
-            <a:pPr marL="216000" indent="-215640">
+            <a:pPr marL="216000" indent="-214200">
               <a:lnSpc>
                 <a:spcPct val="100000"/>
               </a:lnSpc>
@@ -1345,7 +1345,7 @@
             </a:endParaRPr>
           </a:p>
           <a:p>
-            <a:pPr marL="216000" indent="-215640">
+            <a:pPr marL="216000" indent="-214200">
               <a:lnSpc>
                 <a:spcPct val="100000"/>
               </a:lnSpc>
@@ -1355,7 +1355,7 @@
             </a:endParaRPr>
           </a:p>
           <a:p>
-            <a:pPr marL="216000" indent="-215640">
+            <a:pPr marL="216000" indent="-214200">
               <a:lnSpc>
                 <a:spcPct val="100000"/>
               </a:lnSpc>
@@ -1392,7 +1392,7 @@
             </a:endParaRPr>
           </a:p>
           <a:p>
-            <a:pPr marL="216000" indent="-215640">
+            <a:pPr marL="216000" indent="-214200">
               <a:lnSpc>
                 <a:spcPct val="100000"/>
               </a:lnSpc>
@@ -1404,14 +1404,14 @@
                 </a:solidFill>
                 <a:latin typeface="Arial"/>
               </a:rPr>
-              <a:t>=&gt; intervention notion ergonomie (alignée plutôt que colonne)</a:t>
+              <a:t>=&gt; intervention notion UX / ergonomie (alignée plutôt que colonne)</a:t>
             </a:r>
             <a:endParaRPr b="0" lang="fr-FR" sz="2000" spc="-1" strike="noStrike">
               <a:latin typeface="Arial"/>
             </a:endParaRPr>
           </a:p>
           <a:p>
-            <a:pPr marL="216000" indent="-215640">
+            <a:pPr marL="216000" indent="-214200">
               <a:lnSpc>
                 <a:spcPct val="100000"/>
               </a:lnSpc>
@@ -1423,14 +1423,14 @@
                 </a:solidFill>
                 <a:latin typeface="Arial"/>
               </a:rPr>
-              <a:t>=&gt; couleur lié aux chiffres (info visuelle)</a:t>
+              <a:t>=&gt; agilité : 9 alertes, puis 8</a:t>
             </a:r>
             <a:endParaRPr b="0" lang="fr-FR" sz="2000" spc="-1" strike="noStrike">
               <a:latin typeface="Arial"/>
             </a:endParaRPr>
           </a:p>
           <a:p>
-            <a:pPr marL="216000" indent="-215640">
+            <a:pPr marL="216000" indent="-214200">
               <a:lnSpc>
                 <a:spcPct val="100000"/>
               </a:lnSpc>
@@ -1485,7 +1485,7 @@
         <p:spPr>
           <a:xfrm>
             <a:off x="217440" y="812520"/>
-            <a:ext cx="7124040" cy="4008240"/>
+            <a:ext cx="7122600" cy="4006800"/>
           </a:xfrm>
           <a:prstGeom prst="rect">
             <a:avLst/>
@@ -1505,7 +1505,7 @@
         <p:spPr>
           <a:xfrm>
             <a:off x="756000" y="5078520"/>
-            <a:ext cx="6046920" cy="4810320"/>
+            <a:ext cx="6045480" cy="4808880"/>
           </a:xfrm>
           <a:prstGeom prst="rect">
             <a:avLst/>
@@ -1514,7 +1514,7 @@
         <p:txBody>
           <a:bodyPr lIns="0" rIns="0" tIns="0" bIns="0"/>
           <a:p>
-            <a:pPr marL="216000" indent="-215640">
+            <a:pPr marL="216000" indent="-214200">
               <a:lnSpc>
                 <a:spcPct val="100000"/>
               </a:lnSpc>
@@ -1570,7 +1570,7 @@
         <p:spPr>
           <a:xfrm>
             <a:off x="217440" y="812520"/>
-            <a:ext cx="7124040" cy="4008240"/>
+            <a:ext cx="7122600" cy="4006800"/>
           </a:xfrm>
           <a:prstGeom prst="rect">
             <a:avLst/>
@@ -1590,7 +1590,7 @@
         <p:spPr>
           <a:xfrm>
             <a:off x="756000" y="5078520"/>
-            <a:ext cx="6046920" cy="4810320"/>
+            <a:ext cx="6045480" cy="4808880"/>
           </a:xfrm>
           <a:prstGeom prst="rect">
             <a:avLst/>
@@ -1599,7 +1599,7 @@
         <p:txBody>
           <a:bodyPr lIns="0" rIns="0" tIns="0" bIns="0"/>
           <a:p>
-            <a:pPr marL="216000" indent="-215640">
+            <a:pPr marL="216000" indent="-214200">
               <a:lnSpc>
                 <a:spcPct val="100000"/>
               </a:lnSpc>
@@ -1675,7 +1675,7 @@
         <p:spPr>
           <a:xfrm>
             <a:off x="217440" y="812520"/>
-            <a:ext cx="7124040" cy="4008240"/>
+            <a:ext cx="7122600" cy="4006800"/>
           </a:xfrm>
           <a:prstGeom prst="rect">
             <a:avLst/>
@@ -1695,7 +1695,7 @@
         <p:spPr>
           <a:xfrm>
             <a:off x="756000" y="5078520"/>
-            <a:ext cx="6046920" cy="4810320"/>
+            <a:ext cx="6045480" cy="4808880"/>
           </a:xfrm>
           <a:prstGeom prst="rect">
             <a:avLst/>
@@ -1704,7 +1704,7 @@
         <p:txBody>
           <a:bodyPr lIns="0" rIns="0" tIns="0" bIns="0"/>
           <a:p>
-            <a:pPr marL="216000" indent="-215640">
+            <a:pPr marL="216000" indent="-214200">
               <a:lnSpc>
                 <a:spcPct val="100000"/>
               </a:lnSpc>
@@ -1760,7 +1760,7 @@
         <p:spPr>
           <a:xfrm>
             <a:off x="217440" y="812520"/>
-            <a:ext cx="7124040" cy="4008240"/>
+            <a:ext cx="7122600" cy="4006800"/>
           </a:xfrm>
           <a:prstGeom prst="rect">
             <a:avLst/>
@@ -1780,7 +1780,7 @@
         <p:spPr>
           <a:xfrm>
             <a:off x="756000" y="5078520"/>
-            <a:ext cx="6046920" cy="4810320"/>
+            <a:ext cx="6045480" cy="4808880"/>
           </a:xfrm>
           <a:prstGeom prst="rect">
             <a:avLst/>
@@ -1789,7 +1789,7 @@
         <p:txBody>
           <a:bodyPr lIns="0" rIns="0" tIns="0" bIns="0"/>
           <a:p>
-            <a:pPr marL="216000" indent="-215640">
+            <a:pPr marL="216000" indent="-214200">
               <a:lnSpc>
                 <a:spcPct val="100000"/>
               </a:lnSpc>
@@ -1862,7 +1862,7 @@
             </a:endParaRPr>
           </a:p>
           <a:p>
-            <a:pPr marL="216000" indent="-215640">
+            <a:pPr marL="216000" indent="-214200">
               <a:lnSpc>
                 <a:spcPct val="100000"/>
               </a:lnSpc>
@@ -1872,7 +1872,7 @@
             </a:endParaRPr>
           </a:p>
           <a:p>
-            <a:pPr marL="216000" indent="-215640">
+            <a:pPr marL="216000" indent="-214200">
               <a:lnSpc>
                 <a:spcPct val="100000"/>
               </a:lnSpc>
@@ -1891,7 +1891,7 @@
             </a:endParaRPr>
           </a:p>
           <a:p>
-            <a:pPr marL="216000" indent="-215640">
+            <a:pPr marL="216000" indent="-214200">
               <a:lnSpc>
                 <a:spcPct val="100000"/>
               </a:lnSpc>
@@ -1901,7 +1901,7 @@
             </a:endParaRPr>
           </a:p>
           <a:p>
-            <a:pPr marL="216000" indent="-215640">
+            <a:pPr marL="216000" indent="-214200">
               <a:lnSpc>
                 <a:spcPct val="100000"/>
               </a:lnSpc>
@@ -1929,7 +1929,7 @@
             </a:endParaRPr>
           </a:p>
           <a:p>
-            <a:pPr marL="216000" indent="-215640">
+            <a:pPr marL="216000" indent="-214200">
               <a:lnSpc>
                 <a:spcPct val="100000"/>
               </a:lnSpc>
@@ -1941,14 +1941,14 @@
                 </a:solidFill>
                 <a:latin typeface="Arial"/>
               </a:rPr>
-              <a:t>=&gt; mélange dynamique HTML et JS</a:t>
+              <a:t>=&gt; mélange dynamique HTML et JS : EJS</a:t>
             </a:r>
             <a:endParaRPr b="0" lang="fr-FR" sz="2000" spc="-1" strike="noStrike">
               <a:latin typeface="Arial"/>
             </a:endParaRPr>
           </a:p>
           <a:p>
-            <a:pPr marL="216000" indent="-215640">
+            <a:pPr marL="216000" indent="-214200">
               <a:lnSpc>
                 <a:spcPct val="100000"/>
               </a:lnSpc>
@@ -1961,6 +1961,25 @@
                 <a:latin typeface="Arial"/>
               </a:rPr>
               <a:t>=&gt; condition d’envoi (statut, alertes ou pas)</a:t>
+            </a:r>
+            <a:endParaRPr b="0" lang="fr-FR" sz="2000" spc="-1" strike="noStrike">
+              <a:latin typeface="Arial"/>
+            </a:endParaRPr>
+          </a:p>
+          <a:p>
+            <a:pPr marL="216000" indent="-214200">
+              <a:lnSpc>
+                <a:spcPct val="100000"/>
+              </a:lnSpc>
+            </a:pPr>
+            <a:r>
+              <a:rPr b="0" lang="fr-FR" sz="2000" spc="-1" strike="noStrike">
+                <a:solidFill>
+                  <a:srgbClr val="21409a"/>
+                </a:solidFill>
+                <a:latin typeface="Arial"/>
+              </a:rPr>
+              <a:t>=&gt; place pour futures types / catégories</a:t>
             </a:r>
             <a:endParaRPr b="0" lang="fr-FR" sz="2000" spc="-1" strike="noStrike">
               <a:latin typeface="Arial"/>
@@ -2003,7 +2022,7 @@
         <p:spPr>
           <a:xfrm>
             <a:off x="217440" y="812520"/>
-            <a:ext cx="7124040" cy="4008240"/>
+            <a:ext cx="7122600" cy="4006800"/>
           </a:xfrm>
           <a:prstGeom prst="rect">
             <a:avLst/>
@@ -2023,7 +2042,7 @@
         <p:spPr>
           <a:xfrm>
             <a:off x="756000" y="5078520"/>
-            <a:ext cx="6046920" cy="4810320"/>
+            <a:ext cx="6045480" cy="4808880"/>
           </a:xfrm>
           <a:prstGeom prst="rect">
             <a:avLst/>
@@ -2032,7 +2051,7 @@
         <p:txBody>
           <a:bodyPr lIns="0" rIns="0" tIns="0" bIns="0"/>
           <a:p>
-            <a:pPr marL="216000" indent="-215640">
+            <a:pPr marL="216000" indent="-214200">
               <a:lnSpc>
                 <a:spcPct val="100000"/>
               </a:lnSpc>
@@ -2051,7 +2070,7 @@
             </a:endParaRPr>
           </a:p>
           <a:p>
-            <a:pPr marL="216000" indent="-215640">
+            <a:pPr marL="216000" indent="-214200">
               <a:lnSpc>
                 <a:spcPct val="100000"/>
               </a:lnSpc>
@@ -2070,7 +2089,7 @@
             </a:endParaRPr>
           </a:p>
           <a:p>
-            <a:pPr marL="216000" indent="-215640">
+            <a:pPr marL="216000" indent="-214200">
               <a:lnSpc>
                 <a:spcPct val="100000"/>
               </a:lnSpc>
@@ -2089,7 +2108,7 @@
             </a:endParaRPr>
           </a:p>
           <a:p>
-            <a:pPr marL="216000" indent="-215640">
+            <a:pPr marL="216000" indent="-214200">
               <a:lnSpc>
                 <a:spcPct val="100000"/>
               </a:lnSpc>
@@ -2101,14 +2120,14 @@
                 </a:solidFill>
                 <a:latin typeface="Arial"/>
               </a:rPr>
-              <a:t>Elle sert à signaler les différentes alertes du périmètre de chaque personne connectée au site et propose de s’abonner à un service permettant de recevoir tous les mois un e-mail récapitulatif. Ces alertes sont causées par des anomalies, comme par exemple l’utilisation de cartes carburants le dimanche ou la prise d’un carburant différent de celui du véhicule identifié, et sont remontées pour des raisons d’économie et de sécurité.</a:t>
+              <a:t>Elle sert à signaler les différentes alertes du périmètre de chaque personne connectée au site et propose de s’abonner à un service permettant de recevoir tous les mois un e-mail récapitulatif. Ces alertes sont déclenchées par des anomalies, comme par exemple l’utilisation de cartes carburants le dimanche ou la prise d’un carburant de nature différente de celui du véhicule identifié, et sont remontées pour des raisons d’économie et de sécurité.</a:t>
             </a:r>
             <a:endParaRPr b="0" lang="fr-FR" sz="1500" spc="-1" strike="noStrike">
               <a:latin typeface="Arial"/>
             </a:endParaRPr>
           </a:p>
           <a:p>
-            <a:pPr marL="216000" indent="-215640">
+            <a:pPr marL="216000" indent="-214200">
               <a:lnSpc>
                 <a:spcPct val="100000"/>
               </a:lnSpc>
@@ -2127,7 +2146,7 @@
             </a:endParaRPr>
           </a:p>
           <a:p>
-            <a:pPr marL="216000" indent="-215640">
+            <a:pPr marL="216000" indent="-214200">
               <a:lnSpc>
                 <a:spcPct val="100000"/>
               </a:lnSpc>
@@ -2182,7 +2201,7 @@
         <p:spPr>
           <a:xfrm>
             <a:off x="217440" y="812520"/>
-            <a:ext cx="7124040" cy="4008240"/>
+            <a:ext cx="7122600" cy="4006800"/>
           </a:xfrm>
           <a:prstGeom prst="rect">
             <a:avLst/>
@@ -2202,7 +2221,7 @@
         <p:spPr>
           <a:xfrm>
             <a:off x="756000" y="5078520"/>
-            <a:ext cx="6046920" cy="4810320"/>
+            <a:ext cx="6045480" cy="4808880"/>
           </a:xfrm>
           <a:prstGeom prst="rect">
             <a:avLst/>
@@ -2211,7 +2230,7 @@
         <p:txBody>
           <a:bodyPr lIns="0" rIns="0" tIns="0" bIns="0"/>
           <a:p>
-            <a:pPr marL="216000" indent="-215640">
+            <a:pPr marL="216000" indent="-214200">
               <a:lnSpc>
                 <a:spcPct val="100000"/>
               </a:lnSpc>
@@ -2267,7 +2286,7 @@
         <p:spPr>
           <a:xfrm>
             <a:off x="217440" y="812520"/>
-            <a:ext cx="7124040" cy="4008240"/>
+            <a:ext cx="7122600" cy="4006800"/>
           </a:xfrm>
           <a:prstGeom prst="rect">
             <a:avLst/>
@@ -2287,7 +2306,7 @@
         <p:spPr>
           <a:xfrm>
             <a:off x="756000" y="5078520"/>
-            <a:ext cx="6046920" cy="4810320"/>
+            <a:ext cx="6045480" cy="4808880"/>
           </a:xfrm>
           <a:prstGeom prst="rect">
             <a:avLst/>
@@ -2296,7 +2315,7 @@
         <p:txBody>
           <a:bodyPr lIns="0" rIns="0" tIns="0" bIns="0"/>
           <a:p>
-            <a:pPr marL="216000" indent="-215640">
+            <a:pPr marL="216000" indent="-214200">
               <a:lnSpc>
                 <a:spcPct val="100000"/>
               </a:lnSpc>
@@ -2362,7 +2381,7 @@
         <p:spPr>
           <a:xfrm>
             <a:off x="217440" y="812520"/>
-            <a:ext cx="7124040" cy="4008240"/>
+            <a:ext cx="7122600" cy="4006800"/>
           </a:xfrm>
           <a:prstGeom prst="rect">
             <a:avLst/>
@@ -2382,7 +2401,7 @@
         <p:spPr>
           <a:xfrm>
             <a:off x="756000" y="5078520"/>
-            <a:ext cx="6046920" cy="4810320"/>
+            <a:ext cx="6045480" cy="4808880"/>
           </a:xfrm>
           <a:prstGeom prst="rect">
             <a:avLst/>
@@ -2391,7 +2410,7 @@
         <p:txBody>
           <a:bodyPr lIns="0" rIns="0" tIns="0" bIns="0"/>
           <a:p>
-            <a:pPr marL="216000" indent="-215640">
+            <a:pPr marL="216000" indent="-214200">
               <a:lnSpc>
                 <a:spcPct val="100000"/>
               </a:lnSpc>
@@ -2399,7 +2418,7 @@
             <a:r>
               <a:rPr b="0" lang="fr-FR" sz="2000" spc="-1" strike="noStrike">
                 <a:solidFill>
-                  <a:srgbClr val="009353"/>
+                  <a:srgbClr val="407927"/>
                 </a:solidFill>
                 <a:latin typeface="Arial"/>
               </a:rPr>
@@ -2408,7 +2427,7 @@
             <a:r>
               <a:rPr b="0" lang="fr-FR" sz="2000" spc="-1" strike="noStrike">
                 <a:solidFill>
-                  <a:srgbClr val="009353"/>
+                  <a:srgbClr val="407927"/>
                 </a:solidFill>
                 <a:latin typeface="Arial"/>
               </a:rPr>
@@ -2417,7 +2436,7 @@
             <a:r>
               <a:rPr b="0" lang="fr-FR" sz="2000" spc="-1" strike="noStrike">
                 <a:solidFill>
-                  <a:srgbClr val="009353"/>
+                  <a:srgbClr val="407927"/>
                 </a:solidFill>
                 <a:latin typeface="Arial"/>
               </a:rPr>
@@ -2426,7 +2445,7 @@
             <a:r>
               <a:rPr b="0" lang="fr-FR" sz="2000" spc="-1" strike="noStrike">
                 <a:solidFill>
-                  <a:srgbClr val="009353"/>
+                  <a:srgbClr val="407927"/>
                 </a:solidFill>
                 <a:latin typeface="Arial"/>
               </a:rPr>
@@ -2435,7 +2454,7 @@
             <a:r>
               <a:rPr b="0" lang="fr-FR" sz="2000" spc="-1" strike="noStrike">
                 <a:solidFill>
-                  <a:srgbClr val="009353"/>
+                  <a:srgbClr val="407927"/>
                 </a:solidFill>
                 <a:latin typeface="Arial"/>
               </a:rPr>
@@ -2446,7 +2465,7 @@
             </a:endParaRPr>
           </a:p>
           <a:p>
-            <a:pPr marL="216000" indent="-215640">
+            <a:pPr marL="216000" indent="-214200">
               <a:lnSpc>
                 <a:spcPct val="100000"/>
               </a:lnSpc>
@@ -2454,7 +2473,7 @@
             <a:r>
               <a:rPr b="1" lang="fr-FR" sz="2000" spc="-1" strike="noStrike">
                 <a:solidFill>
-                  <a:srgbClr val="009353"/>
+                  <a:srgbClr val="407927"/>
                 </a:solidFill>
                 <a:latin typeface="Arial"/>
               </a:rPr>
@@ -2465,7 +2484,7 @@
             </a:endParaRPr>
           </a:p>
           <a:p>
-            <a:pPr marL="216000" indent="-215640">
+            <a:pPr marL="216000" indent="-214200">
               <a:lnSpc>
                 <a:spcPct val="100000"/>
               </a:lnSpc>
@@ -2475,7 +2494,7 @@
             </a:endParaRPr>
           </a:p>
           <a:p>
-            <a:pPr marL="216000" indent="-215640">
+            <a:pPr marL="216000" indent="-214200">
               <a:lnSpc>
                 <a:spcPct val="100000"/>
               </a:lnSpc>
@@ -2483,7 +2502,7 @@
             <a:r>
               <a:rPr b="0" lang="fr-FR" sz="2000" spc="-1" strike="noStrike">
                 <a:solidFill>
-                  <a:srgbClr val="009353"/>
+                  <a:srgbClr val="407927"/>
                 </a:solidFill>
                 <a:latin typeface="Arial"/>
               </a:rPr>
@@ -2492,7 +2511,7 @@
             <a:r>
               <a:rPr b="0" lang="fr-FR" sz="2000" spc="-1" strike="noStrike">
                 <a:solidFill>
-                  <a:srgbClr val="009353"/>
+                  <a:srgbClr val="407927"/>
                 </a:solidFill>
                 <a:latin typeface="Arial"/>
               </a:rPr>
@@ -2501,7 +2520,7 @@
             <a:r>
               <a:rPr b="0" lang="fr-FR" sz="2000" spc="-1" strike="noStrike">
                 <a:solidFill>
-                  <a:srgbClr val="009353"/>
+                  <a:srgbClr val="407927"/>
                 </a:solidFill>
                 <a:latin typeface="Arial"/>
               </a:rPr>
@@ -2510,7 +2529,7 @@
             <a:r>
               <a:rPr b="0" lang="fr-FR" sz="2000" spc="-1" strike="noStrike">
                 <a:solidFill>
-                  <a:srgbClr val="009353"/>
+                  <a:srgbClr val="407927"/>
                 </a:solidFill>
                 <a:latin typeface="Arial"/>
               </a:rPr>
@@ -2519,7 +2538,7 @@
             <a:r>
               <a:rPr b="0" lang="fr-FR" sz="2000" spc="-1" strike="noStrike">
                 <a:solidFill>
-                  <a:srgbClr val="009353"/>
+                  <a:srgbClr val="407927"/>
                 </a:solidFill>
                 <a:latin typeface="Arial"/>
               </a:rPr>
@@ -2528,7 +2547,7 @@
             <a:r>
               <a:rPr b="0" lang="fr-FR" sz="2000" spc="-1" strike="noStrike">
                 <a:solidFill>
-                  <a:srgbClr val="009353"/>
+                  <a:srgbClr val="407927"/>
                 </a:solidFill>
                 <a:latin typeface="Arial"/>
               </a:rPr>
@@ -2539,7 +2558,7 @@
             </a:endParaRPr>
           </a:p>
           <a:p>
-            <a:pPr marL="216000" indent="-215640">
+            <a:pPr marL="216000" indent="-214200">
               <a:lnSpc>
                 <a:spcPct val="100000"/>
               </a:lnSpc>
@@ -2547,7 +2566,7 @@
             <a:r>
               <a:rPr b="0" lang="fr-FR" sz="2000" spc="-1" strike="noStrike">
                 <a:solidFill>
-                  <a:srgbClr val="009353"/>
+                  <a:srgbClr val="407927"/>
                 </a:solidFill>
                 <a:latin typeface="Arial"/>
               </a:rPr>
@@ -2558,7 +2577,7 @@
             </a:endParaRPr>
           </a:p>
           <a:p>
-            <a:pPr marL="216000" indent="-215640">
+            <a:pPr marL="216000" indent="-214200">
               <a:lnSpc>
                 <a:spcPct val="100000"/>
               </a:lnSpc>
@@ -2566,10 +2585,29 @@
             <a:r>
               <a:rPr b="0" lang="fr-FR" sz="2000" spc="-1" strike="noStrike">
                 <a:solidFill>
-                  <a:srgbClr val="009353"/>
+                  <a:srgbClr val="407927"/>
                 </a:solidFill>
                 <a:latin typeface="Arial"/>
               </a:rPr>
+              <a:t>=&gt; couleur lié aux chiffres (info visuelle)</a:t>
+            </a:r>
+            <a:endParaRPr b="0" lang="fr-FR" sz="2000" spc="-1" strike="noStrike">
+              <a:latin typeface="Arial"/>
+            </a:endParaRPr>
+          </a:p>
+          <a:p>
+            <a:pPr marL="216000" indent="-214200">
+              <a:lnSpc>
+                <a:spcPct val="100000"/>
+              </a:lnSpc>
+            </a:pPr>
+            <a:r>
+              <a:rPr b="0" lang="fr-FR" sz="2000" spc="-1" strike="noStrike">
+                <a:solidFill>
+                  <a:srgbClr val="407927"/>
+                </a:solidFill>
+                <a:latin typeface="Arial"/>
+              </a:rPr>
               <a:t>=&gt; si clic, envoie nouveau statut en base</a:t>
             </a:r>
             <a:endParaRPr b="0" lang="fr-FR" sz="2000" spc="-1" strike="noStrike">
@@ -2577,7 +2615,7 @@
             </a:endParaRPr>
           </a:p>
           <a:p>
-            <a:pPr marL="216000" indent="-215640">
+            <a:pPr marL="216000" indent="-214200">
               <a:lnSpc>
                 <a:spcPct val="100000"/>
               </a:lnSpc>
@@ -2585,7 +2623,7 @@
             <a:r>
               <a:rPr b="0" lang="fr-FR" sz="2000" spc="-1" strike="noStrike">
                 <a:solidFill>
-                  <a:srgbClr val="009353"/>
+                  <a:srgbClr val="407927"/>
                 </a:solidFill>
                 <a:latin typeface="Arial"/>
               </a:rPr>
@@ -2632,7 +2670,7 @@
         <p:spPr>
           <a:xfrm>
             <a:off x="217440" y="812520"/>
-            <a:ext cx="7124040" cy="4008240"/>
+            <a:ext cx="7122600" cy="4006800"/>
           </a:xfrm>
           <a:prstGeom prst="rect">
             <a:avLst/>
@@ -2652,7 +2690,7 @@
         <p:spPr>
           <a:xfrm>
             <a:off x="756000" y="5078520"/>
-            <a:ext cx="6046920" cy="4810320"/>
+            <a:ext cx="6045480" cy="4808880"/>
           </a:xfrm>
           <a:prstGeom prst="rect">
             <a:avLst/>
@@ -2661,7 +2699,7 @@
         <p:txBody>
           <a:bodyPr lIns="0" rIns="0" tIns="0" bIns="0"/>
           <a:p>
-            <a:pPr marL="216000" indent="-215640">
+            <a:pPr marL="216000" indent="-214200">
               <a:lnSpc>
                 <a:spcPct val="100000"/>
               </a:lnSpc>
@@ -2689,7 +2727,7 @@
             </a:endParaRPr>
           </a:p>
           <a:p>
-            <a:pPr marL="216000" indent="-215640">
+            <a:pPr marL="216000" indent="-214200">
               <a:lnSpc>
                 <a:spcPct val="100000"/>
               </a:lnSpc>
@@ -2708,7 +2746,7 @@
             </a:endParaRPr>
           </a:p>
           <a:p>
-            <a:pPr marL="216000" indent="-215640">
+            <a:pPr marL="216000" indent="-214200">
               <a:lnSpc>
                 <a:spcPct val="100000"/>
               </a:lnSpc>
@@ -2772,7 +2810,7 @@
         <p:spPr>
           <a:xfrm>
             <a:off x="217440" y="812520"/>
-            <a:ext cx="7124040" cy="4008240"/>
+            <a:ext cx="7122600" cy="4006800"/>
           </a:xfrm>
           <a:prstGeom prst="rect">
             <a:avLst/>
@@ -2792,7 +2830,7 @@
         <p:spPr>
           <a:xfrm>
             <a:off x="756000" y="5078520"/>
-            <a:ext cx="6046920" cy="4810320"/>
+            <a:ext cx="6045480" cy="4808880"/>
           </a:xfrm>
           <a:prstGeom prst="rect">
             <a:avLst/>
@@ -2801,7 +2839,7 @@
         <p:txBody>
           <a:bodyPr lIns="0" rIns="0" tIns="0" bIns="0"/>
           <a:p>
-            <a:pPr marL="216000" indent="-215640">
+            <a:pPr marL="216000" indent="-214200">
               <a:lnSpc>
                 <a:spcPct val="100000"/>
               </a:lnSpc>
@@ -2809,7 +2847,7 @@
             <a:r>
               <a:rPr b="0" lang="fr-FR" sz="1600" spc="-1" strike="noStrike">
                 <a:solidFill>
-                  <a:srgbClr val="6b6400"/>
+                  <a:srgbClr val="2b511a"/>
                 </a:solidFill>
                 <a:latin typeface="Arial"/>
               </a:rPr>
@@ -2820,7 +2858,7 @@
             </a:endParaRPr>
           </a:p>
           <a:p>
-            <a:pPr marL="216000" indent="-215640">
+            <a:pPr marL="216000" indent="-214200">
               <a:lnSpc>
                 <a:spcPct val="100000"/>
               </a:lnSpc>
@@ -2830,7 +2868,7 @@
             </a:endParaRPr>
           </a:p>
           <a:p>
-            <a:pPr marL="216000" indent="-215640">
+            <a:pPr marL="216000" indent="-214200">
               <a:lnSpc>
                 <a:spcPct val="100000"/>
               </a:lnSpc>
@@ -2838,7 +2876,7 @@
             <a:r>
               <a:rPr b="0" lang="fr-FR" sz="1600" spc="-1" strike="noStrike">
                 <a:solidFill>
-                  <a:srgbClr val="6b6400"/>
+                  <a:srgbClr val="2b511a"/>
                 </a:solidFill>
                 <a:latin typeface="Arial"/>
               </a:rPr>
@@ -2849,7 +2887,7 @@
             </a:endParaRPr>
           </a:p>
           <a:p>
-            <a:pPr marL="216000" indent="-215640">
+            <a:pPr marL="216000" indent="-214200">
               <a:lnSpc>
                 <a:spcPct val="100000"/>
               </a:lnSpc>
@@ -2859,7 +2897,7 @@
             </a:endParaRPr>
           </a:p>
           <a:p>
-            <a:pPr marL="216000" indent="-215640">
+            <a:pPr marL="216000" indent="-214200">
               <a:lnSpc>
                 <a:spcPct val="100000"/>
               </a:lnSpc>
@@ -2867,7 +2905,7 @@
             <a:r>
               <a:rPr b="0" lang="fr-FR" sz="1600" spc="-1" strike="noStrike">
                 <a:solidFill>
-                  <a:srgbClr val="6b6400"/>
+                  <a:srgbClr val="2b511a"/>
                 </a:solidFill>
                 <a:latin typeface="Arial"/>
               </a:rPr>
@@ -2878,7 +2916,7 @@
             </a:endParaRPr>
           </a:p>
           <a:p>
-            <a:pPr marL="216000" indent="-215640">
+            <a:pPr marL="216000" indent="-214200">
               <a:lnSpc>
                 <a:spcPct val="100000"/>
               </a:lnSpc>
@@ -2886,7 +2924,7 @@
             <a:r>
               <a:rPr b="0" lang="fr-FR" sz="1600" spc="-1" strike="noStrike">
                 <a:solidFill>
-                  <a:srgbClr val="6b6400"/>
+                  <a:srgbClr val="2b511a"/>
                 </a:solidFill>
                 <a:latin typeface="Arial"/>
               </a:rPr>
@@ -2895,7 +2933,7 @@
             <a:r>
               <a:rPr b="0" lang="fr-FR" sz="1600" spc="-1" strike="noStrike">
                 <a:solidFill>
-                  <a:srgbClr val="6b6400"/>
+                  <a:srgbClr val="2b511a"/>
                 </a:solidFill>
                 <a:latin typeface="Arial"/>
               </a:rPr>
@@ -2906,7 +2944,7 @@
             </a:endParaRPr>
           </a:p>
           <a:p>
-            <a:pPr marL="216000" indent="-215640">
+            <a:pPr marL="216000" indent="-214200">
               <a:lnSpc>
                 <a:spcPct val="100000"/>
               </a:lnSpc>
@@ -2914,7 +2952,7 @@
             <a:r>
               <a:rPr b="0" lang="fr-FR" sz="1600" spc="-1" strike="noStrike">
                 <a:solidFill>
-                  <a:srgbClr val="6b6400"/>
+                  <a:srgbClr val="2b511a"/>
                 </a:solidFill>
                 <a:latin typeface="Arial"/>
               </a:rPr>
@@ -2925,7 +2963,7 @@
             </a:endParaRPr>
           </a:p>
           <a:p>
-            <a:pPr marL="216000" indent="-215640">
+            <a:pPr marL="216000" indent="-214200">
               <a:lnSpc>
                 <a:spcPct val="100000"/>
               </a:lnSpc>
@@ -2933,7 +2971,7 @@
             <a:r>
               <a:rPr b="0" lang="fr-FR" sz="1600" spc="-1" strike="noStrike">
                 <a:solidFill>
-                  <a:srgbClr val="6b6400"/>
+                  <a:srgbClr val="2b511a"/>
                 </a:solidFill>
                 <a:latin typeface="Arial"/>
               </a:rPr>
@@ -2944,7 +2982,7 @@
             </a:endParaRPr>
           </a:p>
           <a:p>
-            <a:pPr marL="216000" indent="-215640">
+            <a:pPr marL="216000" indent="-214200">
               <a:lnSpc>
                 <a:spcPct val="100000"/>
               </a:lnSpc>
@@ -2952,7 +2990,7 @@
             <a:r>
               <a:rPr b="0" lang="fr-FR" sz="1600" spc="-1" strike="noStrike">
                 <a:solidFill>
-                  <a:srgbClr val="6b6400"/>
+                  <a:srgbClr val="2b511a"/>
                 </a:solidFill>
                 <a:latin typeface="Arial"/>
               </a:rPr>
@@ -2999,7 +3037,7 @@
         <p:spPr>
           <a:xfrm>
             <a:off x="217440" y="812520"/>
-            <a:ext cx="7124040" cy="4008240"/>
+            <a:ext cx="7122600" cy="4006800"/>
           </a:xfrm>
           <a:prstGeom prst="rect">
             <a:avLst/>
@@ -3019,7 +3057,7 @@
         <p:spPr>
           <a:xfrm>
             <a:off x="756000" y="5078520"/>
-            <a:ext cx="6046920" cy="4810320"/>
+            <a:ext cx="6045480" cy="4808880"/>
           </a:xfrm>
           <a:prstGeom prst="rect">
             <a:avLst/>
@@ -3028,7 +3066,7 @@
         <p:txBody>
           <a:bodyPr lIns="0" rIns="0" tIns="0" bIns="0"/>
           <a:p>
-            <a:pPr marL="216000" indent="-215640">
+            <a:pPr marL="216000" indent="-214200">
               <a:lnSpc>
                 <a:spcPct val="100000"/>
               </a:lnSpc>
@@ -3047,7 +3085,7 @@
             </a:endParaRPr>
           </a:p>
           <a:p>
-            <a:pPr marL="216000" indent="-215640">
+            <a:pPr marL="216000" indent="-214200">
               <a:lnSpc>
                 <a:spcPct val="100000"/>
               </a:lnSpc>
@@ -3066,7 +3104,7 @@
             </a:endParaRPr>
           </a:p>
           <a:p>
-            <a:pPr marL="216000" indent="-215640">
+            <a:pPr marL="216000" indent="-214200">
               <a:lnSpc>
                 <a:spcPct val="100000"/>
               </a:lnSpc>
@@ -3085,7 +3123,7 @@
             </a:endParaRPr>
           </a:p>
           <a:p>
-            <a:pPr marL="216000" indent="-215640">
+            <a:pPr marL="216000" indent="-214200">
               <a:lnSpc>
                 <a:spcPct val="100000"/>
               </a:lnSpc>
@@ -3104,7 +3142,7 @@
             </a:endParaRPr>
           </a:p>
           <a:p>
-            <a:pPr marL="216000" indent="-215640">
+            <a:pPr marL="216000" indent="-214200">
               <a:lnSpc>
                 <a:spcPct val="100000"/>
               </a:lnSpc>
@@ -3123,7 +3161,7 @@
             </a:endParaRPr>
           </a:p>
           <a:p>
-            <a:pPr marL="216000" indent="-215640">
+            <a:pPr marL="216000" indent="-214200">
               <a:lnSpc>
                 <a:spcPct val="100000"/>
               </a:lnSpc>
@@ -3135,7 +3173,7 @@
                 </a:solidFill>
                 <a:latin typeface="Arial"/>
               </a:rPr>
-              <a:t>* charte et responsive car multi support</a:t>
+              <a:t>* charte graphique et responsive car multi support</a:t>
             </a:r>
             <a:endParaRPr b="0" lang="fr-FR" sz="2000" spc="-1" strike="noStrike">
               <a:latin typeface="Arial"/>
@@ -3178,7 +3216,7 @@
         <p:spPr>
           <a:xfrm>
             <a:off x="217440" y="812520"/>
-            <a:ext cx="7124040" cy="4008240"/>
+            <a:ext cx="7122600" cy="4006800"/>
           </a:xfrm>
           <a:prstGeom prst="rect">
             <a:avLst/>
@@ -3198,7 +3236,7 @@
         <p:spPr>
           <a:xfrm>
             <a:off x="756000" y="5078520"/>
-            <a:ext cx="6046920" cy="4810320"/>
+            <a:ext cx="6045480" cy="4808880"/>
           </a:xfrm>
           <a:prstGeom prst="rect">
             <a:avLst/>
@@ -3207,7 +3245,7 @@
         <p:txBody>
           <a:bodyPr lIns="0" rIns="0" tIns="0" bIns="0"/>
           <a:p>
-            <a:pPr marL="216000" indent="-215640">
+            <a:pPr marL="216000" indent="-214200">
               <a:lnSpc>
                 <a:spcPct val="100000"/>
               </a:lnSpc>
@@ -3226,7 +3264,7 @@
             </a:endParaRPr>
           </a:p>
           <a:p>
-            <a:pPr marL="216000" indent="-215640">
+            <a:pPr marL="216000" indent="-214200">
               <a:lnSpc>
                 <a:spcPct val="100000"/>
               </a:lnSpc>
@@ -3245,7 +3283,7 @@
             </a:endParaRPr>
           </a:p>
           <a:p>
-            <a:pPr marL="216000" indent="-215640">
+            <a:pPr marL="216000" indent="-214200">
               <a:lnSpc>
                 <a:spcPct val="100000"/>
               </a:lnSpc>
@@ -3264,7 +3302,7 @@
             </a:endParaRPr>
           </a:p>
           <a:p>
-            <a:pPr marL="216000" indent="-215640">
+            <a:pPr marL="216000" indent="-214200">
               <a:lnSpc>
                 <a:spcPct val="100000"/>
               </a:lnSpc>
@@ -3283,7 +3321,7 @@
             </a:endParaRPr>
           </a:p>
           <a:p>
-            <a:pPr marL="216000" indent="-215640">
+            <a:pPr marL="216000" indent="-214200">
               <a:lnSpc>
                 <a:spcPct val="100000"/>
               </a:lnSpc>
@@ -7337,7 +7375,7 @@
         <p:spPr>
           <a:xfrm>
             <a:off x="0" y="0"/>
-            <a:ext cx="9141120" cy="5141520"/>
+            <a:ext cx="9139680" cy="5140080"/>
           </a:xfrm>
           <a:prstGeom prst="rect">
             <a:avLst/>
@@ -7377,7 +7415,7 @@
         <p:spPr>
           <a:xfrm>
             <a:off x="7614000" y="4623480"/>
-            <a:ext cx="556200" cy="556200"/>
+            <a:ext cx="554760" cy="554760"/>
           </a:xfrm>
           <a:prstGeom prst="donut">
             <a:avLst>
@@ -7408,8 +7446,8 @@
         </p:nvSpPr>
         <p:spPr>
           <a:xfrm rot="2700000">
-            <a:off x="24120" y="2717280"/>
-            <a:ext cx="539640" cy="539640"/>
+            <a:off x="24120" y="2716560"/>
+            <a:ext cx="538200" cy="538200"/>
           </a:xfrm>
           <a:prstGeom prst="frame">
             <a:avLst>
@@ -7440,8 +7478,8 @@
         </p:nvSpPr>
         <p:spPr>
           <a:xfrm rot="2700000">
-            <a:off x="8501400" y="1031760"/>
-            <a:ext cx="802800" cy="802800"/>
+            <a:off x="8502120" y="1031040"/>
+            <a:ext cx="801360" cy="801360"/>
           </a:xfrm>
           <a:prstGeom prst="mathMultiply">
             <a:avLst>
@@ -7473,7 +7511,7 @@
         <p:spPr>
           <a:xfrm>
             <a:off x="544320" y="1432440"/>
-            <a:ext cx="622800" cy="622800"/>
+            <a:ext cx="621360" cy="621360"/>
           </a:xfrm>
           <a:prstGeom prst="donut">
             <a:avLst>
@@ -7504,8 +7542,8 @@
         </p:nvSpPr>
         <p:spPr>
           <a:xfrm rot="19800000">
-            <a:off x="8471160" y="3105720"/>
-            <a:ext cx="604440" cy="604440"/>
+            <a:off x="8470080" y="3105720"/>
+            <a:ext cx="603000" cy="603000"/>
           </a:xfrm>
           <a:prstGeom prst="frame">
             <a:avLst>
@@ -7536,8 +7574,8 @@
         </p:nvSpPr>
         <p:spPr>
           <a:xfrm rot="20072400">
-            <a:off x="451440" y="3864600"/>
-            <a:ext cx="898560" cy="898560"/>
+            <a:off x="450360" y="3864240"/>
+            <a:ext cx="897120" cy="897120"/>
           </a:xfrm>
           <a:prstGeom prst="mathMultiply">
             <a:avLst>
@@ -7569,7 +7607,7 @@
         <p:spPr>
           <a:xfrm>
             <a:off x="1775880" y="3374280"/>
-            <a:ext cx="447120" cy="447120"/>
+            <a:ext cx="445680" cy="445680"/>
           </a:xfrm>
           <a:prstGeom prst="donut">
             <a:avLst>
@@ -7601,7 +7639,7 @@
         <p:spPr>
           <a:xfrm>
             <a:off x="7505640" y="830880"/>
-            <a:ext cx="433800" cy="433800"/>
+            <a:ext cx="432360" cy="432360"/>
           </a:xfrm>
           <a:prstGeom prst="frame">
             <a:avLst>
@@ -7632,8 +7670,8 @@
         </p:nvSpPr>
         <p:spPr>
           <a:xfrm rot="20877000">
-            <a:off x="1481400" y="645840"/>
-            <a:ext cx="645120" cy="645120"/>
+            <a:off x="1481040" y="645480"/>
+            <a:ext cx="643680" cy="643680"/>
           </a:xfrm>
           <a:prstGeom prst="mathMultiply">
             <a:avLst>
@@ -7665,7 +7703,7 @@
         <p:spPr>
           <a:xfrm>
             <a:off x="6773040" y="-36360"/>
-            <a:ext cx="395280" cy="395280"/>
+            <a:ext cx="393840" cy="393840"/>
           </a:xfrm>
           <a:prstGeom prst="donut">
             <a:avLst>
@@ -7696,8 +7734,8 @@
         </p:nvSpPr>
         <p:spPr>
           <a:xfrm rot="1498200">
-            <a:off x="552960" y="271800"/>
-            <a:ext cx="383760" cy="383760"/>
+            <a:off x="552600" y="270720"/>
+            <a:ext cx="382320" cy="382320"/>
           </a:xfrm>
           <a:prstGeom prst="frame">
             <a:avLst>
@@ -7729,7 +7767,7 @@
         <p:spPr>
           <a:xfrm>
             <a:off x="7040160" y="3312720"/>
-            <a:ext cx="570600" cy="570600"/>
+            <a:ext cx="569160" cy="569160"/>
           </a:xfrm>
           <a:prstGeom prst="mathMultiply">
             <a:avLst>
@@ -7761,7 +7799,7 @@
         <p:spPr>
           <a:xfrm>
             <a:off x="2893320" y="209880"/>
-            <a:ext cx="265320" cy="265320"/>
+            <a:ext cx="263880" cy="263880"/>
           </a:xfrm>
           <a:prstGeom prst="donut">
             <a:avLst>
@@ -7793,7 +7831,7 @@
         <p:spPr>
           <a:xfrm>
             <a:off x="2423520" y="4259520"/>
-            <a:ext cx="257400" cy="257400"/>
+            <a:ext cx="255960" cy="255960"/>
           </a:xfrm>
           <a:prstGeom prst="frame">
             <a:avLst>
@@ -7825,7 +7863,7 @@
         <p:spPr>
           <a:xfrm>
             <a:off x="4029120" y="425520"/>
-            <a:ext cx="383400" cy="383400"/>
+            <a:ext cx="381960" cy="381960"/>
           </a:xfrm>
           <a:prstGeom prst="mathMultiply">
             <a:avLst>
@@ -7857,7 +7895,7 @@
         <p:spPr>
           <a:xfrm>
             <a:off x="7701120" y="2148480"/>
-            <a:ext cx="265320" cy="265320"/>
+            <a:ext cx="263880" cy="263880"/>
           </a:xfrm>
           <a:prstGeom prst="donut">
             <a:avLst>
@@ -7889,7 +7927,7 @@
         <p:spPr>
           <a:xfrm>
             <a:off x="3415320" y="4449960"/>
-            <a:ext cx="265320" cy="265320"/>
+            <a:ext cx="263880" cy="263880"/>
           </a:xfrm>
           <a:prstGeom prst="donut">
             <a:avLst>
@@ -7921,7 +7959,7 @@
         <p:spPr>
           <a:xfrm>
             <a:off x="1479240" y="2220480"/>
-            <a:ext cx="383400" cy="383400"/>
+            <a:ext cx="381960" cy="381960"/>
           </a:xfrm>
           <a:prstGeom prst="mathMultiply">
             <a:avLst>
@@ -7953,7 +7991,7 @@
         <p:spPr>
           <a:xfrm>
             <a:off x="5371200" y="4390920"/>
-            <a:ext cx="383400" cy="383400"/>
+            <a:ext cx="381960" cy="381960"/>
           </a:xfrm>
           <a:prstGeom prst="mathMultiply">
             <a:avLst>
@@ -7984,8 +8022,8 @@
         </p:nvSpPr>
         <p:spPr>
           <a:xfrm rot="18900000">
-            <a:off x="6335640" y="4350240"/>
-            <a:ext cx="257040" cy="257040"/>
+            <a:off x="6334920" y="4350960"/>
+            <a:ext cx="255600" cy="255600"/>
           </a:xfrm>
           <a:prstGeom prst="frame">
             <a:avLst>
@@ -8017,7 +8055,7 @@
         <p:spPr>
           <a:xfrm>
             <a:off x="5568120" y="263160"/>
-            <a:ext cx="257400" cy="257400"/>
+            <a:ext cx="255960" cy="255960"/>
           </a:xfrm>
           <a:prstGeom prst="frame">
             <a:avLst>
@@ -8307,7 +8345,7 @@
         <p:spPr>
           <a:xfrm>
             <a:off x="0" y="0"/>
-            <a:ext cx="9141120" cy="1060560"/>
+            <a:ext cx="9139680" cy="1059120"/>
           </a:xfrm>
           <a:prstGeom prst="rect">
             <a:avLst/>
@@ -8347,7 +8385,7 @@
         <p:spPr>
           <a:xfrm>
             <a:off x="0" y="1063440"/>
-            <a:ext cx="9141120" cy="4077720"/>
+            <a:ext cx="9139680" cy="4076280"/>
           </a:xfrm>
           <a:prstGeom prst="rect">
             <a:avLst/>
@@ -8375,7 +8413,7 @@
         <p:spPr>
           <a:xfrm>
             <a:off x="600480" y="319320"/>
-            <a:ext cx="265320" cy="265320"/>
+            <a:ext cx="263880" cy="263880"/>
           </a:xfrm>
           <a:prstGeom prst="donut">
             <a:avLst>
@@ -8407,7 +8445,7 @@
         <p:spPr>
           <a:xfrm>
             <a:off x="1771560" y="586440"/>
-            <a:ext cx="383400" cy="383400"/>
+            <a:ext cx="381960" cy="381960"/>
           </a:xfrm>
           <a:prstGeom prst="mathMultiply">
             <a:avLst>
@@ -8438,8 +8476,8 @@
         </p:nvSpPr>
         <p:spPr>
           <a:xfrm rot="20304600">
-            <a:off x="1718280" y="-11520"/>
-            <a:ext cx="257040" cy="257040"/>
+            <a:off x="1717560" y="-10440"/>
+            <a:ext cx="255600" cy="255600"/>
           </a:xfrm>
           <a:prstGeom prst="frame">
             <a:avLst>
@@ -8471,7 +8509,7 @@
         <p:spPr>
           <a:xfrm>
             <a:off x="7098840" y="-18360"/>
-            <a:ext cx="265320" cy="265320"/>
+            <a:ext cx="263880" cy="263880"/>
           </a:xfrm>
           <a:prstGeom prst="donut">
             <a:avLst>
@@ -8502,8 +8540,8 @@
         </p:nvSpPr>
         <p:spPr>
           <a:xfrm rot="1050600">
-            <a:off x="7063920" y="768600"/>
-            <a:ext cx="383040" cy="383040"/>
+            <a:off x="7063200" y="768240"/>
+            <a:ext cx="381600" cy="381600"/>
           </a:xfrm>
           <a:prstGeom prst="mathMultiply">
             <a:avLst>
@@ -8534,8 +8572,8 @@
         </p:nvSpPr>
         <p:spPr>
           <a:xfrm rot="1498200">
-            <a:off x="8047800" y="794520"/>
-            <a:ext cx="257400" cy="257400"/>
+            <a:off x="8047440" y="793800"/>
+            <a:ext cx="255960" cy="255960"/>
           </a:xfrm>
           <a:prstGeom prst="frame">
             <a:avLst>
@@ -8567,7 +8605,7 @@
         <p:spPr>
           <a:xfrm>
             <a:off x="272880" y="914400"/>
-            <a:ext cx="182160" cy="182160"/>
+            <a:ext cx="180720" cy="180720"/>
           </a:xfrm>
           <a:prstGeom prst="donut">
             <a:avLst>
@@ -8598,8 +8636,8 @@
         </p:nvSpPr>
         <p:spPr>
           <a:xfrm rot="1222200">
-            <a:off x="107640" y="113040"/>
-            <a:ext cx="263520" cy="263520"/>
+            <a:off x="107280" y="112320"/>
+            <a:ext cx="262080" cy="262080"/>
           </a:xfrm>
           <a:prstGeom prst="mathMultiply">
             <a:avLst>
@@ -8630,8 +8668,8 @@
         </p:nvSpPr>
         <p:spPr>
           <a:xfrm rot="2700000">
-            <a:off x="1131480" y="719280"/>
-            <a:ext cx="176400" cy="176400"/>
+            <a:off x="1132200" y="718560"/>
+            <a:ext cx="174960" cy="174960"/>
           </a:xfrm>
           <a:prstGeom prst="frame">
             <a:avLst>
@@ -8663,7 +8701,7 @@
         <p:spPr>
           <a:xfrm>
             <a:off x="8798040" y="686880"/>
-            <a:ext cx="182160" cy="182160"/>
+            <a:ext cx="180720" cy="180720"/>
           </a:xfrm>
           <a:prstGeom prst="donut">
             <a:avLst>
@@ -8695,7 +8733,7 @@
         <p:spPr>
           <a:xfrm>
             <a:off x="8434440" y="190440"/>
-            <a:ext cx="263520" cy="263520"/>
+            <a:ext cx="262080" cy="262080"/>
           </a:xfrm>
           <a:prstGeom prst="mathMultiply">
             <a:avLst>
@@ -8727,7 +8765,7 @@
         <p:spPr>
           <a:xfrm>
             <a:off x="7656120" y="319320"/>
-            <a:ext cx="176400" cy="176400"/>
+            <a:ext cx="174960" cy="174960"/>
           </a:xfrm>
           <a:prstGeom prst="frame">
             <a:avLst>
@@ -9195,7 +9233,7 @@
         <p:spPr>
           <a:xfrm>
             <a:off x="0" y="0"/>
-            <a:ext cx="9141120" cy="1060560"/>
+            <a:ext cx="9139680" cy="1059120"/>
           </a:xfrm>
           <a:prstGeom prst="rect">
             <a:avLst/>
@@ -9235,7 +9273,7 @@
         <p:spPr>
           <a:xfrm>
             <a:off x="0" y="1063440"/>
-            <a:ext cx="9141120" cy="4077720"/>
+            <a:ext cx="9139680" cy="4076280"/>
           </a:xfrm>
           <a:prstGeom prst="rect">
             <a:avLst/>
@@ -9263,7 +9301,7 @@
         <p:spPr>
           <a:xfrm>
             <a:off x="600480" y="319320"/>
-            <a:ext cx="265320" cy="265320"/>
+            <a:ext cx="263880" cy="263880"/>
           </a:xfrm>
           <a:prstGeom prst="donut">
             <a:avLst>
@@ -9295,7 +9333,7 @@
         <p:spPr>
           <a:xfrm>
             <a:off x="1771560" y="586440"/>
-            <a:ext cx="383400" cy="383400"/>
+            <a:ext cx="381960" cy="381960"/>
           </a:xfrm>
           <a:prstGeom prst="mathMultiply">
             <a:avLst>
@@ -9326,8 +9364,8 @@
         </p:nvSpPr>
         <p:spPr>
           <a:xfrm rot="20304600">
-            <a:off x="1718280" y="-11520"/>
-            <a:ext cx="257040" cy="257040"/>
+            <a:off x="1717560" y="-10440"/>
+            <a:ext cx="255600" cy="255600"/>
           </a:xfrm>
           <a:prstGeom prst="frame">
             <a:avLst>
@@ -9359,7 +9397,7 @@
         <p:spPr>
           <a:xfrm>
             <a:off x="7098840" y="-18360"/>
-            <a:ext cx="265320" cy="265320"/>
+            <a:ext cx="263880" cy="263880"/>
           </a:xfrm>
           <a:prstGeom prst="donut">
             <a:avLst>
@@ -9390,8 +9428,8 @@
         </p:nvSpPr>
         <p:spPr>
           <a:xfrm rot="1050600">
-            <a:off x="7063920" y="768600"/>
-            <a:ext cx="383040" cy="383040"/>
+            <a:off x="7063200" y="768240"/>
+            <a:ext cx="381600" cy="381600"/>
           </a:xfrm>
           <a:prstGeom prst="mathMultiply">
             <a:avLst>
@@ -9422,8 +9460,8 @@
         </p:nvSpPr>
         <p:spPr>
           <a:xfrm rot="1498200">
-            <a:off x="8047800" y="794520"/>
-            <a:ext cx="257400" cy="257400"/>
+            <a:off x="8047440" y="793800"/>
+            <a:ext cx="255960" cy="255960"/>
           </a:xfrm>
           <a:prstGeom prst="frame">
             <a:avLst>
@@ -9455,7 +9493,7 @@
         <p:spPr>
           <a:xfrm>
             <a:off x="272880" y="914400"/>
-            <a:ext cx="182160" cy="182160"/>
+            <a:ext cx="180720" cy="180720"/>
           </a:xfrm>
           <a:prstGeom prst="donut">
             <a:avLst>
@@ -9486,8 +9524,8 @@
         </p:nvSpPr>
         <p:spPr>
           <a:xfrm rot="1222200">
-            <a:off x="107640" y="113040"/>
-            <a:ext cx="263520" cy="263520"/>
+            <a:off x="107280" y="112320"/>
+            <a:ext cx="262080" cy="262080"/>
           </a:xfrm>
           <a:prstGeom prst="mathMultiply">
             <a:avLst>
@@ -9518,8 +9556,8 @@
         </p:nvSpPr>
         <p:spPr>
           <a:xfrm rot="2700000">
-            <a:off x="1131480" y="719280"/>
-            <a:ext cx="176400" cy="176400"/>
+            <a:off x="1132200" y="718560"/>
+            <a:ext cx="174960" cy="174960"/>
           </a:xfrm>
           <a:prstGeom prst="frame">
             <a:avLst>
@@ -9551,7 +9589,7 @@
         <p:spPr>
           <a:xfrm>
             <a:off x="8798040" y="686880"/>
-            <a:ext cx="182160" cy="182160"/>
+            <a:ext cx="180720" cy="180720"/>
           </a:xfrm>
           <a:prstGeom prst="donut">
             <a:avLst>
@@ -9583,7 +9621,7 @@
         <p:spPr>
           <a:xfrm>
             <a:off x="8434440" y="190440"/>
-            <a:ext cx="263520" cy="263520"/>
+            <a:ext cx="262080" cy="262080"/>
           </a:xfrm>
           <a:prstGeom prst="mathMultiply">
             <a:avLst>
@@ -9615,7 +9653,7 @@
         <p:spPr>
           <a:xfrm>
             <a:off x="7656120" y="319320"/>
-            <a:ext cx="176400" cy="176400"/>
+            <a:ext cx="174960" cy="174960"/>
           </a:xfrm>
           <a:prstGeom prst="frame">
             <a:avLst>
@@ -9898,7 +9936,7 @@
         <p:spPr>
           <a:xfrm>
             <a:off x="2068920" y="1991880"/>
-            <a:ext cx="5003640" cy="1157040"/>
+            <a:ext cx="5002200" cy="1155600"/>
           </a:xfrm>
           <a:prstGeom prst="rect">
             <a:avLst/>
@@ -9947,7 +9985,7 @@
         <p:spPr>
           <a:xfrm>
             <a:off x="205560" y="4539240"/>
-            <a:ext cx="8730360" cy="471240"/>
+            <a:ext cx="8728920" cy="469800"/>
           </a:xfrm>
           <a:prstGeom prst="rect">
             <a:avLst/>
@@ -10086,7 +10124,7 @@
         <p:spPr>
           <a:xfrm>
             <a:off x="216000" y="72000"/>
-            <a:ext cx="8637480" cy="626400"/>
+            <a:ext cx="8636040" cy="624960"/>
           </a:xfrm>
           <a:prstGeom prst="rect">
             <a:avLst/>
@@ -10194,7 +10232,7 @@
         <p:spPr>
           <a:xfrm>
             <a:off x="98280" y="16200"/>
-            <a:ext cx="8823600" cy="1042200"/>
+            <a:ext cx="8822160" cy="1040760"/>
           </a:xfrm>
           <a:prstGeom prst="rect">
             <a:avLst/>
@@ -10243,7 +10281,7 @@
         <p:spPr>
           <a:xfrm>
             <a:off x="839520" y="4758120"/>
-            <a:ext cx="3997080" cy="391320"/>
+            <a:ext cx="3995640" cy="389880"/>
           </a:xfrm>
           <a:prstGeom prst="rect">
             <a:avLst/>
@@ -10295,7 +10333,7 @@
         <p:spPr>
           <a:xfrm>
             <a:off x="4104000" y="1228320"/>
-            <a:ext cx="4872960" cy="3845160"/>
+            <a:ext cx="4871520" cy="3843720"/>
           </a:xfrm>
           <a:prstGeom prst="rect">
             <a:avLst/>
@@ -10361,7 +10399,7 @@
         <p:spPr>
           <a:xfrm>
             <a:off x="721440" y="1728000"/>
-            <a:ext cx="3236040" cy="1635840"/>
+            <a:ext cx="3234600" cy="1634400"/>
           </a:xfrm>
           <a:prstGeom prst="rect">
             <a:avLst/>
@@ -10380,7 +10418,7 @@
         <p:spPr>
           <a:xfrm>
             <a:off x="98280" y="16200"/>
-            <a:ext cx="1052640" cy="1022760"/>
+            <a:ext cx="1051200" cy="1021320"/>
           </a:xfrm>
           <a:prstGeom prst="rect">
             <a:avLst/>
@@ -10478,7 +10516,7 @@
         <p:spPr>
           <a:xfrm>
             <a:off x="98280" y="16200"/>
-            <a:ext cx="8823600" cy="1042200"/>
+            <a:ext cx="8822160" cy="1040760"/>
           </a:xfrm>
           <a:prstGeom prst="rect">
             <a:avLst/>
@@ -10527,7 +10565,7 @@
         <p:spPr>
           <a:xfrm>
             <a:off x="839520" y="4758120"/>
-            <a:ext cx="3997080" cy="391320"/>
+            <a:ext cx="3995640" cy="389880"/>
           </a:xfrm>
           <a:prstGeom prst="rect">
             <a:avLst/>
@@ -10579,7 +10617,7 @@
         <p:spPr>
           <a:xfrm>
             <a:off x="4104000" y="1228320"/>
-            <a:ext cx="4872960" cy="3845160"/>
+            <a:ext cx="4871520" cy="3843720"/>
           </a:xfrm>
           <a:prstGeom prst="rect">
             <a:avLst/>
@@ -10618,7 +10656,7 @@
             </a:endParaRPr>
           </a:p>
           <a:p>
-            <a:pPr marL="457200" indent="-352800">
+            <a:pPr marL="457200" indent="-351360">
               <a:lnSpc>
                 <a:spcPct val="150000"/>
               </a:lnSpc>
@@ -10670,7 +10708,7 @@
         <p:spPr>
           <a:xfrm>
             <a:off x="721440" y="1728000"/>
-            <a:ext cx="3236040" cy="1635840"/>
+            <a:ext cx="3234600" cy="1634400"/>
           </a:xfrm>
           <a:prstGeom prst="rect">
             <a:avLst/>
@@ -10689,7 +10727,7 @@
         <p:spPr>
           <a:xfrm>
             <a:off x="1296000" y="2592360"/>
-            <a:ext cx="573480" cy="357480"/>
+            <a:ext cx="572040" cy="356040"/>
           </a:xfrm>
           <a:prstGeom prst="frame">
             <a:avLst>
@@ -10721,7 +10759,7 @@
         <p:spPr>
           <a:xfrm>
             <a:off x="2808000" y="2592360"/>
-            <a:ext cx="573480" cy="357480"/>
+            <a:ext cx="572040" cy="356040"/>
           </a:xfrm>
           <a:prstGeom prst="frame">
             <a:avLst>
@@ -10753,7 +10791,7 @@
         <p:spPr>
           <a:xfrm>
             <a:off x="98280" y="16200"/>
-            <a:ext cx="1052640" cy="1022760"/>
+            <a:ext cx="1051200" cy="1021320"/>
           </a:xfrm>
           <a:prstGeom prst="rect">
             <a:avLst/>
@@ -10851,7 +10889,7 @@
         <p:spPr>
           <a:xfrm>
             <a:off x="98280" y="16200"/>
-            <a:ext cx="8823600" cy="1042200"/>
+            <a:ext cx="8822160" cy="1040760"/>
           </a:xfrm>
           <a:prstGeom prst="rect">
             <a:avLst/>
@@ -10900,7 +10938,7 @@
         <p:spPr>
           <a:xfrm>
             <a:off x="839520" y="4758120"/>
-            <a:ext cx="3997080" cy="391320"/>
+            <a:ext cx="3995640" cy="389880"/>
           </a:xfrm>
           <a:prstGeom prst="rect">
             <a:avLst/>
@@ -10952,7 +10990,7 @@
         <p:spPr>
           <a:xfrm>
             <a:off x="4104000" y="1228320"/>
-            <a:ext cx="4872960" cy="3845160"/>
+            <a:ext cx="4871520" cy="3843720"/>
           </a:xfrm>
           <a:prstGeom prst="rect">
             <a:avLst/>
@@ -10991,7 +11029,7 @@
             </a:endParaRPr>
           </a:p>
           <a:p>
-            <a:pPr marL="457200" indent="-352800">
+            <a:pPr marL="457200" indent="-351360">
               <a:lnSpc>
                 <a:spcPct val="150000"/>
               </a:lnSpc>
@@ -11019,7 +11057,7 @@
             </a:endParaRPr>
           </a:p>
           <a:p>
-            <a:pPr marL="457200" indent="-352800">
+            <a:pPr marL="457200" indent="-351360">
               <a:lnSpc>
                 <a:spcPct val="150000"/>
               </a:lnSpc>
@@ -11068,7 +11106,7 @@
         <p:spPr>
           <a:xfrm>
             <a:off x="721440" y="1728000"/>
-            <a:ext cx="3236040" cy="1635840"/>
+            <a:ext cx="3234600" cy="1634400"/>
           </a:xfrm>
           <a:prstGeom prst="rect">
             <a:avLst/>
@@ -11091,7 +11129,7 @@
         <p:spPr>
           <a:xfrm>
             <a:off x="2113560" y="1964520"/>
-            <a:ext cx="1987920" cy="2569320"/>
+            <a:ext cx="1986480" cy="2567880"/>
           </a:xfrm>
           <a:prstGeom prst="rect">
             <a:avLst/>
@@ -11138,7 +11176,7 @@
         <p:spPr>
           <a:xfrm>
             <a:off x="98280" y="16200"/>
-            <a:ext cx="1052640" cy="1022760"/>
+            <a:ext cx="1051200" cy="1021320"/>
           </a:xfrm>
           <a:prstGeom prst="rect">
             <a:avLst/>
@@ -11236,7 +11274,7 @@
         <p:spPr>
           <a:xfrm>
             <a:off x="98280" y="16200"/>
-            <a:ext cx="8823600" cy="1042200"/>
+            <a:ext cx="8822160" cy="1040760"/>
           </a:xfrm>
           <a:prstGeom prst="rect">
             <a:avLst/>
@@ -11285,7 +11323,7 @@
         <p:spPr>
           <a:xfrm>
             <a:off x="839520" y="4758120"/>
-            <a:ext cx="3997080" cy="391320"/>
+            <a:ext cx="3995640" cy="389880"/>
           </a:xfrm>
           <a:prstGeom prst="rect">
             <a:avLst/>
@@ -11337,7 +11375,7 @@
         <p:spPr>
           <a:xfrm>
             <a:off x="4104000" y="1228320"/>
-            <a:ext cx="4872960" cy="3845160"/>
+            <a:ext cx="4871520" cy="3843720"/>
           </a:xfrm>
           <a:prstGeom prst="rect">
             <a:avLst/>
@@ -11376,7 +11414,7 @@
             </a:endParaRPr>
           </a:p>
           <a:p>
-            <a:pPr marL="457200" indent="-352800">
+            <a:pPr marL="457200" indent="-351360">
               <a:lnSpc>
                 <a:spcPct val="150000"/>
               </a:lnSpc>
@@ -11404,7 +11442,7 @@
             </a:endParaRPr>
           </a:p>
           <a:p>
-            <a:pPr marL="457200" indent="-352800">
+            <a:pPr marL="457200" indent="-351360">
               <a:lnSpc>
                 <a:spcPct val="150000"/>
               </a:lnSpc>
@@ -11429,7 +11467,7 @@
             </a:endParaRPr>
           </a:p>
           <a:p>
-            <a:pPr marL="457200" indent="-352800">
+            <a:pPr marL="457200" indent="-351360">
               <a:lnSpc>
                 <a:spcPct val="150000"/>
               </a:lnSpc>
@@ -11468,7 +11506,7 @@
         <p:spPr>
           <a:xfrm>
             <a:off x="721440" y="1728000"/>
-            <a:ext cx="3236040" cy="1635840"/>
+            <a:ext cx="3234600" cy="1634400"/>
           </a:xfrm>
           <a:prstGeom prst="rect">
             <a:avLst/>
@@ -11487,7 +11525,7 @@
         <p:spPr>
           <a:xfrm>
             <a:off x="98280" y="16200"/>
-            <a:ext cx="1052640" cy="1022760"/>
+            <a:ext cx="1051200" cy="1021320"/>
           </a:xfrm>
           <a:prstGeom prst="rect">
             <a:avLst/>
@@ -11585,7 +11623,7 @@
         <p:spPr>
           <a:xfrm>
             <a:off x="98280" y="16200"/>
-            <a:ext cx="8823600" cy="1042200"/>
+            <a:ext cx="8822160" cy="1040760"/>
           </a:xfrm>
           <a:prstGeom prst="rect">
             <a:avLst/>
@@ -11634,7 +11672,7 @@
         <p:spPr>
           <a:xfrm>
             <a:off x="3744000" y="4680360"/>
-            <a:ext cx="1667880" cy="352800"/>
+            <a:ext cx="1666440" cy="351360"/>
           </a:xfrm>
           <a:prstGeom prst="rect">
             <a:avLst/>
@@ -11690,7 +11728,7 @@
         <p:spPr>
           <a:xfrm>
             <a:off x="1656000" y="1190160"/>
-            <a:ext cx="5829480" cy="3631680"/>
+            <a:ext cx="5828040" cy="3630240"/>
           </a:xfrm>
           <a:prstGeom prst="rect">
             <a:avLst/>
@@ -11709,7 +11747,7 @@
         <p:spPr>
           <a:xfrm>
             <a:off x="98280" y="16200"/>
-            <a:ext cx="1052640" cy="1022760"/>
+            <a:ext cx="1051200" cy="1021320"/>
           </a:xfrm>
           <a:prstGeom prst="rect">
             <a:avLst/>
@@ -11807,7 +11845,7 @@
         <p:spPr>
           <a:xfrm>
             <a:off x="98280" y="16200"/>
-            <a:ext cx="8823600" cy="1042200"/>
+            <a:ext cx="8822160" cy="1040760"/>
           </a:xfrm>
           <a:prstGeom prst="rect">
             <a:avLst/>
@@ -11856,7 +11894,7 @@
         <p:spPr>
           <a:xfrm>
             <a:off x="3456000" y="4685040"/>
-            <a:ext cx="2877480" cy="352800"/>
+            <a:ext cx="2876040" cy="351360"/>
           </a:xfrm>
           <a:prstGeom prst="rect">
             <a:avLst/>
@@ -11912,7 +11950,7 @@
         <p:spPr>
           <a:xfrm>
             <a:off x="1656000" y="1190160"/>
-            <a:ext cx="5829480" cy="3631680"/>
+            <a:ext cx="5828040" cy="3630240"/>
           </a:xfrm>
           <a:prstGeom prst="rect">
             <a:avLst/>
@@ -11935,7 +11973,7 @@
         <p:spPr>
           <a:xfrm>
             <a:off x="1656000" y="1152000"/>
-            <a:ext cx="5829480" cy="3669840"/>
+            <a:ext cx="5828040" cy="3668400"/>
           </a:xfrm>
           <a:prstGeom prst="rect">
             <a:avLst/>
@@ -11954,7 +11992,7 @@
         <p:spPr>
           <a:xfrm>
             <a:off x="98280" y="16200"/>
-            <a:ext cx="1052640" cy="1022760"/>
+            <a:ext cx="1051200" cy="1021320"/>
           </a:xfrm>
           <a:prstGeom prst="rect">
             <a:avLst/>
@@ -12052,7 +12090,7 @@
         <p:spPr>
           <a:xfrm>
             <a:off x="98280" y="16200"/>
-            <a:ext cx="8823600" cy="1042200"/>
+            <a:ext cx="8822160" cy="1040760"/>
           </a:xfrm>
           <a:prstGeom prst="rect">
             <a:avLst/>
@@ -12101,7 +12139,7 @@
         <p:spPr>
           <a:xfrm>
             <a:off x="1713600" y="4685040"/>
-            <a:ext cx="1667880" cy="352800"/>
+            <a:ext cx="1666440" cy="351360"/>
           </a:xfrm>
           <a:prstGeom prst="rect">
             <a:avLst/>
@@ -12153,7 +12191,7 @@
         <p:spPr>
           <a:xfrm>
             <a:off x="5047200" y="1228320"/>
-            <a:ext cx="3929400" cy="3845160"/>
+            <a:ext cx="3927960" cy="3843720"/>
           </a:xfrm>
           <a:prstGeom prst="rect">
             <a:avLst/>
@@ -12219,7 +12257,7 @@
         <p:spPr>
           <a:xfrm>
             <a:off x="72000" y="1440000"/>
-            <a:ext cx="4893480" cy="3127680"/>
+            <a:ext cx="4892040" cy="3126240"/>
           </a:xfrm>
           <a:prstGeom prst="rect">
             <a:avLst/>
@@ -12238,7 +12276,7 @@
         <p:spPr>
           <a:xfrm>
             <a:off x="98280" y="16200"/>
-            <a:ext cx="1052640" cy="1022760"/>
+            <a:ext cx="1051200" cy="1021320"/>
           </a:xfrm>
           <a:prstGeom prst="rect">
             <a:avLst/>
@@ -12336,7 +12374,7 @@
         <p:spPr>
           <a:xfrm>
             <a:off x="98280" y="16200"/>
-            <a:ext cx="8823600" cy="1042200"/>
+            <a:ext cx="8822160" cy="1040760"/>
           </a:xfrm>
           <a:prstGeom prst="rect">
             <a:avLst/>
@@ -12385,7 +12423,7 @@
         <p:spPr>
           <a:xfrm>
             <a:off x="1713600" y="4685040"/>
-            <a:ext cx="1667880" cy="352800"/>
+            <a:ext cx="1666440" cy="351360"/>
           </a:xfrm>
           <a:prstGeom prst="rect">
             <a:avLst/>
@@ -12437,7 +12475,7 @@
         <p:spPr>
           <a:xfrm>
             <a:off x="5047200" y="1228320"/>
-            <a:ext cx="3929400" cy="3845160"/>
+            <a:ext cx="3927960" cy="3843720"/>
           </a:xfrm>
           <a:prstGeom prst="rect">
             <a:avLst/>
@@ -12476,7 +12514,7 @@
             </a:endParaRPr>
           </a:p>
           <a:p>
-            <a:pPr marL="457200" indent="-352800">
+            <a:pPr marL="457200" indent="-351360">
               <a:lnSpc>
                 <a:spcPct val="150000"/>
               </a:lnSpc>
@@ -12528,7 +12566,7 @@
         <p:spPr>
           <a:xfrm>
             <a:off x="72000" y="1440000"/>
-            <a:ext cx="4893480" cy="3127680"/>
+            <a:ext cx="4892040" cy="3126240"/>
           </a:xfrm>
           <a:prstGeom prst="rect">
             <a:avLst/>
@@ -12547,7 +12585,7 @@
         <p:spPr>
           <a:xfrm>
             <a:off x="144000" y="2016000"/>
-            <a:ext cx="4821480" cy="501480"/>
+            <a:ext cx="4820040" cy="500040"/>
           </a:xfrm>
           <a:prstGeom prst="frame">
             <a:avLst>
@@ -12579,7 +12617,7 @@
         <p:spPr>
           <a:xfrm>
             <a:off x="98280" y="16200"/>
-            <a:ext cx="1052640" cy="1022760"/>
+            <a:ext cx="1051200" cy="1021320"/>
           </a:xfrm>
           <a:prstGeom prst="rect">
             <a:avLst/>
@@ -12677,7 +12715,7 @@
         <p:spPr>
           <a:xfrm>
             <a:off x="98280" y="16200"/>
-            <a:ext cx="8823600" cy="1042200"/>
+            <a:ext cx="8822160" cy="1040760"/>
           </a:xfrm>
           <a:prstGeom prst="rect">
             <a:avLst/>
@@ -12726,7 +12764,7 @@
         <p:spPr>
           <a:xfrm>
             <a:off x="1713600" y="4685040"/>
-            <a:ext cx="1667880" cy="352800"/>
+            <a:ext cx="1666440" cy="351360"/>
           </a:xfrm>
           <a:prstGeom prst="rect">
             <a:avLst/>
@@ -12778,7 +12816,7 @@
         <p:spPr>
           <a:xfrm>
             <a:off x="5047200" y="1228320"/>
-            <a:ext cx="3929400" cy="3845160"/>
+            <a:ext cx="3927960" cy="3843720"/>
           </a:xfrm>
           <a:prstGeom prst="rect">
             <a:avLst/>
@@ -12817,7 +12855,7 @@
             </a:endParaRPr>
           </a:p>
           <a:p>
-            <a:pPr marL="457200" indent="-352800">
+            <a:pPr marL="457200" indent="-351360">
               <a:lnSpc>
                 <a:spcPct val="150000"/>
               </a:lnSpc>
@@ -12845,7 +12883,7 @@
             </a:endParaRPr>
           </a:p>
           <a:p>
-            <a:pPr marL="457200" indent="-352800">
+            <a:pPr marL="457200" indent="-351360">
               <a:lnSpc>
                 <a:spcPct val="150000"/>
               </a:lnSpc>
@@ -12894,7 +12932,7 @@
         <p:spPr>
           <a:xfrm>
             <a:off x="72000" y="1440000"/>
-            <a:ext cx="4893480" cy="3127680"/>
+            <a:ext cx="4892040" cy="3126240"/>
           </a:xfrm>
           <a:prstGeom prst="rect">
             <a:avLst/>
@@ -12913,7 +12951,7 @@
         <p:spPr>
           <a:xfrm>
             <a:off x="864000" y="2376000"/>
-            <a:ext cx="3381480" cy="429480"/>
+            <a:ext cx="3380040" cy="428040"/>
           </a:xfrm>
           <a:prstGeom prst="frame">
             <a:avLst>
@@ -12945,7 +12983,7 @@
         <p:spPr>
           <a:xfrm>
             <a:off x="98280" y="16200"/>
-            <a:ext cx="1052640" cy="1022760"/>
+            <a:ext cx="1051200" cy="1021320"/>
           </a:xfrm>
           <a:prstGeom prst="rect">
             <a:avLst/>
@@ -13043,7 +13081,7 @@
         <p:spPr>
           <a:xfrm>
             <a:off x="98280" y="16200"/>
-            <a:ext cx="8823600" cy="1042200"/>
+            <a:ext cx="8822160" cy="1040760"/>
           </a:xfrm>
           <a:prstGeom prst="rect">
             <a:avLst/>
@@ -13092,7 +13130,7 @@
         <p:spPr>
           <a:xfrm>
             <a:off x="1713600" y="4685040"/>
-            <a:ext cx="1667880" cy="352800"/>
+            <a:ext cx="1666440" cy="351360"/>
           </a:xfrm>
           <a:prstGeom prst="rect">
             <a:avLst/>
@@ -13144,7 +13182,7 @@
         <p:spPr>
           <a:xfrm>
             <a:off x="5047200" y="1228320"/>
-            <a:ext cx="3929400" cy="3845160"/>
+            <a:ext cx="3927960" cy="3843720"/>
           </a:xfrm>
           <a:prstGeom prst="rect">
             <a:avLst/>
@@ -13183,7 +13221,7 @@
             </a:endParaRPr>
           </a:p>
           <a:p>
-            <a:pPr marL="457200" indent="-352800">
+            <a:pPr marL="457200" indent="-351360">
               <a:lnSpc>
                 <a:spcPct val="150000"/>
               </a:lnSpc>
@@ -13211,7 +13249,7 @@
             </a:endParaRPr>
           </a:p>
           <a:p>
-            <a:pPr marL="457200" indent="-352800">
+            <a:pPr marL="457200" indent="-351360">
               <a:lnSpc>
                 <a:spcPct val="150000"/>
               </a:lnSpc>
@@ -13236,7 +13274,7 @@
             </a:endParaRPr>
           </a:p>
           <a:p>
-            <a:pPr marL="457200" indent="-352800">
+            <a:pPr marL="457200" indent="-351360">
               <a:lnSpc>
                 <a:spcPct val="150000"/>
               </a:lnSpc>
@@ -13285,7 +13323,7 @@
         <p:spPr>
           <a:xfrm>
             <a:off x="72000" y="1440000"/>
-            <a:ext cx="4893480" cy="3127680"/>
+            <a:ext cx="4892040" cy="3126240"/>
           </a:xfrm>
           <a:prstGeom prst="rect">
             <a:avLst/>
@@ -13304,7 +13342,7 @@
         <p:spPr>
           <a:xfrm>
             <a:off x="0" y="2520000"/>
-            <a:ext cx="5114880" cy="1509840"/>
+            <a:ext cx="5113440" cy="1508400"/>
           </a:xfrm>
           <a:prstGeom prst="frame">
             <a:avLst>
@@ -13336,7 +13374,7 @@
         <p:spPr>
           <a:xfrm>
             <a:off x="98280" y="16200"/>
-            <a:ext cx="1052640" cy="1022760"/>
+            <a:ext cx="1051200" cy="1021320"/>
           </a:xfrm>
           <a:prstGeom prst="rect">
             <a:avLst/>
@@ -13434,7 +13472,7 @@
         <p:spPr>
           <a:xfrm>
             <a:off x="98280" y="16200"/>
-            <a:ext cx="8823600" cy="1022760"/>
+            <a:ext cx="8822160" cy="1021320"/>
           </a:xfrm>
           <a:prstGeom prst="rect">
             <a:avLst/>
@@ -13483,7 +13521,7 @@
         <p:spPr>
           <a:xfrm>
             <a:off x="788760" y="949320"/>
-            <a:ext cx="8064720" cy="4088880"/>
+            <a:ext cx="8063280" cy="4087440"/>
           </a:xfrm>
           <a:prstGeom prst="rect">
             <a:avLst/>
@@ -13644,7 +13682,7 @@
         <p:spPr>
           <a:xfrm>
             <a:off x="6004440" y="2808000"/>
-            <a:ext cx="1697760" cy="1035000"/>
+            <a:ext cx="1696320" cy="1033560"/>
           </a:xfrm>
           <a:prstGeom prst="rect">
             <a:avLst/>
@@ -13663,7 +13701,7 @@
         <p:spPr>
           <a:xfrm>
             <a:off x="98280" y="16200"/>
-            <a:ext cx="1052640" cy="1022760"/>
+            <a:ext cx="1051200" cy="1021320"/>
           </a:xfrm>
           <a:prstGeom prst="rect">
             <a:avLst/>
@@ -13768,7 +13806,7 @@
         <p:spPr>
           <a:xfrm>
             <a:off x="98280" y="16200"/>
-            <a:ext cx="8823600" cy="1042200"/>
+            <a:ext cx="8822160" cy="1040760"/>
           </a:xfrm>
           <a:prstGeom prst="rect">
             <a:avLst/>
@@ -13817,7 +13855,7 @@
         <p:spPr>
           <a:xfrm>
             <a:off x="1713600" y="4685040"/>
-            <a:ext cx="1667880" cy="352800"/>
+            <a:ext cx="1666440" cy="351360"/>
           </a:xfrm>
           <a:prstGeom prst="rect">
             <a:avLst/>
@@ -13869,7 +13907,7 @@
         <p:spPr>
           <a:xfrm>
             <a:off x="5047200" y="1228320"/>
-            <a:ext cx="3929400" cy="3845160"/>
+            <a:ext cx="3927960" cy="3843720"/>
           </a:xfrm>
           <a:prstGeom prst="rect">
             <a:avLst/>
@@ -13908,7 +13946,7 @@
             </a:endParaRPr>
           </a:p>
           <a:p>
-            <a:pPr marL="457200" indent="-352800">
+            <a:pPr marL="457200" indent="-351360">
               <a:lnSpc>
                 <a:spcPct val="150000"/>
               </a:lnSpc>
@@ -13936,7 +13974,7 @@
             </a:endParaRPr>
           </a:p>
           <a:p>
-            <a:pPr marL="457200" indent="-352800">
+            <a:pPr marL="457200" indent="-351360">
               <a:lnSpc>
                 <a:spcPct val="150000"/>
               </a:lnSpc>
@@ -13961,7 +13999,7 @@
             </a:endParaRPr>
           </a:p>
           <a:p>
-            <a:pPr marL="457200" indent="-352800">
+            <a:pPr marL="457200" indent="-351360">
               <a:lnSpc>
                 <a:spcPct val="150000"/>
               </a:lnSpc>
@@ -13986,7 +14024,7 @@
             </a:endParaRPr>
           </a:p>
           <a:p>
-            <a:pPr marL="457200" indent="-352800">
+            <a:pPr marL="457200" indent="-351360">
               <a:lnSpc>
                 <a:spcPct val="150000"/>
               </a:lnSpc>
@@ -14025,7 +14063,7 @@
         <p:spPr>
           <a:xfrm>
             <a:off x="72000" y="1440000"/>
-            <a:ext cx="4893480" cy="3127680"/>
+            <a:ext cx="4892040" cy="3126240"/>
           </a:xfrm>
           <a:prstGeom prst="rect">
             <a:avLst/>
@@ -14044,7 +14082,7 @@
         <p:spPr>
           <a:xfrm>
             <a:off x="98280" y="16200"/>
-            <a:ext cx="1052640" cy="1022760"/>
+            <a:ext cx="1051200" cy="1021320"/>
           </a:xfrm>
           <a:prstGeom prst="rect">
             <a:avLst/>
@@ -14142,7 +14180,7 @@
         <p:spPr>
           <a:xfrm>
             <a:off x="98280" y="16200"/>
-            <a:ext cx="8823600" cy="1022760"/>
+            <a:ext cx="8822160" cy="1021320"/>
           </a:xfrm>
           <a:prstGeom prst="rect">
             <a:avLst/>
@@ -14195,7 +14233,7 @@
         <p:spPr>
           <a:xfrm>
             <a:off x="3337200" y="1117440"/>
-            <a:ext cx="2466720" cy="3710160"/>
+            <a:ext cx="2465280" cy="3708720"/>
           </a:xfrm>
           <a:prstGeom prst="rect">
             <a:avLst/>
@@ -14214,7 +14252,7 @@
         <p:spPr>
           <a:xfrm>
             <a:off x="3691800" y="4778640"/>
-            <a:ext cx="1757160" cy="362520"/>
+            <a:ext cx="1755720" cy="361080"/>
           </a:xfrm>
           <a:prstGeom prst="rect">
             <a:avLst/>
@@ -14266,7 +14304,7 @@
         <p:spPr>
           <a:xfrm>
             <a:off x="98280" y="16200"/>
-            <a:ext cx="1052640" cy="1022760"/>
+            <a:ext cx="1051200" cy="1021320"/>
           </a:xfrm>
           <a:prstGeom prst="rect">
             <a:avLst/>
@@ -14364,7 +14402,7 @@
         <p:spPr>
           <a:xfrm>
             <a:off x="98280" y="16200"/>
-            <a:ext cx="8823600" cy="1022760"/>
+            <a:ext cx="8822160" cy="1021320"/>
           </a:xfrm>
           <a:prstGeom prst="rect">
             <a:avLst/>
@@ -14417,7 +14455,7 @@
         <p:spPr>
           <a:xfrm>
             <a:off x="642600" y="1127160"/>
-            <a:ext cx="2466720" cy="3710160"/>
+            <a:ext cx="2465280" cy="3708720"/>
           </a:xfrm>
           <a:prstGeom prst="rect">
             <a:avLst/>
@@ -14436,7 +14474,7 @@
         <p:spPr>
           <a:xfrm>
             <a:off x="997560" y="4778640"/>
-            <a:ext cx="1757160" cy="362520"/>
+            <a:ext cx="1755720" cy="361080"/>
           </a:xfrm>
           <a:prstGeom prst="rect">
             <a:avLst/>
@@ -14488,7 +14526,7 @@
         <p:spPr>
           <a:xfrm>
             <a:off x="3336120" y="1228320"/>
-            <a:ext cx="5640480" cy="3845160"/>
+            <a:ext cx="5639040" cy="3843720"/>
           </a:xfrm>
           <a:prstGeom prst="rect">
             <a:avLst/>
@@ -14550,7 +14588,7 @@
         <p:spPr>
           <a:xfrm>
             <a:off x="98280" y="16200"/>
-            <a:ext cx="1052640" cy="1022760"/>
+            <a:ext cx="1051200" cy="1021320"/>
           </a:xfrm>
           <a:prstGeom prst="rect">
             <a:avLst/>
@@ -14648,7 +14686,7 @@
         <p:spPr>
           <a:xfrm>
             <a:off x="98280" y="16200"/>
-            <a:ext cx="8823600" cy="1022760"/>
+            <a:ext cx="8822160" cy="1021320"/>
           </a:xfrm>
           <a:prstGeom prst="rect">
             <a:avLst/>
@@ -14701,7 +14739,7 @@
         <p:spPr>
           <a:xfrm>
             <a:off x="642600" y="1127160"/>
-            <a:ext cx="2466720" cy="3710160"/>
+            <a:ext cx="2465280" cy="3708720"/>
           </a:xfrm>
           <a:prstGeom prst="rect">
             <a:avLst/>
@@ -14720,7 +14758,7 @@
         <p:spPr>
           <a:xfrm>
             <a:off x="997560" y="4778640"/>
-            <a:ext cx="1757160" cy="362520"/>
+            <a:ext cx="1755720" cy="361080"/>
           </a:xfrm>
           <a:prstGeom prst="rect">
             <a:avLst/>
@@ -14772,7 +14810,7 @@
         <p:spPr>
           <a:xfrm>
             <a:off x="3336120" y="1228320"/>
-            <a:ext cx="5640480" cy="3845160"/>
+            <a:ext cx="5639040" cy="3843720"/>
           </a:xfrm>
           <a:prstGeom prst="rect">
             <a:avLst/>
@@ -14811,7 +14849,7 @@
             </a:endParaRPr>
           </a:p>
           <a:p>
-            <a:pPr marL="457200" indent="-352800">
+            <a:pPr marL="457200" indent="-351360">
               <a:lnSpc>
                 <a:spcPct val="150000"/>
               </a:lnSpc>
@@ -14858,8 +14896,8 @@
         </p:nvSpPr>
         <p:spPr>
           <a:xfrm flipH="1">
-            <a:off x="141120" y="2250720"/>
-            <a:ext cx="752040" cy="554760"/>
+            <a:off x="139680" y="2250720"/>
+            <a:ext cx="750600" cy="553320"/>
           </a:xfrm>
           <a:prstGeom prst="leftArrow">
             <a:avLst>
@@ -14892,8 +14930,8 @@
         </p:nvSpPr>
         <p:spPr>
           <a:xfrm flipH="1">
-            <a:off x="141120" y="3240360"/>
-            <a:ext cx="752040" cy="554760"/>
+            <a:off x="139680" y="3240360"/>
+            <a:ext cx="750600" cy="553320"/>
           </a:xfrm>
           <a:prstGeom prst="leftArrow">
             <a:avLst>
@@ -14926,8 +14964,8 @@
         </p:nvSpPr>
         <p:spPr>
           <a:xfrm flipH="1">
-            <a:off x="141120" y="3907080"/>
-            <a:ext cx="752040" cy="554760"/>
+            <a:off x="139680" y="3907080"/>
+            <a:ext cx="750600" cy="553320"/>
           </a:xfrm>
           <a:prstGeom prst="leftArrow">
             <a:avLst>
@@ -14961,7 +14999,7 @@
         <p:spPr>
           <a:xfrm>
             <a:off x="98280" y="16200"/>
-            <a:ext cx="1052640" cy="1022760"/>
+            <a:ext cx="1051200" cy="1021320"/>
           </a:xfrm>
           <a:prstGeom prst="rect">
             <a:avLst/>
@@ -15059,7 +15097,7 @@
         <p:spPr>
           <a:xfrm>
             <a:off x="98280" y="16200"/>
-            <a:ext cx="8823600" cy="1022760"/>
+            <a:ext cx="8822160" cy="1021320"/>
           </a:xfrm>
           <a:prstGeom prst="rect">
             <a:avLst/>
@@ -15112,7 +15150,7 @@
         <p:spPr>
           <a:xfrm>
             <a:off x="642600" y="1127160"/>
-            <a:ext cx="2466720" cy="3710160"/>
+            <a:ext cx="2465280" cy="3708720"/>
           </a:xfrm>
           <a:prstGeom prst="rect">
             <a:avLst/>
@@ -15131,7 +15169,7 @@
         <p:spPr>
           <a:xfrm>
             <a:off x="997560" y="4778640"/>
-            <a:ext cx="1757160" cy="362520"/>
+            <a:ext cx="1755720" cy="361080"/>
           </a:xfrm>
           <a:prstGeom prst="rect">
             <a:avLst/>
@@ -15183,7 +15221,7 @@
         <p:spPr>
           <a:xfrm>
             <a:off x="3336120" y="1228320"/>
-            <a:ext cx="5640480" cy="3845160"/>
+            <a:ext cx="5639040" cy="3843720"/>
           </a:xfrm>
           <a:prstGeom prst="rect">
             <a:avLst/>
@@ -15222,7 +15260,7 @@
             </a:endParaRPr>
           </a:p>
           <a:p>
-            <a:pPr marL="457200" indent="-352800">
+            <a:pPr marL="457200" indent="-351360">
               <a:lnSpc>
                 <a:spcPct val="150000"/>
               </a:lnSpc>
@@ -15250,7 +15288,7 @@
             </a:endParaRPr>
           </a:p>
           <a:p>
-            <a:pPr marL="457200" indent="-352800">
+            <a:pPr marL="457200" indent="-351360">
               <a:lnSpc>
                 <a:spcPct val="150000"/>
               </a:lnSpc>
@@ -15295,7 +15333,7 @@
         <p:spPr>
           <a:xfrm>
             <a:off x="720000" y="1944000"/>
-            <a:ext cx="717480" cy="573480"/>
+            <a:ext cx="716040" cy="572040"/>
           </a:xfrm>
           <a:prstGeom prst="frame">
             <a:avLst>
@@ -15327,7 +15365,7 @@
         <p:spPr>
           <a:xfrm>
             <a:off x="1440360" y="1944360"/>
-            <a:ext cx="717480" cy="573480"/>
+            <a:ext cx="716040" cy="572040"/>
           </a:xfrm>
           <a:prstGeom prst="frame">
             <a:avLst>
@@ -15359,7 +15397,7 @@
         <p:spPr>
           <a:xfrm>
             <a:off x="2232000" y="1944000"/>
-            <a:ext cx="717480" cy="573480"/>
+            <a:ext cx="716040" cy="572040"/>
           </a:xfrm>
           <a:prstGeom prst="frame">
             <a:avLst>
@@ -15391,7 +15429,7 @@
         <p:spPr>
           <a:xfrm>
             <a:off x="720000" y="2520360"/>
-            <a:ext cx="717480" cy="573480"/>
+            <a:ext cx="716040" cy="572040"/>
           </a:xfrm>
           <a:prstGeom prst="frame">
             <a:avLst>
@@ -15423,7 +15461,7 @@
         <p:spPr>
           <a:xfrm>
             <a:off x="720000" y="3240360"/>
-            <a:ext cx="717480" cy="573480"/>
+            <a:ext cx="716040" cy="572040"/>
           </a:xfrm>
           <a:prstGeom prst="frame">
             <a:avLst>
@@ -15455,7 +15493,7 @@
         <p:spPr>
           <a:xfrm>
             <a:off x="1440000" y="3240360"/>
-            <a:ext cx="717480" cy="573480"/>
+            <a:ext cx="716040" cy="572040"/>
           </a:xfrm>
           <a:prstGeom prst="frame">
             <a:avLst>
@@ -15487,7 +15525,7 @@
         <p:spPr>
           <a:xfrm>
             <a:off x="720000" y="3888360"/>
-            <a:ext cx="717480" cy="573480"/>
+            <a:ext cx="716040" cy="572040"/>
           </a:xfrm>
           <a:prstGeom prst="frame">
             <a:avLst>
@@ -15519,7 +15557,7 @@
         <p:spPr>
           <a:xfrm>
             <a:off x="1440000" y="3888360"/>
-            <a:ext cx="717480" cy="573480"/>
+            <a:ext cx="716040" cy="572040"/>
           </a:xfrm>
           <a:prstGeom prst="frame">
             <a:avLst>
@@ -15551,7 +15589,7 @@
         <p:spPr>
           <a:xfrm>
             <a:off x="98280" y="16200"/>
-            <a:ext cx="1052640" cy="1022760"/>
+            <a:ext cx="1051200" cy="1021320"/>
           </a:xfrm>
           <a:prstGeom prst="rect">
             <a:avLst/>
@@ -15649,7 +15687,7 @@
         <p:spPr>
           <a:xfrm>
             <a:off x="98280" y="16200"/>
-            <a:ext cx="8823600" cy="1022760"/>
+            <a:ext cx="8822160" cy="1021320"/>
           </a:xfrm>
           <a:prstGeom prst="rect">
             <a:avLst/>
@@ -15702,7 +15740,7 @@
         <p:spPr>
           <a:xfrm>
             <a:off x="642600" y="1127160"/>
-            <a:ext cx="2466720" cy="3710160"/>
+            <a:ext cx="2465280" cy="3708720"/>
           </a:xfrm>
           <a:prstGeom prst="rect">
             <a:avLst/>
@@ -15721,7 +15759,7 @@
         <p:spPr>
           <a:xfrm>
             <a:off x="997560" y="4778640"/>
-            <a:ext cx="1757160" cy="362520"/>
+            <a:ext cx="1755720" cy="361080"/>
           </a:xfrm>
           <a:prstGeom prst="rect">
             <a:avLst/>
@@ -15773,7 +15811,7 @@
         <p:spPr>
           <a:xfrm>
             <a:off x="3336120" y="1228320"/>
-            <a:ext cx="5640480" cy="3845160"/>
+            <a:ext cx="5639040" cy="3843720"/>
           </a:xfrm>
           <a:prstGeom prst="rect">
             <a:avLst/>
@@ -15812,7 +15850,7 @@
             </a:endParaRPr>
           </a:p>
           <a:p>
-            <a:pPr marL="457200" indent="-352800">
+            <a:pPr marL="457200" indent="-351360">
               <a:lnSpc>
                 <a:spcPct val="150000"/>
               </a:lnSpc>
@@ -15840,7 +15878,7 @@
             </a:endParaRPr>
           </a:p>
           <a:p>
-            <a:pPr marL="457200" indent="-352800">
+            <a:pPr marL="457200" indent="-351360">
               <a:lnSpc>
                 <a:spcPct val="150000"/>
               </a:lnSpc>
@@ -15865,7 +15903,7 @@
             </a:endParaRPr>
           </a:p>
           <a:p>
-            <a:pPr marL="457200" indent="-352800">
+            <a:pPr marL="457200" indent="-351360">
               <a:lnSpc>
                 <a:spcPct val="150000"/>
               </a:lnSpc>
@@ -15910,7 +15948,7 @@
         <p:spPr>
           <a:xfrm>
             <a:off x="2304000" y="4104360"/>
-            <a:ext cx="573480" cy="573480"/>
+            <a:ext cx="572040" cy="572040"/>
           </a:xfrm>
           <a:custGeom>
             <a:avLst/>
@@ -15971,7 +16009,7 @@
         <p:spPr>
           <a:xfrm>
             <a:off x="98280" y="16200"/>
-            <a:ext cx="1052640" cy="1022760"/>
+            <a:ext cx="1051200" cy="1021320"/>
           </a:xfrm>
           <a:prstGeom prst="rect">
             <a:avLst/>
@@ -16069,7 +16107,7 @@
         <p:spPr>
           <a:xfrm>
             <a:off x="98280" y="16200"/>
-            <a:ext cx="8823600" cy="1022760"/>
+            <a:ext cx="8822160" cy="1021320"/>
           </a:xfrm>
           <a:prstGeom prst="rect">
             <a:avLst/>
@@ -16122,7 +16160,7 @@
         <p:spPr>
           <a:xfrm>
             <a:off x="642600" y="1127160"/>
-            <a:ext cx="2466720" cy="3710160"/>
+            <a:ext cx="2465280" cy="3708720"/>
           </a:xfrm>
           <a:prstGeom prst="rect">
             <a:avLst/>
@@ -16141,7 +16179,7 @@
         <p:spPr>
           <a:xfrm>
             <a:off x="997560" y="4778640"/>
-            <a:ext cx="1757160" cy="362520"/>
+            <a:ext cx="1755720" cy="361080"/>
           </a:xfrm>
           <a:prstGeom prst="rect">
             <a:avLst/>
@@ -16193,7 +16231,7 @@
         <p:spPr>
           <a:xfrm>
             <a:off x="3336120" y="1228320"/>
-            <a:ext cx="5640480" cy="3845160"/>
+            <a:ext cx="5639040" cy="3843720"/>
           </a:xfrm>
           <a:prstGeom prst="rect">
             <a:avLst/>
@@ -16232,7 +16270,7 @@
             </a:endParaRPr>
           </a:p>
           <a:p>
-            <a:pPr marL="457200" indent="-352800">
+            <a:pPr marL="457200" indent="-351360">
               <a:lnSpc>
                 <a:spcPct val="150000"/>
               </a:lnSpc>
@@ -16260,7 +16298,7 @@
             </a:endParaRPr>
           </a:p>
           <a:p>
-            <a:pPr marL="457200" indent="-352800">
+            <a:pPr marL="457200" indent="-351360">
               <a:lnSpc>
                 <a:spcPct val="150000"/>
               </a:lnSpc>
@@ -16285,7 +16323,7 @@
             </a:endParaRPr>
           </a:p>
           <a:p>
-            <a:pPr marL="457200" indent="-352800">
+            <a:pPr marL="457200" indent="-351360">
               <a:lnSpc>
                 <a:spcPct val="150000"/>
               </a:lnSpc>
@@ -16310,7 +16348,7 @@
             </a:endParaRPr>
           </a:p>
           <a:p>
-            <a:pPr marL="457200" indent="-352800">
+            <a:pPr marL="457200" indent="-351360">
               <a:lnSpc>
                 <a:spcPct val="150000"/>
               </a:lnSpc>
@@ -16349,7 +16387,7 @@
         <p:spPr>
           <a:xfrm>
             <a:off x="1544760" y="2687400"/>
-            <a:ext cx="1476720" cy="1198440"/>
+            <a:ext cx="1475280" cy="1197000"/>
           </a:xfrm>
           <a:prstGeom prst="rect">
             <a:avLst/>
@@ -16396,7 +16434,7 @@
         <p:spPr>
           <a:xfrm>
             <a:off x="1728000" y="3600360"/>
-            <a:ext cx="1077480" cy="213480"/>
+            <a:ext cx="1076040" cy="212040"/>
           </a:xfrm>
           <a:prstGeom prst="frame">
             <a:avLst>
@@ -16428,7 +16466,7 @@
         <p:spPr>
           <a:xfrm>
             <a:off x="98280" y="16200"/>
-            <a:ext cx="1052640" cy="1022760"/>
+            <a:ext cx="1051200" cy="1021320"/>
           </a:xfrm>
           <a:prstGeom prst="rect">
             <a:avLst/>
@@ -16526,7 +16564,7 @@
         <p:spPr>
           <a:xfrm>
             <a:off x="98280" y="16200"/>
-            <a:ext cx="8823600" cy="1003680"/>
+            <a:ext cx="8822160" cy="1002240"/>
           </a:xfrm>
           <a:prstGeom prst="rect">
             <a:avLst/>
@@ -16579,7 +16617,7 @@
         <p:spPr>
           <a:xfrm>
             <a:off x="2241000" y="1154520"/>
-            <a:ext cx="4582080" cy="3649680"/>
+            <a:ext cx="4580640" cy="3648240"/>
           </a:xfrm>
           <a:prstGeom prst="rect">
             <a:avLst/>
@@ -16598,7 +16636,7 @@
         <p:spPr>
           <a:xfrm>
             <a:off x="2192400" y="4759920"/>
-            <a:ext cx="4756320" cy="381240"/>
+            <a:ext cx="4754880" cy="379800"/>
           </a:xfrm>
           <a:prstGeom prst="rect">
             <a:avLst/>
@@ -16654,7 +16692,7 @@
         <p:spPr>
           <a:xfrm>
             <a:off x="2241000" y="1154520"/>
-            <a:ext cx="4582080" cy="3649680"/>
+            <a:ext cx="4580640" cy="3648240"/>
           </a:xfrm>
           <a:prstGeom prst="rect">
             <a:avLst/>
@@ -16673,7 +16711,7 @@
         <p:spPr>
           <a:xfrm>
             <a:off x="98280" y="16200"/>
-            <a:ext cx="1052640" cy="1022760"/>
+            <a:ext cx="1051200" cy="1021320"/>
           </a:xfrm>
           <a:prstGeom prst="rect">
             <a:avLst/>
@@ -16771,7 +16809,7 @@
         <p:spPr>
           <a:xfrm>
             <a:off x="98280" y="16200"/>
-            <a:ext cx="8823600" cy="1003680"/>
+            <a:ext cx="8822160" cy="1002240"/>
           </a:xfrm>
           <a:prstGeom prst="rect">
             <a:avLst/>
@@ -16820,7 +16858,7 @@
         <p:spPr>
           <a:xfrm>
             <a:off x="2192400" y="4759920"/>
-            <a:ext cx="4756320" cy="381240"/>
+            <a:ext cx="4754880" cy="379800"/>
           </a:xfrm>
           <a:prstGeom prst="rect">
             <a:avLst/>
@@ -16876,7 +16914,7 @@
         <p:spPr>
           <a:xfrm>
             <a:off x="2239920" y="1147320"/>
-            <a:ext cx="4608360" cy="3664080"/>
+            <a:ext cx="4606920" cy="3662640"/>
           </a:xfrm>
           <a:prstGeom prst="rect">
             <a:avLst/>
@@ -16899,7 +16937,7 @@
         <p:spPr>
           <a:xfrm>
             <a:off x="2239920" y="1147320"/>
-            <a:ext cx="4608360" cy="3664080"/>
+            <a:ext cx="4606920" cy="3662640"/>
           </a:xfrm>
           <a:prstGeom prst="rect">
             <a:avLst/>
@@ -16918,7 +16956,7 @@
         <p:spPr>
           <a:xfrm>
             <a:off x="98280" y="16200"/>
-            <a:ext cx="1052640" cy="1022760"/>
+            <a:ext cx="1051200" cy="1021320"/>
           </a:xfrm>
           <a:prstGeom prst="rect">
             <a:avLst/>
@@ -17016,7 +17054,7 @@
         <p:spPr>
           <a:xfrm>
             <a:off x="98280" y="16200"/>
-            <a:ext cx="8823600" cy="1003680"/>
+            <a:ext cx="8822160" cy="1002240"/>
           </a:xfrm>
           <a:prstGeom prst="rect">
             <a:avLst/>
@@ -17065,7 +17103,7 @@
         <p:spPr>
           <a:xfrm>
             <a:off x="98280" y="4759920"/>
-            <a:ext cx="4756320" cy="381240"/>
+            <a:ext cx="4754880" cy="379800"/>
           </a:xfrm>
           <a:prstGeom prst="rect">
             <a:avLst/>
@@ -17121,7 +17159,7 @@
         <p:spPr>
           <a:xfrm>
             <a:off x="249840" y="1157040"/>
-            <a:ext cx="4608360" cy="3664080"/>
+            <a:ext cx="4606920" cy="3662640"/>
           </a:xfrm>
           <a:prstGeom prst="rect">
             <a:avLst/>
@@ -17140,7 +17178,7 @@
         <p:spPr>
           <a:xfrm>
             <a:off x="5162760" y="1228320"/>
-            <a:ext cx="3813840" cy="3845160"/>
+            <a:ext cx="3812400" cy="3843720"/>
           </a:xfrm>
           <a:prstGeom prst="rect">
             <a:avLst/>
@@ -17206,7 +17244,7 @@
         <p:spPr>
           <a:xfrm>
             <a:off x="249840" y="1147320"/>
-            <a:ext cx="4608360" cy="3664080"/>
+            <a:ext cx="4606920" cy="3662640"/>
           </a:xfrm>
           <a:prstGeom prst="rect">
             <a:avLst/>
@@ -17225,7 +17263,7 @@
         <p:spPr>
           <a:xfrm>
             <a:off x="98280" y="16200"/>
-            <a:ext cx="1052640" cy="1022760"/>
+            <a:ext cx="1051200" cy="1021320"/>
           </a:xfrm>
           <a:prstGeom prst="rect">
             <a:avLst/>
@@ -17323,7 +17361,7 @@
         <p:spPr>
           <a:xfrm>
             <a:off x="98280" y="16200"/>
-            <a:ext cx="8823600" cy="1013400"/>
+            <a:ext cx="8822160" cy="1011960"/>
           </a:xfrm>
           <a:prstGeom prst="rect">
             <a:avLst/>
@@ -17372,7 +17410,7 @@
         <p:spPr>
           <a:xfrm>
             <a:off x="655560" y="806040"/>
-            <a:ext cx="7578720" cy="4068720"/>
+            <a:ext cx="7577280" cy="4067280"/>
           </a:xfrm>
           <a:prstGeom prst="rect">
             <a:avLst/>
@@ -17546,7 +17584,7 @@
         <p:spPr>
           <a:xfrm>
             <a:off x="6336000" y="1944000"/>
-            <a:ext cx="2664000" cy="635400"/>
+            <a:ext cx="2662560" cy="633960"/>
           </a:xfrm>
           <a:prstGeom prst="rect">
             <a:avLst/>
@@ -17569,7 +17607,7 @@
         <p:spPr>
           <a:xfrm>
             <a:off x="6408000" y="2460240"/>
-            <a:ext cx="2606400" cy="635400"/>
+            <a:ext cx="2604960" cy="633960"/>
           </a:xfrm>
           <a:prstGeom prst="rect">
             <a:avLst/>
@@ -17588,7 +17626,7 @@
         <p:spPr>
           <a:xfrm>
             <a:off x="98280" y="16200"/>
-            <a:ext cx="1052640" cy="1022760"/>
+            <a:ext cx="1051200" cy="1021320"/>
           </a:xfrm>
           <a:prstGeom prst="rect">
             <a:avLst/>
@@ -17686,7 +17724,7 @@
         <p:spPr>
           <a:xfrm>
             <a:off x="98280" y="16200"/>
-            <a:ext cx="8823600" cy="1003680"/>
+            <a:ext cx="8822160" cy="1002240"/>
           </a:xfrm>
           <a:prstGeom prst="rect">
             <a:avLst/>
@@ -17735,7 +17773,7 @@
         <p:spPr>
           <a:xfrm>
             <a:off x="98280" y="4759920"/>
-            <a:ext cx="4756320" cy="381240"/>
+            <a:ext cx="4754880" cy="379800"/>
           </a:xfrm>
           <a:prstGeom prst="rect">
             <a:avLst/>
@@ -17791,7 +17829,7 @@
         <p:spPr>
           <a:xfrm>
             <a:off x="249840" y="1157040"/>
-            <a:ext cx="4608360" cy="3664080"/>
+            <a:ext cx="4606920" cy="3662640"/>
           </a:xfrm>
           <a:prstGeom prst="rect">
             <a:avLst/>
@@ -17810,7 +17848,7 @@
         <p:spPr>
           <a:xfrm>
             <a:off x="5162760" y="1228320"/>
-            <a:ext cx="3813840" cy="3845160"/>
+            <a:ext cx="3812400" cy="3843720"/>
           </a:xfrm>
           <a:prstGeom prst="rect">
             <a:avLst/>
@@ -17849,7 +17887,7 @@
             </a:endParaRPr>
           </a:p>
           <a:p>
-            <a:pPr marL="457200" indent="-352800">
+            <a:pPr marL="457200" indent="-351360">
               <a:lnSpc>
                 <a:spcPct val="150000"/>
               </a:lnSpc>
@@ -17901,7 +17939,7 @@
         <p:spPr>
           <a:xfrm>
             <a:off x="249840" y="1147320"/>
-            <a:ext cx="4608360" cy="3664080"/>
+            <a:ext cx="4606920" cy="3662640"/>
           </a:xfrm>
           <a:prstGeom prst="rect">
             <a:avLst/>
@@ -17920,7 +17958,7 @@
         <p:spPr>
           <a:xfrm>
             <a:off x="3240000" y="3600360"/>
-            <a:ext cx="717480" cy="357480"/>
+            <a:ext cx="716040" cy="356040"/>
           </a:xfrm>
           <a:prstGeom prst="frame">
             <a:avLst>
@@ -17952,7 +17990,7 @@
         <p:spPr>
           <a:xfrm>
             <a:off x="98280" y="16200"/>
-            <a:ext cx="1052640" cy="1022760"/>
+            <a:ext cx="1051200" cy="1021320"/>
           </a:xfrm>
           <a:prstGeom prst="rect">
             <a:avLst/>
@@ -18050,7 +18088,7 @@
         <p:spPr>
           <a:xfrm>
             <a:off x="98280" y="16200"/>
-            <a:ext cx="8823600" cy="1003680"/>
+            <a:ext cx="8822160" cy="1002240"/>
           </a:xfrm>
           <a:prstGeom prst="rect">
             <a:avLst/>
@@ -18099,7 +18137,7 @@
         <p:spPr>
           <a:xfrm>
             <a:off x="98280" y="4759920"/>
-            <a:ext cx="4756320" cy="381240"/>
+            <a:ext cx="4754880" cy="379800"/>
           </a:xfrm>
           <a:prstGeom prst="rect">
             <a:avLst/>
@@ -18155,7 +18193,7 @@
         <p:spPr>
           <a:xfrm>
             <a:off x="249840" y="1157040"/>
-            <a:ext cx="4608360" cy="3664080"/>
+            <a:ext cx="4606920" cy="3662640"/>
           </a:xfrm>
           <a:prstGeom prst="rect">
             <a:avLst/>
@@ -18174,7 +18212,7 @@
         <p:spPr>
           <a:xfrm>
             <a:off x="5162760" y="1228320"/>
-            <a:ext cx="3813840" cy="3845160"/>
+            <a:ext cx="3812400" cy="3843720"/>
           </a:xfrm>
           <a:prstGeom prst="rect">
             <a:avLst/>
@@ -18213,7 +18251,7 @@
             </a:endParaRPr>
           </a:p>
           <a:p>
-            <a:pPr marL="457200" indent="-352800">
+            <a:pPr marL="457200" indent="-351360">
               <a:lnSpc>
                 <a:spcPct val="150000"/>
               </a:lnSpc>
@@ -18241,7 +18279,7 @@
             </a:endParaRPr>
           </a:p>
           <a:p>
-            <a:pPr marL="457200" indent="-352800">
+            <a:pPr marL="457200" indent="-351360">
               <a:lnSpc>
                 <a:spcPct val="150000"/>
               </a:lnSpc>
@@ -18290,7 +18328,7 @@
         <p:spPr>
           <a:xfrm>
             <a:off x="249840" y="1147320"/>
-            <a:ext cx="4608360" cy="3664080"/>
+            <a:ext cx="4606920" cy="3662640"/>
           </a:xfrm>
           <a:prstGeom prst="rect">
             <a:avLst/>
@@ -18313,7 +18351,7 @@
         <p:spPr>
           <a:xfrm>
             <a:off x="1152000" y="2057400"/>
-            <a:ext cx="2445120" cy="1540440"/>
+            <a:ext cx="2443680" cy="1539000"/>
           </a:xfrm>
           <a:prstGeom prst="rect">
             <a:avLst/>
@@ -18360,7 +18398,7 @@
         <p:spPr>
           <a:xfrm>
             <a:off x="98280" y="16200"/>
-            <a:ext cx="1052640" cy="1022760"/>
+            <a:ext cx="1051200" cy="1021320"/>
           </a:xfrm>
           <a:prstGeom prst="rect">
             <a:avLst/>
@@ -18458,7 +18496,7 @@
         <p:spPr>
           <a:xfrm>
             <a:off x="98280" y="16200"/>
-            <a:ext cx="8823600" cy="1003680"/>
+            <a:ext cx="8822160" cy="1002240"/>
           </a:xfrm>
           <a:prstGeom prst="rect">
             <a:avLst/>
@@ -18507,7 +18545,7 @@
         <p:spPr>
           <a:xfrm>
             <a:off x="98280" y="4759920"/>
-            <a:ext cx="4756320" cy="381240"/>
+            <a:ext cx="4754880" cy="379800"/>
           </a:xfrm>
           <a:prstGeom prst="rect">
             <a:avLst/>
@@ -18563,7 +18601,7 @@
         <p:spPr>
           <a:xfrm>
             <a:off x="249840" y="1157040"/>
-            <a:ext cx="4608360" cy="3664080"/>
+            <a:ext cx="4606920" cy="3662640"/>
           </a:xfrm>
           <a:prstGeom prst="rect">
             <a:avLst/>
@@ -18582,7 +18620,7 @@
         <p:spPr>
           <a:xfrm>
             <a:off x="5162760" y="1228320"/>
-            <a:ext cx="3813840" cy="3845160"/>
+            <a:ext cx="3812400" cy="3843720"/>
           </a:xfrm>
           <a:prstGeom prst="rect">
             <a:avLst/>
@@ -18621,7 +18659,7 @@
             </a:endParaRPr>
           </a:p>
           <a:p>
-            <a:pPr marL="457200" indent="-352800">
+            <a:pPr marL="457200" indent="-351360">
               <a:lnSpc>
                 <a:spcPct val="150000"/>
               </a:lnSpc>
@@ -18649,7 +18687,7 @@
             </a:endParaRPr>
           </a:p>
           <a:p>
-            <a:pPr marL="457200" indent="-352800">
+            <a:pPr marL="457200" indent="-351360">
               <a:lnSpc>
                 <a:spcPct val="150000"/>
               </a:lnSpc>
@@ -18674,7 +18712,7 @@
             </a:endParaRPr>
           </a:p>
           <a:p>
-            <a:pPr marL="457200" indent="-352800">
+            <a:pPr marL="457200" indent="-351360">
               <a:lnSpc>
                 <a:spcPct val="150000"/>
               </a:lnSpc>
@@ -18713,7 +18751,7 @@
         <p:spPr>
           <a:xfrm>
             <a:off x="249840" y="1147320"/>
-            <a:ext cx="4608360" cy="3664080"/>
+            <a:ext cx="4606920" cy="3662640"/>
           </a:xfrm>
           <a:prstGeom prst="rect">
             <a:avLst/>
@@ -18732,7 +18770,7 @@
         <p:spPr>
           <a:xfrm>
             <a:off x="98280" y="16200"/>
-            <a:ext cx="1052640" cy="1022760"/>
+            <a:ext cx="1051200" cy="1021320"/>
           </a:xfrm>
           <a:prstGeom prst="rect">
             <a:avLst/>
@@ -18830,7 +18868,7 @@
         <p:spPr>
           <a:xfrm>
             <a:off x="98280" y="16200"/>
-            <a:ext cx="8823600" cy="1032480"/>
+            <a:ext cx="8822160" cy="1031040"/>
           </a:xfrm>
           <a:prstGeom prst="rect">
             <a:avLst/>
@@ -18879,7 +18917,7 @@
         <p:spPr>
           <a:xfrm>
             <a:off x="276120" y="1167120"/>
-            <a:ext cx="8579520" cy="3974400"/>
+            <a:ext cx="8578080" cy="3972960"/>
           </a:xfrm>
           <a:prstGeom prst="rect">
             <a:avLst/>
@@ -19042,7 +19080,7 @@
         <p:spPr>
           <a:xfrm>
             <a:off x="6624000" y="3024360"/>
-            <a:ext cx="2369880" cy="1333080"/>
+            <a:ext cx="2368440" cy="1331640"/>
           </a:xfrm>
           <a:prstGeom prst="rect">
             <a:avLst/>
@@ -19061,7 +19099,7 @@
         <p:spPr>
           <a:xfrm>
             <a:off x="98280" y="16200"/>
-            <a:ext cx="1052640" cy="1022760"/>
+            <a:ext cx="1051200" cy="1021320"/>
           </a:xfrm>
           <a:prstGeom prst="rect">
             <a:avLst/>
@@ -19159,7 +19197,7 @@
         <p:spPr>
           <a:xfrm>
             <a:off x="98280" y="16200"/>
-            <a:ext cx="8823600" cy="1013400"/>
+            <a:ext cx="8822160" cy="1011960"/>
           </a:xfrm>
           <a:prstGeom prst="rect">
             <a:avLst/>
@@ -19208,7 +19246,7 @@
         <p:spPr>
           <a:xfrm>
             <a:off x="463680" y="1213560"/>
-            <a:ext cx="7902000" cy="3731760"/>
+            <a:ext cx="7900560" cy="3730320"/>
           </a:xfrm>
           <a:prstGeom prst="rect">
             <a:avLst/>
@@ -19356,7 +19394,7 @@
         <p:spPr>
           <a:xfrm>
             <a:off x="6098400" y="1213560"/>
-            <a:ext cx="2683080" cy="1702440"/>
+            <a:ext cx="2681640" cy="1701000"/>
           </a:xfrm>
           <a:prstGeom prst="rect">
             <a:avLst/>
@@ -19375,7 +19413,7 @@
         <p:spPr>
           <a:xfrm>
             <a:off x="98280" y="16200"/>
-            <a:ext cx="1052640" cy="1022760"/>
+            <a:ext cx="1051200" cy="1021320"/>
           </a:xfrm>
           <a:prstGeom prst="rect">
             <a:avLst/>
@@ -19473,7 +19511,7 @@
         <p:spPr>
           <a:xfrm>
             <a:off x="2068920" y="1301760"/>
-            <a:ext cx="5003640" cy="2275920"/>
+            <a:ext cx="5002200" cy="2274480"/>
           </a:xfrm>
           <a:prstGeom prst="rect">
             <a:avLst/>
@@ -19594,7 +19632,7 @@
         <p:spPr>
           <a:xfrm>
             <a:off x="98280" y="16200"/>
-            <a:ext cx="8823600" cy="1053000"/>
+            <a:ext cx="8822160" cy="1051560"/>
           </a:xfrm>
           <a:prstGeom prst="rect">
             <a:avLst/>
@@ -19643,7 +19681,7 @@
         <p:spPr>
           <a:xfrm>
             <a:off x="216000" y="1113840"/>
-            <a:ext cx="8706240" cy="4027680"/>
+            <a:ext cx="8704800" cy="4026240"/>
           </a:xfrm>
           <a:prstGeom prst="rect">
             <a:avLst/>
@@ -19814,7 +19852,7 @@
         <p:spPr>
           <a:xfrm>
             <a:off x="8280000" y="3384360"/>
-            <a:ext cx="573480" cy="640440"/>
+            <a:ext cx="572040" cy="639000"/>
           </a:xfrm>
           <a:prstGeom prst="rect">
             <a:avLst/>
@@ -19837,7 +19875,7 @@
         <p:spPr>
           <a:xfrm>
             <a:off x="8158680" y="2376000"/>
-            <a:ext cx="763560" cy="642240"/>
+            <a:ext cx="762120" cy="640800"/>
           </a:xfrm>
           <a:prstGeom prst="rect">
             <a:avLst/>
@@ -19860,7 +19898,7 @@
         <p:spPr>
           <a:xfrm>
             <a:off x="6554520" y="2880000"/>
-            <a:ext cx="1221480" cy="645480"/>
+            <a:ext cx="1220040" cy="644040"/>
           </a:xfrm>
           <a:prstGeom prst="rect">
             <a:avLst/>
@@ -19883,7 +19921,7 @@
         <p:spPr>
           <a:xfrm>
             <a:off x="7560000" y="2832120"/>
-            <a:ext cx="614880" cy="623880"/>
+            <a:ext cx="613440" cy="622440"/>
           </a:xfrm>
           <a:prstGeom prst="rect">
             <a:avLst/>
@@ -19902,7 +19940,7 @@
         <p:spPr>
           <a:xfrm>
             <a:off x="98280" y="16200"/>
-            <a:ext cx="1052640" cy="1022760"/>
+            <a:ext cx="1051200" cy="1021320"/>
           </a:xfrm>
           <a:prstGeom prst="rect">
             <a:avLst/>
@@ -19955,7 +19993,7 @@
         <p:spPr>
           <a:xfrm>
             <a:off x="6336000" y="2880000"/>
-            <a:ext cx="530280" cy="583920"/>
+            <a:ext cx="528840" cy="582480"/>
           </a:xfrm>
           <a:prstGeom prst="rect">
             <a:avLst/>
@@ -20023,7 +20061,7 @@
         <p:spPr>
           <a:xfrm>
             <a:off x="98280" y="16200"/>
-            <a:ext cx="8823600" cy="1013400"/>
+            <a:ext cx="8822160" cy="1011960"/>
           </a:xfrm>
           <a:prstGeom prst="rect">
             <a:avLst/>
@@ -20072,7 +20110,7 @@
         <p:spPr>
           <a:xfrm>
             <a:off x="243360" y="1295640"/>
-            <a:ext cx="8654400" cy="3845160"/>
+            <a:ext cx="8652960" cy="3843720"/>
           </a:xfrm>
           <a:prstGeom prst="rect">
             <a:avLst/>
@@ -20111,7 +20149,7 @@
             </a:endParaRPr>
           </a:p>
           <a:p>
-            <a:pPr marL="457200" indent="-352800">
+            <a:pPr marL="457200" indent="-351360">
               <a:lnSpc>
                 <a:spcPct val="150000"/>
               </a:lnSpc>
@@ -20139,7 +20177,7 @@
             </a:endParaRPr>
           </a:p>
           <a:p>
-            <a:pPr marL="457200" indent="-352800">
+            <a:pPr marL="457200" indent="-351360">
               <a:lnSpc>
                 <a:spcPct val="150000"/>
               </a:lnSpc>
@@ -20164,7 +20202,7 @@
             </a:endParaRPr>
           </a:p>
           <a:p>
-            <a:pPr marL="457200" indent="-352800">
+            <a:pPr marL="457200" indent="-351360">
               <a:lnSpc>
                 <a:spcPct val="150000"/>
               </a:lnSpc>
@@ -20189,7 +20227,7 @@
             </a:endParaRPr>
           </a:p>
           <a:p>
-            <a:pPr marL="457200" indent="-352800">
+            <a:pPr marL="457200" indent="-351360">
               <a:lnSpc>
                 <a:spcPct val="150000"/>
               </a:lnSpc>
@@ -20214,7 +20252,7 @@
             </a:endParaRPr>
           </a:p>
           <a:p>
-            <a:pPr marL="457200" indent="-352800">
+            <a:pPr marL="457200" indent="-351360">
               <a:lnSpc>
                 <a:spcPct val="150000"/>
               </a:lnSpc>
@@ -20265,7 +20303,7 @@
         <p:spPr>
           <a:xfrm>
             <a:off x="98280" y="16200"/>
-            <a:ext cx="1052640" cy="1022760"/>
+            <a:ext cx="1051200" cy="1021320"/>
           </a:xfrm>
           <a:prstGeom prst="rect">
             <a:avLst/>
@@ -20363,7 +20401,7 @@
         <p:spPr>
           <a:xfrm>
             <a:off x="98280" y="16200"/>
-            <a:ext cx="8823600" cy="1013400"/>
+            <a:ext cx="8822160" cy="1011960"/>
           </a:xfrm>
           <a:prstGeom prst="rect">
             <a:avLst/>
@@ -20412,7 +20450,7 @@
         <p:spPr>
           <a:xfrm>
             <a:off x="243360" y="1295640"/>
-            <a:ext cx="8654400" cy="3845160"/>
+            <a:ext cx="8652960" cy="3843720"/>
           </a:xfrm>
           <a:prstGeom prst="rect">
             <a:avLst/>
@@ -20471,7 +20509,7 @@
         <p:spPr>
           <a:xfrm>
             <a:off x="360000" y="1447920"/>
-            <a:ext cx="3912480" cy="2582280"/>
+            <a:ext cx="3911040" cy="2580840"/>
           </a:xfrm>
           <a:prstGeom prst="rect">
             <a:avLst/>
@@ -20490,7 +20528,7 @@
         <p:spPr>
           <a:xfrm>
             <a:off x="352440" y="4030560"/>
-            <a:ext cx="3957840" cy="573840"/>
+            <a:ext cx="3956400" cy="572400"/>
           </a:xfrm>
           <a:prstGeom prst="rect">
             <a:avLst/>
@@ -20555,7 +20593,7 @@
         <p:spPr>
           <a:xfrm>
             <a:off x="4685400" y="4017600"/>
-            <a:ext cx="4145760" cy="573840"/>
+            <a:ext cx="4144320" cy="572400"/>
           </a:xfrm>
           <a:prstGeom prst="rect">
             <a:avLst/>
@@ -20620,7 +20658,7 @@
         <p:spPr>
           <a:xfrm>
             <a:off x="98280" y="16200"/>
-            <a:ext cx="1052640" cy="1022760"/>
+            <a:ext cx="1051200" cy="1021320"/>
           </a:xfrm>
           <a:prstGeom prst="rect">
             <a:avLst/>
@@ -20673,7 +20711,7 @@
         <p:spPr>
           <a:xfrm>
             <a:off x="4752000" y="1441800"/>
-            <a:ext cx="3995280" cy="2589480"/>
+            <a:ext cx="3993840" cy="2588040"/>
           </a:xfrm>
           <a:prstGeom prst="rect">
             <a:avLst/>
@@ -20741,7 +20779,7 @@
         <p:spPr>
           <a:xfrm>
             <a:off x="98280" y="16200"/>
-            <a:ext cx="8823600" cy="1042200"/>
+            <a:ext cx="8822160" cy="1040760"/>
           </a:xfrm>
           <a:prstGeom prst="rect">
             <a:avLst/>
@@ -20794,7 +20832,7 @@
         <p:spPr>
           <a:xfrm>
             <a:off x="1381680" y="1157400"/>
-            <a:ext cx="5479560" cy="3564360"/>
+            <a:ext cx="5478120" cy="3562920"/>
           </a:xfrm>
           <a:prstGeom prst="rect">
             <a:avLst/>
@@ -20813,7 +20851,7 @@
         <p:spPr>
           <a:xfrm>
             <a:off x="2511720" y="4724640"/>
-            <a:ext cx="3997080" cy="391320"/>
+            <a:ext cx="3995640" cy="389880"/>
           </a:xfrm>
           <a:prstGeom prst="rect">
             <a:avLst/>
@@ -20865,7 +20903,7 @@
         <p:spPr>
           <a:xfrm>
             <a:off x="98280" y="16200"/>
-            <a:ext cx="1052640" cy="1022760"/>
+            <a:ext cx="1051200" cy="1021320"/>
           </a:xfrm>
           <a:prstGeom prst="rect">
             <a:avLst/>
@@ -20963,7 +21001,7 @@
         <p:spPr>
           <a:xfrm>
             <a:off x="98280" y="16200"/>
-            <a:ext cx="8823600" cy="1042200"/>
+            <a:ext cx="8822160" cy="1040760"/>
           </a:xfrm>
           <a:prstGeom prst="rect">
             <a:avLst/>
@@ -21016,7 +21054,7 @@
         <p:spPr>
           <a:xfrm>
             <a:off x="1381680" y="1148040"/>
-            <a:ext cx="5479560" cy="3573720"/>
+            <a:ext cx="5478120" cy="3572280"/>
           </a:xfrm>
           <a:prstGeom prst="rect">
             <a:avLst/>
@@ -21035,7 +21073,7 @@
         <p:spPr>
           <a:xfrm>
             <a:off x="2511720" y="4724640"/>
-            <a:ext cx="3997080" cy="391320"/>
+            <a:ext cx="3995640" cy="389880"/>
           </a:xfrm>
           <a:prstGeom prst="rect">
             <a:avLst/>
@@ -21087,7 +21125,7 @@
         <p:spPr>
           <a:xfrm>
             <a:off x="5112000" y="2520000"/>
-            <a:ext cx="1749240" cy="861480"/>
+            <a:ext cx="1747800" cy="860040"/>
           </a:xfrm>
           <a:prstGeom prst="frame">
             <a:avLst>
@@ -21119,7 +21157,7 @@
         <p:spPr>
           <a:xfrm>
             <a:off x="98280" y="16200"/>
-            <a:ext cx="1052640" cy="1022760"/>
+            <a:ext cx="1051200" cy="1021320"/>
           </a:xfrm>
           <a:prstGeom prst="rect">
             <a:avLst/>
@@ -21217,7 +21255,7 @@
         <p:spPr>
           <a:xfrm>
             <a:off x="98280" y="16200"/>
-            <a:ext cx="8823600" cy="1042200"/>
+            <a:ext cx="8822160" cy="1040760"/>
           </a:xfrm>
           <a:prstGeom prst="rect">
             <a:avLst/>
@@ -21266,7 +21304,7 @@
         <p:spPr>
           <a:xfrm>
             <a:off x="2511720" y="4724640"/>
-            <a:ext cx="3997080" cy="391320"/>
+            <a:ext cx="3995640" cy="389880"/>
           </a:xfrm>
           <a:prstGeom prst="rect">
             <a:avLst/>
@@ -21322,7 +21360,7 @@
         <p:spPr>
           <a:xfrm>
             <a:off x="2952720" y="1755360"/>
-            <a:ext cx="3236040" cy="1635840"/>
+            <a:ext cx="3234600" cy="1634400"/>
           </a:xfrm>
           <a:prstGeom prst="rect">
             <a:avLst/>
@@ -21341,7 +21379,7 @@
         <p:spPr>
           <a:xfrm>
             <a:off x="98280" y="16200"/>
-            <a:ext cx="1052640" cy="1022760"/>
+            <a:ext cx="1051200" cy="1021320"/>
           </a:xfrm>
           <a:prstGeom prst="rect">
             <a:avLst/>
